--- a/slides/IntroToDockerBcc2016.pptx
+++ b/slides/IntroToDockerBcc2016.pptx
@@ -2,34 +2,34 @@
 <file path=ppt/presentation.xml><?xml version="1.0" encoding="utf-8"?>
 <p:presentation xmlns:a="http://schemas.openxmlformats.org/drawingml/2006/main" xmlns:r="http://schemas.openxmlformats.org/officeDocument/2006/relationships" xmlns:p="http://schemas.openxmlformats.org/presentationml/2006/main">
   <p:sldMasterIdLst>
-    <p:sldMasterId id="2147483648" r:id="rId5"/>
+    <p:sldMasterId id="2147483648" r:id="rId1"/>
   </p:sldMasterIdLst>
   <p:notesMasterIdLst>
-    <p:notesMasterId r:id="rId7"/>
+    <p:notesMasterId r:id="rId24"/>
   </p:notesMasterIdLst>
   <p:sldIdLst>
-    <p:sldId id="256" r:id="rId8"/>
-    <p:sldId id="257" r:id="rId9"/>
-    <p:sldId id="258" r:id="rId10"/>
-    <p:sldId id="259" r:id="rId11"/>
-    <p:sldId id="260" r:id="rId12"/>
-    <p:sldId id="261" r:id="rId13"/>
-    <p:sldId id="262" r:id="rId14"/>
-    <p:sldId id="263" r:id="rId15"/>
-    <p:sldId id="264" r:id="rId16"/>
-    <p:sldId id="265" r:id="rId17"/>
-    <p:sldId id="266" r:id="rId18"/>
-    <p:sldId id="267" r:id="rId19"/>
-    <p:sldId id="268" r:id="rId20"/>
-    <p:sldId id="269" r:id="rId21"/>
-    <p:sldId id="270" r:id="rId22"/>
-    <p:sldId id="271" r:id="rId23"/>
-    <p:sldId id="272" r:id="rId24"/>
-    <p:sldId id="273" r:id="rId25"/>
-    <p:sldId id="274" r:id="rId26"/>
-    <p:sldId id="275" r:id="rId27"/>
-    <p:sldId id="276" r:id="rId28"/>
-    <p:sldId id="277" r:id="rId29"/>
+    <p:sldId id="256" r:id="rId2"/>
+    <p:sldId id="257" r:id="rId3"/>
+    <p:sldId id="258" r:id="rId4"/>
+    <p:sldId id="259" r:id="rId5"/>
+    <p:sldId id="260" r:id="rId6"/>
+    <p:sldId id="261" r:id="rId7"/>
+    <p:sldId id="262" r:id="rId8"/>
+    <p:sldId id="263" r:id="rId9"/>
+    <p:sldId id="264" r:id="rId10"/>
+    <p:sldId id="273" r:id="rId11"/>
+    <p:sldId id="265" r:id="rId12"/>
+    <p:sldId id="266" r:id="rId13"/>
+    <p:sldId id="267" r:id="rId14"/>
+    <p:sldId id="268" r:id="rId15"/>
+    <p:sldId id="269" r:id="rId16"/>
+    <p:sldId id="270" r:id="rId17"/>
+    <p:sldId id="271" r:id="rId18"/>
+    <p:sldId id="272" r:id="rId19"/>
+    <p:sldId id="274" r:id="rId20"/>
+    <p:sldId id="275" r:id="rId21"/>
+    <p:sldId id="276" r:id="rId22"/>
+    <p:sldId id="277" r:id="rId23"/>
   </p:sldIdLst>
   <p:sldSz cx="13004800" cy="9753600"/>
   <p:notesSz cx="6858000" cy="9144000"/>
@@ -49,7 +49,7 @@
       <a:buFontTx/>
       <a:buNone/>
       <a:tabLst/>
-      <a:defRPr b="0" baseline="0" cap="none" i="0" spc="0" strike="noStrike" sz="1800" u="none" kumimoji="0" normalizeH="0">
+      <a:defRPr kumimoji="0" sz="1800" b="0" i="0" u="none" strike="noStrike" cap="none" spc="0" normalizeH="0" baseline="0">
         <a:ln>
           <a:noFill/>
         </a:ln>
@@ -75,7 +75,7 @@
       <a:buFontTx/>
       <a:buNone/>
       <a:tabLst/>
-      <a:defRPr b="0" baseline="0" cap="none" i="0" spc="0" strike="noStrike" sz="2000" u="none" kumimoji="0" normalizeH="0">
+      <a:defRPr kumimoji="0" sz="2000" b="0" i="0" u="none" strike="noStrike" cap="none" spc="0" normalizeH="0" baseline="0">
         <a:ln>
           <a:noFill/>
         </a:ln>
@@ -105,7 +105,7 @@
       <a:buFontTx/>
       <a:buNone/>
       <a:tabLst/>
-      <a:defRPr b="0" baseline="0" cap="none" i="0" spc="0" strike="noStrike" sz="2000" u="none" kumimoji="0" normalizeH="0">
+      <a:defRPr kumimoji="0" sz="2000" b="0" i="0" u="none" strike="noStrike" cap="none" spc="0" normalizeH="0" baseline="0">
         <a:ln>
           <a:noFill/>
         </a:ln>
@@ -135,7 +135,7 @@
       <a:buFontTx/>
       <a:buNone/>
       <a:tabLst/>
-      <a:defRPr b="0" baseline="0" cap="none" i="0" spc="0" strike="noStrike" sz="2000" u="none" kumimoji="0" normalizeH="0">
+      <a:defRPr kumimoji="0" sz="2000" b="0" i="0" u="none" strike="noStrike" cap="none" spc="0" normalizeH="0" baseline="0">
         <a:ln>
           <a:noFill/>
         </a:ln>
@@ -165,7 +165,7 @@
       <a:buFontTx/>
       <a:buNone/>
       <a:tabLst/>
-      <a:defRPr b="0" baseline="0" cap="none" i="0" spc="0" strike="noStrike" sz="2000" u="none" kumimoji="0" normalizeH="0">
+      <a:defRPr kumimoji="0" sz="2000" b="0" i="0" u="none" strike="noStrike" cap="none" spc="0" normalizeH="0" baseline="0">
         <a:ln>
           <a:noFill/>
         </a:ln>
@@ -195,7 +195,7 @@
       <a:buFontTx/>
       <a:buNone/>
       <a:tabLst/>
-      <a:defRPr b="0" baseline="0" cap="none" i="0" spc="0" strike="noStrike" sz="2000" u="none" kumimoji="0" normalizeH="0">
+      <a:defRPr kumimoji="0" sz="2000" b="0" i="0" u="none" strike="noStrike" cap="none" spc="0" normalizeH="0" baseline="0">
         <a:ln>
           <a:noFill/>
         </a:ln>
@@ -225,7 +225,7 @@
       <a:buFontTx/>
       <a:buNone/>
       <a:tabLst/>
-      <a:defRPr b="0" baseline="0" cap="none" i="0" spc="0" strike="noStrike" sz="2000" u="none" kumimoji="0" normalizeH="0">
+      <a:defRPr kumimoji="0" sz="2000" b="0" i="0" u="none" strike="noStrike" cap="none" spc="0" normalizeH="0" baseline="0">
         <a:ln>
           <a:noFill/>
         </a:ln>
@@ -255,7 +255,7 @@
       <a:buFontTx/>
       <a:buNone/>
       <a:tabLst/>
-      <a:defRPr b="0" baseline="0" cap="none" i="0" spc="0" strike="noStrike" sz="2000" u="none" kumimoji="0" normalizeH="0">
+      <a:defRPr kumimoji="0" sz="2000" b="0" i="0" u="none" strike="noStrike" cap="none" spc="0" normalizeH="0" baseline="0">
         <a:ln>
           <a:noFill/>
         </a:ln>
@@ -285,7 +285,7 @@
       <a:buFontTx/>
       <a:buNone/>
       <a:tabLst/>
-      <a:defRPr b="0" baseline="0" cap="none" i="0" spc="0" strike="noStrike" sz="2000" u="none" kumimoji="0" normalizeH="0">
+      <a:defRPr kumimoji="0" sz="2000" b="0" i="0" u="none" strike="noStrike" cap="none" spc="0" normalizeH="0" baseline="0">
         <a:ln>
           <a:noFill/>
         </a:ln>
@@ -315,7 +315,7 @@
       <a:buFontTx/>
       <a:buNone/>
       <a:tabLst/>
-      <a:defRPr b="0" baseline="0" cap="none" i="0" spc="0" strike="noStrike" sz="2000" u="none" kumimoji="0" normalizeH="0">
+      <a:defRPr kumimoji="0" sz="2000" b="0" i="0" u="none" strike="noStrike" cap="none" spc="0" normalizeH="0" baseline="0">
         <a:ln>
           <a:noFill/>
         </a:ln>
@@ -334,13 +334,14 @@
 </p:presentation>
 </file>
 
-<file path=ppt/commentAuthors.xml><?xml version="1.0" encoding="utf-8"?>
-<p:cmAuthorLst xmlns:a="http://schemas.openxmlformats.org/drawingml/2006/main" xmlns:r="http://schemas.openxmlformats.org/officeDocument/2006/relationships" xmlns:p="http://schemas.openxmlformats.org/presentationml/2006/main"/>
-</file>
-
 <file path=ppt/notesMasters/notesMaster1.xml><?xml version="1.0" encoding="utf-8"?>
 <p:notesMaster xmlns:a="http://schemas.openxmlformats.org/drawingml/2006/main" xmlns:r="http://schemas.openxmlformats.org/officeDocument/2006/relationships" xmlns:p="http://schemas.openxmlformats.org/presentationml/2006/main">
   <p:cSld>
+    <p:bg>
+      <p:bgRef idx="1001">
+        <a:schemeClr val="bg1"/>
+      </p:bgRef>
+    </p:bg>
     <p:spTree>
       <p:nvGrpSpPr>
         <p:cNvPr id="1" name=""/>
@@ -358,7 +359,9 @@
       <p:sp>
         <p:nvSpPr>
           <p:cNvPr id="163" name="Shape 163"/>
-          <p:cNvSpPr/>
+          <p:cNvSpPr>
+            <a:spLocks noGrp="1" noRot="1" noChangeAspect="1"/>
+          </p:cNvSpPr>
           <p:nvPr>
             <p:ph type="sldImg"/>
           </p:nvPr>
@@ -376,14 +379,16 @@
           <a:bodyPr/>
           <a:lstStyle/>
           <a:p>
-            <a:pPr/>
+            <a:endParaRPr/>
           </a:p>
         </p:txBody>
       </p:sp>
       <p:sp>
         <p:nvSpPr>
           <p:cNvPr id="164" name="Shape 164"/>
-          <p:cNvSpPr/>
+          <p:cNvSpPr>
+            <a:spLocks noGrp="1"/>
+          </p:cNvSpPr>
           <p:nvPr>
             <p:ph type="body" sz="quarter" idx="1"/>
           </p:nvPr>
@@ -401,11 +406,16 @@
           <a:bodyPr/>
           <a:lstStyle/>
           <a:p>
-            <a:pPr/>
+            <a:endParaRPr/>
           </a:p>
         </p:txBody>
       </p:sp>
     </p:spTree>
+    <p:extLst>
+      <p:ext uri="{BB962C8B-B14F-4D97-AF65-F5344CB8AC3E}">
+        <p14:creationId xmlns:p14="http://schemas.microsoft.com/office/powerpoint/2010/main" val="1272902815"/>
+      </p:ext>
+    </p:extLst>
   </p:cSld>
   <p:clrMap bg1="lt1" tx1="dk1" bg2="lt2" tx2="dk2" accent1="accent1" accent2="accent2" accent3="accent3" accent4="accent4" accent5="accent5" accent6="accent6" hlink="hlink" folHlink="folHlink"/>
   <p:notesStyle>
@@ -513,13 +523,14 @@
 </file>
 
 <file path=ppt/slideLayouts/slideLayout1.xml><?xml version="1.0" encoding="utf-8"?>
-<p:sldLayout xmlns:a="http://schemas.openxmlformats.org/drawingml/2006/main" xmlns:r="http://schemas.openxmlformats.org/officeDocument/2006/relationships" xmlns:p="http://schemas.openxmlformats.org/presentationml/2006/main" type="title" showMasterSp="0" showMasterPhAnim="1">
+<p:sldLayout xmlns:a="http://schemas.openxmlformats.org/drawingml/2006/main" xmlns:r="http://schemas.openxmlformats.org/officeDocument/2006/relationships" xmlns:p="http://schemas.openxmlformats.org/presentationml/2006/main" showMasterSp="0" type="title">
   <p:cSld name="Title &amp; Subtitle">
     <p:bg>
       <p:bgPr>
         <a:solidFill>
           <a:srgbClr val="222222"/>
         </a:solidFill>
+        <a:effectLst/>
       </p:bgPr>
     </p:bg>
     <p:spTree>
@@ -575,13 +586,16 @@
                 <a:sym typeface="Helvetica"/>
               </a:defRPr>
             </a:pPr>
+            <a:endParaRPr/>
           </a:p>
         </p:txBody>
       </p:sp>
       <p:sp>
         <p:nvSpPr>
           <p:cNvPr id="13" name="Shape 13"/>
-          <p:cNvSpPr/>
+          <p:cNvSpPr>
+            <a:spLocks noGrp="1"/>
+          </p:cNvSpPr>
           <p:nvPr>
             <p:ph type="title"/>
           </p:nvPr>
@@ -606,7 +620,6 @@
             </a:lvl1pPr>
           </a:lstStyle>
           <a:p>
-            <a:pPr/>
             <a:r>
               <a:t>Title Text</a:t>
             </a:r>
@@ -616,7 +629,9 @@
       <p:sp>
         <p:nvSpPr>
           <p:cNvPr id="14" name="Shape 14"/>
-          <p:cNvSpPr/>
+          <p:cNvSpPr>
+            <a:spLocks noGrp="1"/>
+          </p:cNvSpPr>
           <p:nvPr>
             <p:ph type="body" sz="quarter" idx="1"/>
           </p:nvPr>
@@ -644,7 +659,7 @@
               <a:buSzTx/>
               <a:buFontTx/>
               <a:buNone/>
-              <a:defRPr cap="all" sz="5400">
+              <a:defRPr sz="5400" cap="all">
                 <a:solidFill>
                   <a:srgbClr val="A6AAA9"/>
                 </a:solidFill>
@@ -665,7 +680,7 @@
               <a:buSzTx/>
               <a:buFontTx/>
               <a:buNone/>
-              <a:defRPr cap="all" sz="5400">
+              <a:defRPr sz="5400" cap="all">
                 <a:solidFill>
                   <a:srgbClr val="A6AAA9"/>
                 </a:solidFill>
@@ -686,7 +701,7 @@
               <a:buSzTx/>
               <a:buFontTx/>
               <a:buNone/>
-              <a:defRPr cap="all" sz="5400">
+              <a:defRPr sz="5400" cap="all">
                 <a:solidFill>
                   <a:srgbClr val="A6AAA9"/>
                 </a:solidFill>
@@ -707,7 +722,7 @@
               <a:buSzTx/>
               <a:buFontTx/>
               <a:buNone/>
-              <a:defRPr cap="all" sz="5400">
+              <a:defRPr sz="5400" cap="all">
                 <a:solidFill>
                   <a:srgbClr val="A6AAA9"/>
                 </a:solidFill>
@@ -728,7 +743,7 @@
               <a:buSzTx/>
               <a:buFontTx/>
               <a:buNone/>
-              <a:defRPr cap="all" sz="5400">
+              <a:defRPr sz="5400" cap="all">
                 <a:solidFill>
                   <a:srgbClr val="A6AAA9"/>
                 </a:solidFill>
@@ -740,7 +755,6 @@
             </a:lvl5pPr>
           </a:lstStyle>
           <a:p>
-            <a:pPr/>
             <a:r>
               <a:t>Body Level One</a:t>
             </a:r>
@@ -774,7 +788,9 @@
       <p:sp>
         <p:nvSpPr>
           <p:cNvPr id="15" name="Shape 15"/>
-          <p:cNvSpPr/>
+          <p:cNvSpPr>
+            <a:spLocks noGrp="1"/>
+          </p:cNvSpPr>
           <p:nvPr>
             <p:ph type="sldNum" sz="quarter" idx="2"/>
           </p:nvPr>
@@ -792,8 +808,10 @@
           <a:bodyPr/>
           <a:lstStyle/>
           <a:p>
-            <a:pPr/>
-            <a:fld id="{86CB4B4D-7CA3-9044-876B-883B54F8677D}" type="slidenum"/>
+            <a:fld id="{86CB4B4D-7CA3-9044-876B-883B54F8677D}" type="slidenum">
+              <a:t>‹#›</a:t>
+            </a:fld>
+            <a:endParaRPr/>
           </a:p>
         </p:txBody>
       </p:sp>
@@ -802,18 +820,19 @@
   <p:clrMapOvr>
     <a:masterClrMapping/>
   </p:clrMapOvr>
-  <p:transition xmlns:p14="http://schemas.microsoft.com/office/powerpoint/2010/main" spd="med" advClick="1"/>
+  <p:transition xmlns:p14="http://schemas.microsoft.com/office/powerpoint/2010/main" spd="med"/>
 </p:sldLayout>
 </file>
 
 <file path=ppt/slideLayouts/slideLayout10.xml><?xml version="1.0" encoding="utf-8"?>
-<p:sldLayout xmlns:a="http://schemas.openxmlformats.org/drawingml/2006/main" xmlns:r="http://schemas.openxmlformats.org/officeDocument/2006/relationships" xmlns:p="http://schemas.openxmlformats.org/presentationml/2006/main" type="tx" showMasterSp="1" showMasterPhAnim="1">
+<p:sldLayout xmlns:a="http://schemas.openxmlformats.org/drawingml/2006/main" xmlns:r="http://schemas.openxmlformats.org/officeDocument/2006/relationships" xmlns:p="http://schemas.openxmlformats.org/presentationml/2006/main" type="tx">
   <p:cSld name="Bullets">
     <p:bg>
       <p:bgPr>
         <a:solidFill>
           <a:srgbClr val="222222"/>
         </a:solidFill>
+        <a:effectLst/>
       </p:bgPr>
     </p:bg>
     <p:spTree>
@@ -833,7 +852,9 @@
       <p:sp>
         <p:nvSpPr>
           <p:cNvPr id="102" name="Shape 102"/>
-          <p:cNvSpPr/>
+          <p:cNvSpPr>
+            <a:spLocks noGrp="1"/>
+          </p:cNvSpPr>
           <p:nvPr>
             <p:ph type="body" sz="quarter" idx="13"/>
           </p:nvPr>
@@ -863,7 +884,7 @@
               <a:buSzTx/>
               <a:buFontTx/>
               <a:buNone/>
-              <a:defRPr cap="all" spc="120" sz="2400">
+              <a:defRPr sz="2400" cap="all" spc="120">
                 <a:latin typeface="DIN Alternate"/>
                 <a:ea typeface="DIN Alternate"/>
                 <a:cs typeface="DIN Alternate"/>
@@ -872,7 +893,6 @@
             </a:lvl1pPr>
           </a:lstStyle>
           <a:p>
-            <a:pPr/>
             <a:r>
               <a:t>Text</a:t>
             </a:r>
@@ -882,7 +902,9 @@
       <p:sp>
         <p:nvSpPr>
           <p:cNvPr id="103" name="Shape 103"/>
-          <p:cNvSpPr/>
+          <p:cNvSpPr>
+            <a:spLocks noGrp="1"/>
+          </p:cNvSpPr>
           <p:nvPr>
             <p:ph type="body" idx="1"/>
           </p:nvPr>
@@ -927,7 +949,6 @@
             </a:lvl5pPr>
           </a:lstStyle>
           <a:p>
-            <a:pPr/>
             <a:r>
               <a:t>Body Level One</a:t>
             </a:r>
@@ -961,7 +982,9 @@
       <p:sp>
         <p:nvSpPr>
           <p:cNvPr id="104" name="Shape 104"/>
-          <p:cNvSpPr/>
+          <p:cNvSpPr>
+            <a:spLocks noGrp="1"/>
+          </p:cNvSpPr>
           <p:nvPr>
             <p:ph type="sldNum" sz="quarter" idx="2"/>
           </p:nvPr>
@@ -975,8 +998,10 @@
           <a:bodyPr/>
           <a:lstStyle/>
           <a:p>
-            <a:pPr/>
-            <a:fld id="{86CB4B4D-7CA3-9044-876B-883B54F8677D}" type="slidenum"/>
+            <a:fld id="{86CB4B4D-7CA3-9044-876B-883B54F8677D}" type="slidenum">
+              <a:t>‹#›</a:t>
+            </a:fld>
+            <a:endParaRPr/>
           </a:p>
         </p:txBody>
       </p:sp>
@@ -985,18 +1010,19 @@
   <p:clrMapOvr>
     <a:masterClrMapping/>
   </p:clrMapOvr>
-  <p:transition xmlns:p14="http://schemas.microsoft.com/office/powerpoint/2010/main" spd="med" advClick="1"/>
+  <p:transition xmlns:p14="http://schemas.microsoft.com/office/powerpoint/2010/main" spd="med"/>
 </p:sldLayout>
 </file>
 
 <file path=ppt/slideLayouts/slideLayout11.xml><?xml version="1.0" encoding="utf-8"?>
-<p:sldLayout xmlns:a="http://schemas.openxmlformats.org/drawingml/2006/main" xmlns:r="http://schemas.openxmlformats.org/officeDocument/2006/relationships" xmlns:p="http://schemas.openxmlformats.org/presentationml/2006/main" type="tx" showMasterSp="0" showMasterPhAnim="1">
+<p:sldLayout xmlns:a="http://schemas.openxmlformats.org/drawingml/2006/main" xmlns:r="http://schemas.openxmlformats.org/officeDocument/2006/relationships" xmlns:p="http://schemas.openxmlformats.org/presentationml/2006/main" showMasterSp="0" type="tx">
   <p:cSld name="Photo - 3 Up">
     <p:bg>
       <p:bgPr>
         <a:solidFill>
           <a:srgbClr val="222222"/>
         </a:solidFill>
+        <a:effectLst/>
       </p:bgPr>
     </p:bg>
     <p:spTree>
@@ -1016,7 +1042,9 @@
       <p:sp>
         <p:nvSpPr>
           <p:cNvPr id="111" name="Shape 111"/>
-          <p:cNvSpPr/>
+          <p:cNvSpPr>
+            <a:spLocks noGrp="1"/>
+          </p:cNvSpPr>
           <p:nvPr>
             <p:ph type="pic" sz="half" idx="13"/>
           </p:nvPr>
@@ -1036,14 +1064,16 @@
           </a:bodyPr>
           <a:lstStyle/>
           <a:p>
-            <a:pPr/>
+            <a:endParaRPr/>
           </a:p>
         </p:txBody>
       </p:sp>
       <p:sp>
         <p:nvSpPr>
           <p:cNvPr id="112" name="Shape 112"/>
-          <p:cNvSpPr/>
+          <p:cNvSpPr>
+            <a:spLocks noGrp="1"/>
+          </p:cNvSpPr>
           <p:nvPr>
             <p:ph type="pic" sz="half" idx="14"/>
           </p:nvPr>
@@ -1063,14 +1093,16 @@
           </a:bodyPr>
           <a:lstStyle/>
           <a:p>
-            <a:pPr/>
+            <a:endParaRPr/>
           </a:p>
         </p:txBody>
       </p:sp>
       <p:sp>
         <p:nvSpPr>
           <p:cNvPr id="113" name="Shape 113"/>
-          <p:cNvSpPr/>
+          <p:cNvSpPr>
+            <a:spLocks noGrp="1"/>
+          </p:cNvSpPr>
           <p:nvPr>
             <p:ph type="pic" idx="15"/>
           </p:nvPr>
@@ -1090,14 +1122,16 @@
           </a:bodyPr>
           <a:lstStyle/>
           <a:p>
-            <a:pPr/>
+            <a:endParaRPr/>
           </a:p>
         </p:txBody>
       </p:sp>
       <p:sp>
         <p:nvSpPr>
           <p:cNvPr id="114" name="Shape 114"/>
-          <p:cNvSpPr/>
+          <p:cNvSpPr>
+            <a:spLocks noGrp="1"/>
+          </p:cNvSpPr>
           <p:nvPr>
             <p:ph type="sldNum" sz="quarter" idx="2"/>
           </p:nvPr>
@@ -1111,8 +1145,10 @@
           <a:bodyPr/>
           <a:lstStyle/>
           <a:p>
-            <a:pPr/>
-            <a:fld id="{86CB4B4D-7CA3-9044-876B-883B54F8677D}" type="slidenum"/>
+            <a:fld id="{86CB4B4D-7CA3-9044-876B-883B54F8677D}" type="slidenum">
+              <a:t>‹#›</a:t>
+            </a:fld>
+            <a:endParaRPr/>
           </a:p>
         </p:txBody>
       </p:sp>
@@ -1121,18 +1157,19 @@
   <p:clrMapOvr>
     <a:masterClrMapping/>
   </p:clrMapOvr>
-  <p:transition xmlns:p14="http://schemas.microsoft.com/office/powerpoint/2010/main" spd="med" advClick="1"/>
+  <p:transition xmlns:p14="http://schemas.microsoft.com/office/powerpoint/2010/main" spd="med"/>
 </p:sldLayout>
 </file>
 
 <file path=ppt/slideLayouts/slideLayout12.xml><?xml version="1.0" encoding="utf-8"?>
-<p:sldLayout xmlns:a="http://schemas.openxmlformats.org/drawingml/2006/main" xmlns:r="http://schemas.openxmlformats.org/officeDocument/2006/relationships" xmlns:p="http://schemas.openxmlformats.org/presentationml/2006/main" type="tx" showMasterSp="1" showMasterPhAnim="1">
+<p:sldLayout xmlns:a="http://schemas.openxmlformats.org/drawingml/2006/main" xmlns:r="http://schemas.openxmlformats.org/officeDocument/2006/relationships" xmlns:p="http://schemas.openxmlformats.org/presentationml/2006/main" type="tx">
   <p:cSld name="Quote">
     <p:bg>
       <p:bgPr>
         <a:solidFill>
           <a:srgbClr val="222222"/>
         </a:solidFill>
+        <a:effectLst/>
       </p:bgPr>
     </p:bg>
     <p:spTree>
@@ -1180,7 +1217,7 @@
             </a:cxnLst>
             <a:rect l="0" t="0" r="r" b="b"/>
             <a:pathLst>
-              <a:path w="21600" h="21600" fill="norm" stroke="1" extrusionOk="0">
+              <a:path w="21600" h="21600" extrusionOk="0">
                 <a:moveTo>
                   <a:pt x="224" y="0"/>
                 </a:moveTo>
@@ -1247,7 +1284,7 @@
               <a:spcBef>
                 <a:spcPts val="0"/>
               </a:spcBef>
-              <a:defRPr cap="all" sz="2800">
+              <a:defRPr sz="2800" cap="all">
                 <a:solidFill>
                   <a:srgbClr val="FFFFFF"/>
                 </a:solidFill>
@@ -1257,13 +1294,16 @@
                 <a:sym typeface="DIN Condensed"/>
               </a:defRPr>
             </a:pPr>
+            <a:endParaRPr/>
           </a:p>
         </p:txBody>
       </p:sp>
       <p:sp>
         <p:nvSpPr>
           <p:cNvPr id="122" name="Shape 122"/>
-          <p:cNvSpPr/>
+          <p:cNvSpPr>
+            <a:spLocks noGrp="1"/>
+          </p:cNvSpPr>
           <p:nvPr>
             <p:ph type="body" sz="quarter" idx="13"/>
           </p:nvPr>
@@ -1293,7 +1333,7 @@
               <a:buSzTx/>
               <a:buFontTx/>
               <a:buNone/>
-              <a:defRPr cap="all" sz="9400">
+              <a:defRPr sz="9400" cap="all">
                 <a:solidFill>
                   <a:srgbClr val="FFFFFF"/>
                 </a:solidFill>
@@ -1305,7 +1345,6 @@
             </a:lvl1pPr>
           </a:lstStyle>
           <a:p>
-            <a:pPr/>
             <a:r>
               <a:t>Type a quote here.</a:t>
             </a:r>
@@ -1315,7 +1354,9 @@
       <p:sp>
         <p:nvSpPr>
           <p:cNvPr id="123" name="Shape 123"/>
-          <p:cNvSpPr/>
+          <p:cNvSpPr>
+            <a:spLocks noGrp="1"/>
+          </p:cNvSpPr>
           <p:nvPr>
             <p:ph type="body" sz="quarter" idx="14"/>
           </p:nvPr>
@@ -1354,7 +1395,6 @@
             </a:lvl1pPr>
           </a:lstStyle>
           <a:p>
-            <a:pPr/>
             <a:r>
               <a:t>Johnny Appleseed</a:t>
             </a:r>
@@ -1364,7 +1404,9 @@
       <p:sp>
         <p:nvSpPr>
           <p:cNvPr id="124" name="Shape 124"/>
-          <p:cNvSpPr/>
+          <p:cNvSpPr>
+            <a:spLocks noGrp="1"/>
+          </p:cNvSpPr>
           <p:nvPr>
             <p:ph type="body" sz="quarter" idx="15"/>
           </p:nvPr>
@@ -1394,7 +1436,7 @@
               <a:buSzTx/>
               <a:buFontTx/>
               <a:buNone/>
-              <a:defRPr cap="all" spc="120" sz="2400">
+              <a:defRPr sz="2400" cap="all" spc="120">
                 <a:latin typeface="DIN Alternate"/>
                 <a:ea typeface="DIN Alternate"/>
                 <a:cs typeface="DIN Alternate"/>
@@ -1403,7 +1445,6 @@
             </a:lvl1pPr>
           </a:lstStyle>
           <a:p>
-            <a:pPr/>
             <a:r>
               <a:t>Text</a:t>
             </a:r>
@@ -1413,7 +1454,9 @@
       <p:sp>
         <p:nvSpPr>
           <p:cNvPr id="125" name="Shape 125"/>
-          <p:cNvSpPr/>
+          <p:cNvSpPr>
+            <a:spLocks noGrp="1"/>
+          </p:cNvSpPr>
           <p:nvPr>
             <p:ph type="sldNum" sz="quarter" idx="2"/>
           </p:nvPr>
@@ -1427,8 +1470,10 @@
           <a:bodyPr/>
           <a:lstStyle/>
           <a:p>
-            <a:pPr/>
-            <a:fld id="{86CB4B4D-7CA3-9044-876B-883B54F8677D}" type="slidenum"/>
+            <a:fld id="{86CB4B4D-7CA3-9044-876B-883B54F8677D}" type="slidenum">
+              <a:t>‹#›</a:t>
+            </a:fld>
+            <a:endParaRPr/>
           </a:p>
         </p:txBody>
       </p:sp>
@@ -1437,18 +1482,19 @@
   <p:clrMapOvr>
     <a:masterClrMapping/>
   </p:clrMapOvr>
-  <p:transition xmlns:p14="http://schemas.microsoft.com/office/powerpoint/2010/main" spd="med" advClick="1"/>
+  <p:transition xmlns:p14="http://schemas.microsoft.com/office/powerpoint/2010/main" spd="med"/>
 </p:sldLayout>
 </file>
 
 <file path=ppt/slideLayouts/slideLayout13.xml><?xml version="1.0" encoding="utf-8"?>
-<p:sldLayout xmlns:a="http://schemas.openxmlformats.org/drawingml/2006/main" xmlns:r="http://schemas.openxmlformats.org/officeDocument/2006/relationships" xmlns:p="http://schemas.openxmlformats.org/presentationml/2006/main" type="tx" showMasterSp="0" showMasterPhAnim="1">
+<p:sldLayout xmlns:a="http://schemas.openxmlformats.org/drawingml/2006/main" xmlns:r="http://schemas.openxmlformats.org/officeDocument/2006/relationships" xmlns:p="http://schemas.openxmlformats.org/presentationml/2006/main" showMasterSp="0" type="tx">
   <p:cSld name="Quote Alt">
     <p:bg>
       <p:bgPr>
         <a:solidFill>
           <a:schemeClr val="accent1"/>
         </a:solidFill>
+        <a:effectLst/>
       </p:bgPr>
     </p:bg>
     <p:spTree>
@@ -1468,7 +1514,9 @@
       <p:sp>
         <p:nvSpPr>
           <p:cNvPr id="132" name="Shape 132"/>
-          <p:cNvSpPr/>
+          <p:cNvSpPr>
+            <a:spLocks noGrp="1"/>
+          </p:cNvSpPr>
           <p:nvPr>
             <p:ph type="body" sz="quarter" idx="13"/>
           </p:nvPr>
@@ -1498,7 +1546,7 @@
               <a:buSzTx/>
               <a:buFontTx/>
               <a:buNone/>
-              <a:defRPr cap="all" sz="9400">
+              <a:defRPr sz="9400" cap="all">
                 <a:solidFill>
                   <a:srgbClr val="FFFFFF"/>
                 </a:solidFill>
@@ -1510,7 +1558,6 @@
             </a:lvl1pPr>
           </a:lstStyle>
           <a:p>
-            <a:pPr/>
             <a:r>
               <a:t>Type a quote here.</a:t>
             </a:r>
@@ -1520,7 +1567,9 @@
       <p:sp>
         <p:nvSpPr>
           <p:cNvPr id="133" name="Shape 133"/>
-          <p:cNvSpPr/>
+          <p:cNvSpPr>
+            <a:spLocks noGrp="1"/>
+          </p:cNvSpPr>
           <p:nvPr>
             <p:ph type="pic" idx="14"/>
           </p:nvPr>
@@ -1540,14 +1589,16 @@
           </a:bodyPr>
           <a:lstStyle/>
           <a:p>
-            <a:pPr/>
+            <a:endParaRPr/>
           </a:p>
         </p:txBody>
       </p:sp>
       <p:sp>
         <p:nvSpPr>
           <p:cNvPr id="134" name="Shape 134"/>
-          <p:cNvSpPr/>
+          <p:cNvSpPr>
+            <a:spLocks noGrp="1"/>
+          </p:cNvSpPr>
           <p:nvPr>
             <p:ph type="body" sz="quarter" idx="15"/>
           </p:nvPr>
@@ -1586,7 +1637,6 @@
             </a:lvl1pPr>
           </a:lstStyle>
           <a:p>
-            <a:pPr/>
             <a:r>
               <a:t>Johnny Appleseed</a:t>
             </a:r>
@@ -1596,7 +1646,9 @@
       <p:sp>
         <p:nvSpPr>
           <p:cNvPr id="135" name="Shape 135"/>
-          <p:cNvSpPr/>
+          <p:cNvSpPr>
+            <a:spLocks noGrp="1"/>
+          </p:cNvSpPr>
           <p:nvPr>
             <p:ph type="sldNum" sz="quarter" idx="2"/>
           </p:nvPr>
@@ -1610,8 +1662,10 @@
           <a:bodyPr/>
           <a:lstStyle/>
           <a:p>
-            <a:pPr/>
-            <a:fld id="{86CB4B4D-7CA3-9044-876B-883B54F8677D}" type="slidenum"/>
+            <a:fld id="{86CB4B4D-7CA3-9044-876B-883B54F8677D}" type="slidenum">
+              <a:t>‹#›</a:t>
+            </a:fld>
+            <a:endParaRPr/>
           </a:p>
         </p:txBody>
       </p:sp>
@@ -1620,18 +1674,19 @@
   <p:clrMapOvr>
     <a:masterClrMapping/>
   </p:clrMapOvr>
-  <p:transition xmlns:p14="http://schemas.microsoft.com/office/powerpoint/2010/main" spd="med" advClick="1"/>
+  <p:transition xmlns:p14="http://schemas.microsoft.com/office/powerpoint/2010/main" spd="med"/>
 </p:sldLayout>
 </file>
 
 <file path=ppt/slideLayouts/slideLayout14.xml><?xml version="1.0" encoding="utf-8"?>
-<p:sldLayout xmlns:a="http://schemas.openxmlformats.org/drawingml/2006/main" xmlns:r="http://schemas.openxmlformats.org/officeDocument/2006/relationships" xmlns:p="http://schemas.openxmlformats.org/presentationml/2006/main" type="tx" showMasterSp="0" showMasterPhAnim="1">
+<p:sldLayout xmlns:a="http://schemas.openxmlformats.org/drawingml/2006/main" xmlns:r="http://schemas.openxmlformats.org/officeDocument/2006/relationships" xmlns:p="http://schemas.openxmlformats.org/presentationml/2006/main" showMasterSp="0" type="tx">
   <p:cSld name="Photo">
     <p:bg>
       <p:bgPr>
         <a:solidFill>
           <a:srgbClr val="222222"/>
         </a:solidFill>
+        <a:effectLst/>
       </p:bgPr>
     </p:bg>
     <p:spTree>
@@ -1651,7 +1706,9 @@
       <p:sp>
         <p:nvSpPr>
           <p:cNvPr id="142" name="Shape 142"/>
-          <p:cNvSpPr/>
+          <p:cNvSpPr>
+            <a:spLocks noGrp="1"/>
+          </p:cNvSpPr>
           <p:nvPr>
             <p:ph type="pic" idx="13"/>
           </p:nvPr>
@@ -1671,14 +1728,16 @@
           </a:bodyPr>
           <a:lstStyle/>
           <a:p>
-            <a:pPr/>
+            <a:endParaRPr/>
           </a:p>
         </p:txBody>
       </p:sp>
       <p:sp>
         <p:nvSpPr>
           <p:cNvPr id="143" name="Shape 143"/>
-          <p:cNvSpPr/>
+          <p:cNvSpPr>
+            <a:spLocks noGrp="1"/>
+          </p:cNvSpPr>
           <p:nvPr>
             <p:ph type="sldNum" sz="quarter" idx="2"/>
           </p:nvPr>
@@ -1692,8 +1751,10 @@
           <a:bodyPr/>
           <a:lstStyle/>
           <a:p>
-            <a:pPr/>
-            <a:fld id="{86CB4B4D-7CA3-9044-876B-883B54F8677D}" type="slidenum"/>
+            <a:fld id="{86CB4B4D-7CA3-9044-876B-883B54F8677D}" type="slidenum">
+              <a:t>‹#›</a:t>
+            </a:fld>
+            <a:endParaRPr/>
           </a:p>
         </p:txBody>
       </p:sp>
@@ -1702,18 +1763,19 @@
   <p:clrMapOvr>
     <a:masterClrMapping/>
   </p:clrMapOvr>
-  <p:transition xmlns:p14="http://schemas.microsoft.com/office/powerpoint/2010/main" spd="med" advClick="1"/>
+  <p:transition xmlns:p14="http://schemas.microsoft.com/office/powerpoint/2010/main" spd="med"/>
 </p:sldLayout>
 </file>
 
 <file path=ppt/slideLayouts/slideLayout15.xml><?xml version="1.0" encoding="utf-8"?>
-<p:sldLayout xmlns:a="http://schemas.openxmlformats.org/drawingml/2006/main" xmlns:r="http://schemas.openxmlformats.org/officeDocument/2006/relationships" xmlns:p="http://schemas.openxmlformats.org/presentationml/2006/main" type="tx" showMasterSp="0" showMasterPhAnim="1">
+<p:sldLayout xmlns:a="http://schemas.openxmlformats.org/drawingml/2006/main" xmlns:r="http://schemas.openxmlformats.org/officeDocument/2006/relationships" xmlns:p="http://schemas.openxmlformats.org/presentationml/2006/main" showMasterSp="0" type="tx">
   <p:cSld name="Blank">
     <p:bg>
       <p:bgPr>
         <a:solidFill>
           <a:srgbClr val="222222"/>
         </a:solidFill>
+        <a:effectLst/>
       </p:bgPr>
     </p:bg>
     <p:spTree>
@@ -1733,7 +1795,9 @@
       <p:sp>
         <p:nvSpPr>
           <p:cNvPr id="150" name="Shape 150"/>
-          <p:cNvSpPr/>
+          <p:cNvSpPr>
+            <a:spLocks noGrp="1"/>
+          </p:cNvSpPr>
           <p:nvPr>
             <p:ph type="sldNum" sz="quarter" idx="2"/>
           </p:nvPr>
@@ -1747,8 +1811,10 @@
           <a:bodyPr/>
           <a:lstStyle/>
           <a:p>
-            <a:pPr/>
-            <a:fld id="{86CB4B4D-7CA3-9044-876B-883B54F8677D}" type="slidenum"/>
+            <a:fld id="{86CB4B4D-7CA3-9044-876B-883B54F8677D}" type="slidenum">
+              <a:t>‹#›</a:t>
+            </a:fld>
+            <a:endParaRPr/>
           </a:p>
         </p:txBody>
       </p:sp>
@@ -1757,12 +1823,12 @@
   <p:clrMapOvr>
     <a:masterClrMapping/>
   </p:clrMapOvr>
-  <p:transition xmlns:p14="http://schemas.microsoft.com/office/powerpoint/2010/main" spd="med" advClick="1"/>
+  <p:transition xmlns:p14="http://schemas.microsoft.com/office/powerpoint/2010/main" spd="med"/>
 </p:sldLayout>
 </file>
 
 <file path=ppt/slideLayouts/slideLayout16.xml><?xml version="1.0" encoding="utf-8"?>
-<p:sldLayout xmlns:a="http://schemas.openxmlformats.org/drawingml/2006/main" xmlns:r="http://schemas.openxmlformats.org/officeDocument/2006/relationships" xmlns:p="http://schemas.openxmlformats.org/presentationml/2006/main" type="tx" showMasterSp="0" showMasterPhAnim="1">
+<p:sldLayout xmlns:a="http://schemas.openxmlformats.org/drawingml/2006/main" xmlns:r="http://schemas.openxmlformats.org/officeDocument/2006/relationships" xmlns:p="http://schemas.openxmlformats.org/presentationml/2006/main" showMasterSp="0" type="tx">
   <p:cSld name="Blank Alt">
     <p:spTree>
       <p:nvGrpSpPr>
@@ -1781,7 +1847,9 @@
       <p:sp>
         <p:nvSpPr>
           <p:cNvPr id="157" name="Shape 157"/>
-          <p:cNvSpPr/>
+          <p:cNvSpPr>
+            <a:spLocks noGrp="1"/>
+          </p:cNvSpPr>
           <p:nvPr>
             <p:ph type="sldNum" sz="quarter" idx="2"/>
           </p:nvPr>
@@ -1795,8 +1863,10 @@
           <a:bodyPr/>
           <a:lstStyle/>
           <a:p>
-            <a:pPr/>
-            <a:fld id="{86CB4B4D-7CA3-9044-876B-883B54F8677D}" type="slidenum"/>
+            <a:fld id="{86CB4B4D-7CA3-9044-876B-883B54F8677D}" type="slidenum">
+              <a:t>‹#›</a:t>
+            </a:fld>
+            <a:endParaRPr/>
           </a:p>
         </p:txBody>
       </p:sp>
@@ -1805,18 +1875,19 @@
   <p:clrMapOvr>
     <a:masterClrMapping/>
   </p:clrMapOvr>
-  <p:transition xmlns:p14="http://schemas.microsoft.com/office/powerpoint/2010/main" spd="med" advClick="1"/>
+  <p:transition xmlns:p14="http://schemas.microsoft.com/office/powerpoint/2010/main" spd="med"/>
 </p:sldLayout>
 </file>
 
 <file path=ppt/slideLayouts/slideLayout2.xml><?xml version="1.0" encoding="utf-8"?>
-<p:sldLayout xmlns:a="http://schemas.openxmlformats.org/drawingml/2006/main" xmlns:r="http://schemas.openxmlformats.org/officeDocument/2006/relationships" xmlns:p="http://schemas.openxmlformats.org/presentationml/2006/main" type="tx" showMasterSp="0" showMasterPhAnim="1">
+<p:sldLayout xmlns:a="http://schemas.openxmlformats.org/drawingml/2006/main" xmlns:r="http://schemas.openxmlformats.org/officeDocument/2006/relationships" xmlns:p="http://schemas.openxmlformats.org/presentationml/2006/main" showMasterSp="0" type="tx">
   <p:cSld name="Photo - Horizontal">
     <p:bg>
       <p:bgPr>
         <a:solidFill>
           <a:srgbClr val="222222"/>
         </a:solidFill>
+        <a:effectLst/>
       </p:bgPr>
     </p:bg>
     <p:spTree>
@@ -1836,7 +1907,9 @@
       <p:sp>
         <p:nvSpPr>
           <p:cNvPr id="22" name="Shape 22"/>
-          <p:cNvSpPr/>
+          <p:cNvSpPr>
+            <a:spLocks noGrp="1"/>
+          </p:cNvSpPr>
           <p:nvPr>
             <p:ph type="pic" idx="13"/>
           </p:nvPr>
@@ -1856,14 +1929,16 @@
           </a:bodyPr>
           <a:lstStyle/>
           <a:p>
-            <a:pPr/>
+            <a:endParaRPr/>
           </a:p>
         </p:txBody>
       </p:sp>
       <p:sp>
         <p:nvSpPr>
           <p:cNvPr id="23" name="Shape 23"/>
-          <p:cNvSpPr/>
+          <p:cNvSpPr>
+            <a:spLocks noGrp="1"/>
+          </p:cNvSpPr>
           <p:nvPr>
             <p:ph type="body" sz="quarter" idx="14"/>
           </p:nvPr>
@@ -1906,13 +1981,16 @@
                 <a:sym typeface="Helvetica"/>
               </a:defRPr>
             </a:pPr>
+            <a:endParaRPr/>
           </a:p>
         </p:txBody>
       </p:sp>
       <p:sp>
         <p:nvSpPr>
           <p:cNvPr id="24" name="Shape 24"/>
-          <p:cNvSpPr/>
+          <p:cNvSpPr>
+            <a:spLocks noGrp="1"/>
+          </p:cNvSpPr>
           <p:nvPr>
             <p:ph type="title"/>
           </p:nvPr>
@@ -1937,7 +2015,6 @@
             </a:lvl1pPr>
           </a:lstStyle>
           <a:p>
-            <a:pPr/>
             <a:r>
               <a:t>Title Text</a:t>
             </a:r>
@@ -1947,7 +2024,9 @@
       <p:sp>
         <p:nvSpPr>
           <p:cNvPr id="25" name="Shape 25"/>
-          <p:cNvSpPr/>
+          <p:cNvSpPr>
+            <a:spLocks noGrp="1"/>
+          </p:cNvSpPr>
           <p:nvPr>
             <p:ph type="body" sz="quarter" idx="1"/>
           </p:nvPr>
@@ -1975,7 +2054,7 @@
               <a:buSzTx/>
               <a:buFontTx/>
               <a:buNone/>
-              <a:defRPr cap="all" sz="5400">
+              <a:defRPr sz="5400" cap="all">
                 <a:solidFill>
                   <a:srgbClr val="A6AAA9"/>
                 </a:solidFill>
@@ -1996,7 +2075,7 @@
               <a:buSzTx/>
               <a:buFontTx/>
               <a:buNone/>
-              <a:defRPr cap="all" sz="5400">
+              <a:defRPr sz="5400" cap="all">
                 <a:solidFill>
                   <a:srgbClr val="A6AAA9"/>
                 </a:solidFill>
@@ -2017,7 +2096,7 @@
               <a:buSzTx/>
               <a:buFontTx/>
               <a:buNone/>
-              <a:defRPr cap="all" sz="5400">
+              <a:defRPr sz="5400" cap="all">
                 <a:solidFill>
                   <a:srgbClr val="A6AAA9"/>
                 </a:solidFill>
@@ -2038,7 +2117,7 @@
               <a:buSzTx/>
               <a:buFontTx/>
               <a:buNone/>
-              <a:defRPr cap="all" sz="5400">
+              <a:defRPr sz="5400" cap="all">
                 <a:solidFill>
                   <a:srgbClr val="A6AAA9"/>
                 </a:solidFill>
@@ -2059,7 +2138,7 @@
               <a:buSzTx/>
               <a:buFontTx/>
               <a:buNone/>
-              <a:defRPr cap="all" sz="5400">
+              <a:defRPr sz="5400" cap="all">
                 <a:solidFill>
                   <a:srgbClr val="A6AAA9"/>
                 </a:solidFill>
@@ -2071,7 +2150,6 @@
             </a:lvl5pPr>
           </a:lstStyle>
           <a:p>
-            <a:pPr/>
             <a:r>
               <a:t>Body Level One</a:t>
             </a:r>
@@ -2105,7 +2183,9 @@
       <p:sp>
         <p:nvSpPr>
           <p:cNvPr id="26" name="Shape 26"/>
-          <p:cNvSpPr/>
+          <p:cNvSpPr>
+            <a:spLocks noGrp="1"/>
+          </p:cNvSpPr>
           <p:nvPr>
             <p:ph type="sldNum" sz="quarter" idx="2"/>
           </p:nvPr>
@@ -2123,8 +2203,10 @@
           <a:bodyPr/>
           <a:lstStyle/>
           <a:p>
-            <a:pPr/>
-            <a:fld id="{86CB4B4D-7CA3-9044-876B-883B54F8677D}" type="slidenum"/>
+            <a:fld id="{86CB4B4D-7CA3-9044-876B-883B54F8677D}" type="slidenum">
+              <a:t>‹#›</a:t>
+            </a:fld>
+            <a:endParaRPr/>
           </a:p>
         </p:txBody>
       </p:sp>
@@ -2133,12 +2215,12 @@
   <p:clrMapOvr>
     <a:masterClrMapping/>
   </p:clrMapOvr>
-  <p:transition xmlns:p14="http://schemas.microsoft.com/office/powerpoint/2010/main" spd="med" advClick="1"/>
+  <p:transition xmlns:p14="http://schemas.microsoft.com/office/powerpoint/2010/main" spd="med"/>
 </p:sldLayout>
 </file>
 
 <file path=ppt/slideLayouts/slideLayout3.xml><?xml version="1.0" encoding="utf-8"?>
-<p:sldLayout xmlns:a="http://schemas.openxmlformats.org/drawingml/2006/main" xmlns:r="http://schemas.openxmlformats.org/officeDocument/2006/relationships" xmlns:p="http://schemas.openxmlformats.org/presentationml/2006/main" type="tx" showMasterSp="0" showMasterPhAnim="1">
+<p:sldLayout xmlns:a="http://schemas.openxmlformats.org/drawingml/2006/main" xmlns:r="http://schemas.openxmlformats.org/officeDocument/2006/relationships" xmlns:p="http://schemas.openxmlformats.org/presentationml/2006/main" showMasterSp="0" type="tx">
   <p:cSld name="Title &amp; Subtitle Alt">
     <p:spTree>
       <p:nvGrpSpPr>
@@ -2193,13 +2275,16 @@
                 <a:sym typeface="Helvetica"/>
               </a:defRPr>
             </a:pPr>
+            <a:endParaRPr/>
           </a:p>
         </p:txBody>
       </p:sp>
       <p:sp>
         <p:nvSpPr>
           <p:cNvPr id="34" name="Shape 34"/>
-          <p:cNvSpPr/>
+          <p:cNvSpPr>
+            <a:spLocks noGrp="1"/>
+          </p:cNvSpPr>
           <p:nvPr>
             <p:ph type="title"/>
           </p:nvPr>
@@ -2224,7 +2309,6 @@
             </a:lvl1pPr>
           </a:lstStyle>
           <a:p>
-            <a:pPr/>
             <a:r>
               <a:t>Title Text</a:t>
             </a:r>
@@ -2234,7 +2318,9 @@
       <p:sp>
         <p:nvSpPr>
           <p:cNvPr id="35" name="Shape 35"/>
-          <p:cNvSpPr/>
+          <p:cNvSpPr>
+            <a:spLocks noGrp="1"/>
+          </p:cNvSpPr>
           <p:nvPr>
             <p:ph type="body" sz="quarter" idx="1"/>
           </p:nvPr>
@@ -2262,7 +2348,7 @@
               <a:buSzTx/>
               <a:buFontTx/>
               <a:buNone/>
-              <a:defRPr cap="all" sz="5400">
+              <a:defRPr sz="5400" cap="all">
                 <a:solidFill>
                   <a:srgbClr val="A6AAA9"/>
                 </a:solidFill>
@@ -2283,7 +2369,7 @@
               <a:buSzTx/>
               <a:buFontTx/>
               <a:buNone/>
-              <a:defRPr cap="all" sz="5400">
+              <a:defRPr sz="5400" cap="all">
                 <a:solidFill>
                   <a:srgbClr val="A6AAA9"/>
                 </a:solidFill>
@@ -2304,7 +2390,7 @@
               <a:buSzTx/>
               <a:buFontTx/>
               <a:buNone/>
-              <a:defRPr cap="all" sz="5400">
+              <a:defRPr sz="5400" cap="all">
                 <a:solidFill>
                   <a:srgbClr val="A6AAA9"/>
                 </a:solidFill>
@@ -2325,7 +2411,7 @@
               <a:buSzTx/>
               <a:buFontTx/>
               <a:buNone/>
-              <a:defRPr cap="all" sz="5400">
+              <a:defRPr sz="5400" cap="all">
                 <a:solidFill>
                   <a:srgbClr val="A6AAA9"/>
                 </a:solidFill>
@@ -2346,7 +2432,7 @@
               <a:buSzTx/>
               <a:buFontTx/>
               <a:buNone/>
-              <a:defRPr cap="all" sz="5400">
+              <a:defRPr sz="5400" cap="all">
                 <a:solidFill>
                   <a:srgbClr val="A6AAA9"/>
                 </a:solidFill>
@@ -2358,7 +2444,6 @@
             </a:lvl5pPr>
           </a:lstStyle>
           <a:p>
-            <a:pPr/>
             <a:r>
               <a:t>Body Level One</a:t>
             </a:r>
@@ -2392,7 +2477,9 @@
       <p:sp>
         <p:nvSpPr>
           <p:cNvPr id="36" name="Shape 36"/>
-          <p:cNvSpPr/>
+          <p:cNvSpPr>
+            <a:spLocks noGrp="1"/>
+          </p:cNvSpPr>
           <p:nvPr>
             <p:ph type="sldNum" sz="quarter" idx="2"/>
           </p:nvPr>
@@ -2410,8 +2497,10 @@
           <a:bodyPr/>
           <a:lstStyle/>
           <a:p>
-            <a:pPr/>
-            <a:fld id="{86CB4B4D-7CA3-9044-876B-883B54F8677D}" type="slidenum"/>
+            <a:fld id="{86CB4B4D-7CA3-9044-876B-883B54F8677D}" type="slidenum">
+              <a:t>‹#›</a:t>
+            </a:fld>
+            <a:endParaRPr/>
           </a:p>
         </p:txBody>
       </p:sp>
@@ -2420,18 +2509,19 @@
   <p:clrMapOvr>
     <a:masterClrMapping/>
   </p:clrMapOvr>
-  <p:transition xmlns:p14="http://schemas.microsoft.com/office/powerpoint/2010/main" spd="med" advClick="1"/>
+  <p:transition xmlns:p14="http://schemas.microsoft.com/office/powerpoint/2010/main" spd="med"/>
 </p:sldLayout>
 </file>
 
 <file path=ppt/slideLayouts/slideLayout4.xml><?xml version="1.0" encoding="utf-8"?>
-<p:sldLayout xmlns:a="http://schemas.openxmlformats.org/drawingml/2006/main" xmlns:r="http://schemas.openxmlformats.org/officeDocument/2006/relationships" xmlns:p="http://schemas.openxmlformats.org/presentationml/2006/main" type="tx" showMasterSp="0" showMasterPhAnim="1">
+<p:sldLayout xmlns:a="http://schemas.openxmlformats.org/drawingml/2006/main" xmlns:r="http://schemas.openxmlformats.org/officeDocument/2006/relationships" xmlns:p="http://schemas.openxmlformats.org/presentationml/2006/main" showMasterSp="0" type="tx">
   <p:cSld name="Title - Center">
     <p:bg>
       <p:bgPr>
         <a:solidFill>
           <a:srgbClr val="222222"/>
         </a:solidFill>
+        <a:effectLst/>
       </p:bgPr>
     </p:bg>
     <p:spTree>
@@ -2451,7 +2541,9 @@
       <p:sp>
         <p:nvSpPr>
           <p:cNvPr id="43" name="Shape 43"/>
-          <p:cNvSpPr/>
+          <p:cNvSpPr>
+            <a:spLocks noGrp="1"/>
+          </p:cNvSpPr>
           <p:nvPr>
             <p:ph type="title"/>
           </p:nvPr>
@@ -2476,7 +2568,6 @@
             </a:lvl1pPr>
           </a:lstStyle>
           <a:p>
-            <a:pPr/>
             <a:r>
               <a:t>Title Text</a:t>
             </a:r>
@@ -2486,7 +2577,9 @@
       <p:sp>
         <p:nvSpPr>
           <p:cNvPr id="44" name="Shape 44"/>
-          <p:cNvSpPr/>
+          <p:cNvSpPr>
+            <a:spLocks noGrp="1"/>
+          </p:cNvSpPr>
           <p:nvPr>
             <p:ph type="sldNum" sz="quarter" idx="2"/>
           </p:nvPr>
@@ -2504,8 +2597,10 @@
           <a:bodyPr/>
           <a:lstStyle/>
           <a:p>
-            <a:pPr/>
-            <a:fld id="{86CB4B4D-7CA3-9044-876B-883B54F8677D}" type="slidenum"/>
+            <a:fld id="{86CB4B4D-7CA3-9044-876B-883B54F8677D}" type="slidenum">
+              <a:t>‹#›</a:t>
+            </a:fld>
+            <a:endParaRPr/>
           </a:p>
         </p:txBody>
       </p:sp>
@@ -2514,18 +2609,19 @@
   <p:clrMapOvr>
     <a:masterClrMapping/>
   </p:clrMapOvr>
-  <p:transition xmlns:p14="http://schemas.microsoft.com/office/powerpoint/2010/main" spd="med" advClick="1"/>
+  <p:transition xmlns:p14="http://schemas.microsoft.com/office/powerpoint/2010/main" spd="med"/>
 </p:sldLayout>
 </file>
 
 <file path=ppt/slideLayouts/slideLayout5.xml><?xml version="1.0" encoding="utf-8"?>
-<p:sldLayout xmlns:a="http://schemas.openxmlformats.org/drawingml/2006/main" xmlns:r="http://schemas.openxmlformats.org/officeDocument/2006/relationships" xmlns:p="http://schemas.openxmlformats.org/presentationml/2006/main" type="tx" showMasterSp="0" showMasterPhAnim="1">
+<p:sldLayout xmlns:a="http://schemas.openxmlformats.org/drawingml/2006/main" xmlns:r="http://schemas.openxmlformats.org/officeDocument/2006/relationships" xmlns:p="http://schemas.openxmlformats.org/presentationml/2006/main" showMasterSp="0" type="tx">
   <p:cSld name="Photo - Vertical">
     <p:bg>
       <p:bgPr>
         <a:solidFill>
           <a:srgbClr val="222222"/>
         </a:solidFill>
+        <a:effectLst/>
       </p:bgPr>
     </p:bg>
     <p:spTree>
@@ -2581,13 +2677,16 @@
                 <a:sym typeface="Helvetica"/>
               </a:defRPr>
             </a:pPr>
+            <a:endParaRPr/>
           </a:p>
         </p:txBody>
       </p:sp>
       <p:sp>
         <p:nvSpPr>
           <p:cNvPr id="52" name="Shape 52"/>
-          <p:cNvSpPr/>
+          <p:cNvSpPr>
+            <a:spLocks noGrp="1"/>
+          </p:cNvSpPr>
           <p:nvPr>
             <p:ph type="pic" idx="13"/>
           </p:nvPr>
@@ -2607,14 +2706,16 @@
           </a:bodyPr>
           <a:lstStyle/>
           <a:p>
-            <a:pPr/>
+            <a:endParaRPr/>
           </a:p>
         </p:txBody>
       </p:sp>
       <p:sp>
         <p:nvSpPr>
           <p:cNvPr id="53" name="Shape 53"/>
-          <p:cNvSpPr/>
+          <p:cNvSpPr>
+            <a:spLocks noGrp="1"/>
+          </p:cNvSpPr>
           <p:nvPr>
             <p:ph type="title"/>
           </p:nvPr>
@@ -2639,7 +2740,6 @@
             </a:lvl1pPr>
           </a:lstStyle>
           <a:p>
-            <a:pPr/>
             <a:r>
               <a:t>Title Text</a:t>
             </a:r>
@@ -2649,7 +2749,9 @@
       <p:sp>
         <p:nvSpPr>
           <p:cNvPr id="54" name="Shape 54"/>
-          <p:cNvSpPr/>
+          <p:cNvSpPr>
+            <a:spLocks noGrp="1"/>
+          </p:cNvSpPr>
           <p:nvPr>
             <p:ph type="body" sz="quarter" idx="1"/>
           </p:nvPr>
@@ -2677,7 +2779,7 @@
               <a:buSzTx/>
               <a:buFontTx/>
               <a:buNone/>
-              <a:defRPr cap="all" sz="5400">
+              <a:defRPr sz="5400" cap="all">
                 <a:solidFill>
                   <a:srgbClr val="A6AAA9"/>
                 </a:solidFill>
@@ -2698,7 +2800,7 @@
               <a:buSzTx/>
               <a:buFontTx/>
               <a:buNone/>
-              <a:defRPr cap="all" sz="5400">
+              <a:defRPr sz="5400" cap="all">
                 <a:solidFill>
                   <a:srgbClr val="A6AAA9"/>
                 </a:solidFill>
@@ -2719,7 +2821,7 @@
               <a:buSzTx/>
               <a:buFontTx/>
               <a:buNone/>
-              <a:defRPr cap="all" sz="5400">
+              <a:defRPr sz="5400" cap="all">
                 <a:solidFill>
                   <a:srgbClr val="A6AAA9"/>
                 </a:solidFill>
@@ -2740,7 +2842,7 @@
               <a:buSzTx/>
               <a:buFontTx/>
               <a:buNone/>
-              <a:defRPr cap="all" sz="5400">
+              <a:defRPr sz="5400" cap="all">
                 <a:solidFill>
                   <a:srgbClr val="A6AAA9"/>
                 </a:solidFill>
@@ -2761,7 +2863,7 @@
               <a:buSzTx/>
               <a:buFontTx/>
               <a:buNone/>
-              <a:defRPr cap="all" sz="5400">
+              <a:defRPr sz="5400" cap="all">
                 <a:solidFill>
                   <a:srgbClr val="A6AAA9"/>
                 </a:solidFill>
@@ -2773,7 +2875,6 @@
             </a:lvl5pPr>
           </a:lstStyle>
           <a:p>
-            <a:pPr/>
             <a:r>
               <a:t>Body Level One</a:t>
             </a:r>
@@ -2807,7 +2908,9 @@
       <p:sp>
         <p:nvSpPr>
           <p:cNvPr id="55" name="Shape 55"/>
-          <p:cNvSpPr/>
+          <p:cNvSpPr>
+            <a:spLocks noGrp="1"/>
+          </p:cNvSpPr>
           <p:nvPr>
             <p:ph type="sldNum" sz="quarter" idx="2"/>
           </p:nvPr>
@@ -2825,8 +2928,10 @@
           <a:bodyPr/>
           <a:lstStyle/>
           <a:p>
-            <a:pPr/>
-            <a:fld id="{86CB4B4D-7CA3-9044-876B-883B54F8677D}" type="slidenum"/>
+            <a:fld id="{86CB4B4D-7CA3-9044-876B-883B54F8677D}" type="slidenum">
+              <a:t>‹#›</a:t>
+            </a:fld>
+            <a:endParaRPr/>
           </a:p>
         </p:txBody>
       </p:sp>
@@ -2835,12 +2940,12 @@
   <p:clrMapOvr>
     <a:masterClrMapping/>
   </p:clrMapOvr>
-  <p:transition xmlns:p14="http://schemas.microsoft.com/office/powerpoint/2010/main" spd="med" advClick="1"/>
+  <p:transition xmlns:p14="http://schemas.microsoft.com/office/powerpoint/2010/main" spd="med"/>
 </p:sldLayout>
 </file>
 
 <file path=ppt/slideLayouts/slideLayout6.xml><?xml version="1.0" encoding="utf-8"?>
-<p:sldLayout xmlns:a="http://schemas.openxmlformats.org/drawingml/2006/main" xmlns:r="http://schemas.openxmlformats.org/officeDocument/2006/relationships" xmlns:p="http://schemas.openxmlformats.org/presentationml/2006/main" type="tx" showMasterSp="1" showMasterPhAnim="1">
+<p:sldLayout xmlns:a="http://schemas.openxmlformats.org/drawingml/2006/main" xmlns:r="http://schemas.openxmlformats.org/officeDocument/2006/relationships" xmlns:p="http://schemas.openxmlformats.org/presentationml/2006/main" type="tx">
   <p:cSld name="Title - Top">
     <p:spTree>
       <p:nvGrpSpPr>
@@ -2859,7 +2964,9 @@
       <p:sp>
         <p:nvSpPr>
           <p:cNvPr id="62" name="Shape 62"/>
-          <p:cNvSpPr/>
+          <p:cNvSpPr>
+            <a:spLocks noGrp="1"/>
+          </p:cNvSpPr>
           <p:nvPr>
             <p:ph type="body" sz="quarter" idx="13"/>
           </p:nvPr>
@@ -2889,7 +2996,7 @@
               <a:buSzTx/>
               <a:buFontTx/>
               <a:buNone/>
-              <a:defRPr cap="all" spc="120" sz="2400">
+              <a:defRPr sz="2400" cap="all" spc="120">
                 <a:latin typeface="DIN Alternate"/>
                 <a:ea typeface="DIN Alternate"/>
                 <a:cs typeface="DIN Alternate"/>
@@ -2898,7 +3005,6 @@
             </a:lvl1pPr>
           </a:lstStyle>
           <a:p>
-            <a:pPr/>
             <a:r>
               <a:t>Text</a:t>
             </a:r>
@@ -2908,7 +3014,9 @@
       <p:sp>
         <p:nvSpPr>
           <p:cNvPr id="63" name="Shape 63"/>
-          <p:cNvSpPr/>
+          <p:cNvSpPr>
+            <a:spLocks noGrp="1"/>
+          </p:cNvSpPr>
           <p:nvPr>
             <p:ph type="title"/>
           </p:nvPr>
@@ -2922,7 +3030,6 @@
           <a:bodyPr/>
           <a:lstStyle/>
           <a:p>
-            <a:pPr/>
             <a:r>
               <a:t>Title Text</a:t>
             </a:r>
@@ -2932,7 +3039,9 @@
       <p:sp>
         <p:nvSpPr>
           <p:cNvPr id="64" name="Shape 64"/>
-          <p:cNvSpPr/>
+          <p:cNvSpPr>
+            <a:spLocks noGrp="1"/>
+          </p:cNvSpPr>
           <p:nvPr>
             <p:ph type="sldNum" sz="quarter" idx="2"/>
           </p:nvPr>
@@ -2946,8 +3055,10 @@
           <a:bodyPr/>
           <a:lstStyle/>
           <a:p>
-            <a:pPr/>
-            <a:fld id="{86CB4B4D-7CA3-9044-876B-883B54F8677D}" type="slidenum"/>
+            <a:fld id="{86CB4B4D-7CA3-9044-876B-883B54F8677D}" type="slidenum">
+              <a:t>‹#›</a:t>
+            </a:fld>
+            <a:endParaRPr/>
           </a:p>
         </p:txBody>
       </p:sp>
@@ -2956,18 +3067,19 @@
   <p:clrMapOvr>
     <a:masterClrMapping/>
   </p:clrMapOvr>
-  <p:transition xmlns:p14="http://schemas.microsoft.com/office/powerpoint/2010/main" spd="med" advClick="1"/>
+  <p:transition xmlns:p14="http://schemas.microsoft.com/office/powerpoint/2010/main" spd="med"/>
 </p:sldLayout>
 </file>
 
 <file path=ppt/slideLayouts/slideLayout7.xml><?xml version="1.0" encoding="utf-8"?>
-<p:sldLayout xmlns:a="http://schemas.openxmlformats.org/drawingml/2006/main" xmlns:r="http://schemas.openxmlformats.org/officeDocument/2006/relationships" xmlns:p="http://schemas.openxmlformats.org/presentationml/2006/main" type="tx" showMasterSp="1" showMasterPhAnim="1">
+<p:sldLayout xmlns:a="http://schemas.openxmlformats.org/drawingml/2006/main" xmlns:r="http://schemas.openxmlformats.org/officeDocument/2006/relationships" xmlns:p="http://schemas.openxmlformats.org/presentationml/2006/main" type="tx">
   <p:cSld name="Title &amp; Bullets">
     <p:bg>
       <p:bgPr>
         <a:solidFill>
           <a:srgbClr val="222222"/>
         </a:solidFill>
+        <a:effectLst/>
       </p:bgPr>
     </p:bg>
     <p:spTree>
@@ -2987,7 +3099,9 @@
       <p:sp>
         <p:nvSpPr>
           <p:cNvPr id="71" name="Shape 71"/>
-          <p:cNvSpPr/>
+          <p:cNvSpPr>
+            <a:spLocks noGrp="1"/>
+          </p:cNvSpPr>
           <p:nvPr>
             <p:ph type="body" sz="quarter" idx="13"/>
           </p:nvPr>
@@ -3017,7 +3131,7 @@
               <a:buSzTx/>
               <a:buFontTx/>
               <a:buNone/>
-              <a:defRPr cap="all" spc="120" sz="2400">
+              <a:defRPr sz="2400" cap="all" spc="120">
                 <a:latin typeface="DIN Alternate"/>
                 <a:ea typeface="DIN Alternate"/>
                 <a:cs typeface="DIN Alternate"/>
@@ -3026,7 +3140,6 @@
             </a:lvl1pPr>
           </a:lstStyle>
           <a:p>
-            <a:pPr/>
             <a:r>
               <a:t>Text</a:t>
             </a:r>
@@ -3036,7 +3149,9 @@
       <p:sp>
         <p:nvSpPr>
           <p:cNvPr id="72" name="Shape 72"/>
-          <p:cNvSpPr/>
+          <p:cNvSpPr>
+            <a:spLocks noGrp="1"/>
+          </p:cNvSpPr>
           <p:nvPr>
             <p:ph type="title"/>
           </p:nvPr>
@@ -3050,7 +3165,6 @@
           <a:bodyPr/>
           <a:lstStyle/>
           <a:p>
-            <a:pPr/>
             <a:r>
               <a:t>Title Text</a:t>
             </a:r>
@@ -3060,7 +3174,9 @@
       <p:sp>
         <p:nvSpPr>
           <p:cNvPr id="73" name="Shape 73"/>
-          <p:cNvSpPr/>
+          <p:cNvSpPr>
+            <a:spLocks noGrp="1"/>
+          </p:cNvSpPr>
           <p:nvPr>
             <p:ph type="body" idx="1"/>
           </p:nvPr>
@@ -3105,7 +3221,6 @@
             </a:lvl5pPr>
           </a:lstStyle>
           <a:p>
-            <a:pPr/>
             <a:r>
               <a:t>Body Level One</a:t>
             </a:r>
@@ -3139,7 +3254,9 @@
       <p:sp>
         <p:nvSpPr>
           <p:cNvPr id="74" name="Shape 74"/>
-          <p:cNvSpPr/>
+          <p:cNvSpPr>
+            <a:spLocks noGrp="1"/>
+          </p:cNvSpPr>
           <p:nvPr>
             <p:ph type="sldNum" sz="quarter" idx="2"/>
           </p:nvPr>
@@ -3153,8 +3270,10 @@
           <a:bodyPr/>
           <a:lstStyle/>
           <a:p>
-            <a:pPr/>
-            <a:fld id="{86CB4B4D-7CA3-9044-876B-883B54F8677D}" type="slidenum"/>
+            <a:fld id="{86CB4B4D-7CA3-9044-876B-883B54F8677D}" type="slidenum">
+              <a:t>‹#›</a:t>
+            </a:fld>
+            <a:endParaRPr/>
           </a:p>
         </p:txBody>
       </p:sp>
@@ -3163,12 +3282,12 @@
   <p:clrMapOvr>
     <a:masterClrMapping/>
   </p:clrMapOvr>
-  <p:transition xmlns:p14="http://schemas.microsoft.com/office/powerpoint/2010/main" spd="med" advClick="1"/>
+  <p:transition xmlns:p14="http://schemas.microsoft.com/office/powerpoint/2010/main" spd="med"/>
 </p:sldLayout>
 </file>
 
 <file path=ppt/slideLayouts/slideLayout8.xml><?xml version="1.0" encoding="utf-8"?>
-<p:sldLayout xmlns:a="http://schemas.openxmlformats.org/drawingml/2006/main" xmlns:r="http://schemas.openxmlformats.org/officeDocument/2006/relationships" xmlns:p="http://schemas.openxmlformats.org/presentationml/2006/main" type="tx" showMasterSp="1" showMasterPhAnim="1">
+<p:sldLayout xmlns:a="http://schemas.openxmlformats.org/drawingml/2006/main" xmlns:r="http://schemas.openxmlformats.org/officeDocument/2006/relationships" xmlns:p="http://schemas.openxmlformats.org/presentationml/2006/main" type="tx">
   <p:cSld name="Title &amp; Bullets Alt">
     <p:spTree>
       <p:nvGrpSpPr>
@@ -3187,7 +3306,9 @@
       <p:sp>
         <p:nvSpPr>
           <p:cNvPr id="81" name="Shape 81"/>
-          <p:cNvSpPr/>
+          <p:cNvSpPr>
+            <a:spLocks noGrp="1"/>
+          </p:cNvSpPr>
           <p:nvPr>
             <p:ph type="body" sz="quarter" idx="13"/>
           </p:nvPr>
@@ -3217,7 +3338,7 @@
               <a:buSzTx/>
               <a:buFontTx/>
               <a:buNone/>
-              <a:defRPr cap="all" spc="120" sz="2400">
+              <a:defRPr sz="2400" cap="all" spc="120">
                 <a:latin typeface="DIN Alternate"/>
                 <a:ea typeface="DIN Alternate"/>
                 <a:cs typeface="DIN Alternate"/>
@@ -3226,7 +3347,6 @@
             </a:lvl1pPr>
           </a:lstStyle>
           <a:p>
-            <a:pPr/>
             <a:r>
               <a:t>Text</a:t>
             </a:r>
@@ -3236,7 +3356,9 @@
       <p:sp>
         <p:nvSpPr>
           <p:cNvPr id="82" name="Shape 82"/>
-          <p:cNvSpPr/>
+          <p:cNvSpPr>
+            <a:spLocks noGrp="1"/>
+          </p:cNvSpPr>
           <p:nvPr>
             <p:ph type="title"/>
           </p:nvPr>
@@ -3250,7 +3372,6 @@
           <a:bodyPr/>
           <a:lstStyle/>
           <a:p>
-            <a:pPr/>
             <a:r>
               <a:t>Title Text</a:t>
             </a:r>
@@ -3260,7 +3381,9 @@
       <p:sp>
         <p:nvSpPr>
           <p:cNvPr id="83" name="Shape 83"/>
-          <p:cNvSpPr/>
+          <p:cNvSpPr>
+            <a:spLocks noGrp="1"/>
+          </p:cNvSpPr>
           <p:nvPr>
             <p:ph type="body" idx="1"/>
           </p:nvPr>
@@ -3305,7 +3428,6 @@
             </a:lvl5pPr>
           </a:lstStyle>
           <a:p>
-            <a:pPr/>
             <a:r>
               <a:t>Body Level One</a:t>
             </a:r>
@@ -3339,7 +3461,9 @@
       <p:sp>
         <p:nvSpPr>
           <p:cNvPr id="84" name="Shape 84"/>
-          <p:cNvSpPr/>
+          <p:cNvSpPr>
+            <a:spLocks noGrp="1"/>
+          </p:cNvSpPr>
           <p:nvPr>
             <p:ph type="sldNum" sz="quarter" idx="2"/>
           </p:nvPr>
@@ -3353,8 +3477,10 @@
           <a:bodyPr/>
           <a:lstStyle/>
           <a:p>
-            <a:pPr/>
-            <a:fld id="{86CB4B4D-7CA3-9044-876B-883B54F8677D}" type="slidenum"/>
+            <a:fld id="{86CB4B4D-7CA3-9044-876B-883B54F8677D}" type="slidenum">
+              <a:t>‹#›</a:t>
+            </a:fld>
+            <a:endParaRPr/>
           </a:p>
         </p:txBody>
       </p:sp>
@@ -3363,18 +3489,19 @@
   <p:clrMapOvr>
     <a:masterClrMapping/>
   </p:clrMapOvr>
-  <p:transition xmlns:p14="http://schemas.microsoft.com/office/powerpoint/2010/main" spd="med" advClick="1"/>
+  <p:transition xmlns:p14="http://schemas.microsoft.com/office/powerpoint/2010/main" spd="med"/>
 </p:sldLayout>
 </file>
 
 <file path=ppt/slideLayouts/slideLayout9.xml><?xml version="1.0" encoding="utf-8"?>
-<p:sldLayout xmlns:a="http://schemas.openxmlformats.org/drawingml/2006/main" xmlns:r="http://schemas.openxmlformats.org/officeDocument/2006/relationships" xmlns:p="http://schemas.openxmlformats.org/presentationml/2006/main" type="tx" showMasterSp="1" showMasterPhAnim="1">
+<p:sldLayout xmlns:a="http://schemas.openxmlformats.org/drawingml/2006/main" xmlns:r="http://schemas.openxmlformats.org/officeDocument/2006/relationships" xmlns:p="http://schemas.openxmlformats.org/presentationml/2006/main" type="tx">
   <p:cSld name="Title, Bullets &amp; Photo">
     <p:bg>
       <p:bgPr>
         <a:solidFill>
           <a:srgbClr val="222222"/>
         </a:solidFill>
+        <a:effectLst/>
       </p:bgPr>
     </p:bg>
     <p:spTree>
@@ -3394,7 +3521,9 @@
       <p:sp>
         <p:nvSpPr>
           <p:cNvPr id="91" name="Shape 91"/>
-          <p:cNvSpPr/>
+          <p:cNvSpPr>
+            <a:spLocks noGrp="1"/>
+          </p:cNvSpPr>
           <p:nvPr>
             <p:ph type="body" sz="quarter" idx="13"/>
           </p:nvPr>
@@ -3424,7 +3553,7 @@
               <a:buSzTx/>
               <a:buFontTx/>
               <a:buNone/>
-              <a:defRPr cap="all" spc="120" sz="2400">
+              <a:defRPr sz="2400" cap="all" spc="120">
                 <a:latin typeface="DIN Alternate"/>
                 <a:ea typeface="DIN Alternate"/>
                 <a:cs typeface="DIN Alternate"/>
@@ -3433,7 +3562,6 @@
             </a:lvl1pPr>
           </a:lstStyle>
           <a:p>
-            <a:pPr/>
             <a:r>
               <a:t>Text</a:t>
             </a:r>
@@ -3443,7 +3571,9 @@
       <p:sp>
         <p:nvSpPr>
           <p:cNvPr id="92" name="Shape 92"/>
-          <p:cNvSpPr/>
+          <p:cNvSpPr>
+            <a:spLocks noGrp="1"/>
+          </p:cNvSpPr>
           <p:nvPr>
             <p:ph type="pic" sz="half" idx="14"/>
           </p:nvPr>
@@ -3463,14 +3593,16 @@
           </a:bodyPr>
           <a:lstStyle/>
           <a:p>
-            <a:pPr/>
+            <a:endParaRPr/>
           </a:p>
         </p:txBody>
       </p:sp>
       <p:sp>
         <p:nvSpPr>
           <p:cNvPr id="93" name="Shape 93"/>
-          <p:cNvSpPr/>
+          <p:cNvSpPr>
+            <a:spLocks noGrp="1"/>
+          </p:cNvSpPr>
           <p:nvPr>
             <p:ph type="title"/>
           </p:nvPr>
@@ -3488,7 +3620,6 @@
           <a:bodyPr/>
           <a:lstStyle/>
           <a:p>
-            <a:pPr/>
             <a:r>
               <a:t>Title Text</a:t>
             </a:r>
@@ -3498,7 +3629,9 @@
       <p:sp>
         <p:nvSpPr>
           <p:cNvPr id="94" name="Shape 94"/>
-          <p:cNvSpPr/>
+          <p:cNvSpPr>
+            <a:spLocks noGrp="1"/>
+          </p:cNvSpPr>
           <p:nvPr>
             <p:ph type="body" sz="half" idx="1"/>
           </p:nvPr>
@@ -3552,7 +3685,6 @@
             </a:lvl5pPr>
           </a:lstStyle>
           <a:p>
-            <a:pPr/>
             <a:r>
               <a:t>Body Level One</a:t>
             </a:r>
@@ -3586,7 +3718,9 @@
       <p:sp>
         <p:nvSpPr>
           <p:cNvPr id="95" name="Shape 95"/>
-          <p:cNvSpPr/>
+          <p:cNvSpPr>
+            <a:spLocks noGrp="1"/>
+          </p:cNvSpPr>
           <p:nvPr>
             <p:ph type="sldNum" sz="quarter" idx="2"/>
           </p:nvPr>
@@ -3600,8 +3734,10 @@
           <a:bodyPr/>
           <a:lstStyle/>
           <a:p>
-            <a:pPr/>
-            <a:fld id="{86CB4B4D-7CA3-9044-876B-883B54F8677D}" type="slidenum"/>
+            <a:fld id="{86CB4B4D-7CA3-9044-876B-883B54F8677D}" type="slidenum">
+              <a:t>‹#›</a:t>
+            </a:fld>
+            <a:endParaRPr/>
           </a:p>
         </p:txBody>
       </p:sp>
@@ -3610,7 +3746,7 @@
   <p:clrMapOvr>
     <a:masterClrMapping/>
   </p:clrMapOvr>
-  <p:transition xmlns:p14="http://schemas.microsoft.com/office/powerpoint/2010/main" spd="med" advClick="1"/>
+  <p:transition xmlns:p14="http://schemas.microsoft.com/office/powerpoint/2010/main" spd="med"/>
 </p:sldLayout>
 </file>
 
@@ -3622,6 +3758,7 @@
         <a:solidFill>
           <a:srgbClr val="FFFFFF"/>
         </a:solidFill>
+        <a:effectLst/>
       </p:bgPr>
     </p:bg>
     <p:spTree>
@@ -3677,13 +3814,16 @@
                 <a:sym typeface="Helvetica"/>
               </a:defRPr>
             </a:pPr>
+            <a:endParaRPr/>
           </a:p>
         </p:txBody>
       </p:sp>
       <p:sp>
         <p:nvSpPr>
           <p:cNvPr id="3" name="Shape 3"/>
-          <p:cNvSpPr/>
+          <p:cNvSpPr>
+            <a:spLocks noGrp="1"/>
+          </p:cNvSpPr>
           <p:nvPr>
             <p:ph type="title"/>
           </p:nvPr>
@@ -3707,11 +3847,10 @@
         </p:spPr>
         <p:txBody>
           <a:bodyPr lIns="50800" tIns="50800" rIns="50800" bIns="50800">
-            <a:normAutofit fontScale="100000" lnSpcReduction="0"/>
+            <a:normAutofit/>
           </a:bodyPr>
           <a:lstStyle/>
           <a:p>
-            <a:pPr/>
             <a:r>
               <a:t>Title Text</a:t>
             </a:r>
@@ -3721,7 +3860,9 @@
       <p:sp>
         <p:nvSpPr>
           <p:cNvPr id="4" name="Shape 4"/>
-          <p:cNvSpPr/>
+          <p:cNvSpPr>
+            <a:spLocks noGrp="1"/>
+          </p:cNvSpPr>
           <p:nvPr>
             <p:ph type="body" idx="1"/>
           </p:nvPr>
@@ -3745,11 +3886,10 @@
         </p:spPr>
         <p:txBody>
           <a:bodyPr lIns="50800" tIns="50800" rIns="50800" bIns="50800">
-            <a:normAutofit fontScale="100000" lnSpcReduction="0"/>
+            <a:normAutofit/>
           </a:bodyPr>
           <a:lstStyle/>
           <a:p>
-            <a:pPr/>
             <a:r>
               <a:t>Body Level One</a:t>
             </a:r>
@@ -3783,7 +3923,9 @@
       <p:sp>
         <p:nvSpPr>
           <p:cNvPr id="5" name="Shape 5"/>
-          <p:cNvSpPr/>
+          <p:cNvSpPr>
+            <a:spLocks noGrp="1"/>
+          </p:cNvSpPr>
           <p:nvPr>
             <p:ph type="sldNum" sz="quarter" idx="2"/>
           </p:nvPr>
@@ -3821,8 +3963,10 @@
             </a:lvl1pPr>
           </a:lstStyle>
           <a:p>
-            <a:pPr/>
-            <a:fld id="{86CB4B4D-7CA3-9044-876B-883B54F8677D}" type="slidenum"/>
+            <a:fld id="{86CB4B4D-7CA3-9044-876B-883B54F8677D}" type="slidenum">
+              <a:t>‹#›</a:t>
+            </a:fld>
+            <a:endParaRPr/>
           </a:p>
         </p:txBody>
       </p:sp>
@@ -3830,24 +3974,24 @@
   </p:cSld>
   <p:clrMap bg1="dk1" tx1="lt1" bg2="dk2" tx2="lt2" accent1="accent1" accent2="accent2" accent3="accent3" accent4="accent4" accent5="accent5" accent6="accent6" hlink="hlink" folHlink="folHlink"/>
   <p:sldLayoutIdLst>
-    <p:sldLayoutId id="2147483649" r:id="rId2"/>
-    <p:sldLayoutId id="2147483650" r:id="rId3"/>
-    <p:sldLayoutId id="2147483651" r:id="rId4"/>
-    <p:sldLayoutId id="2147483652" r:id="rId5"/>
-    <p:sldLayoutId id="2147483653" r:id="rId6"/>
-    <p:sldLayoutId id="2147483654" r:id="rId7"/>
-    <p:sldLayoutId id="2147483655" r:id="rId8"/>
-    <p:sldLayoutId id="2147483656" r:id="rId9"/>
-    <p:sldLayoutId id="2147483657" r:id="rId10"/>
-    <p:sldLayoutId id="2147483658" r:id="rId11"/>
-    <p:sldLayoutId id="2147483659" r:id="rId12"/>
-    <p:sldLayoutId id="2147483660" r:id="rId13"/>
-    <p:sldLayoutId id="2147483661" r:id="rId14"/>
-    <p:sldLayoutId id="2147483662" r:id="rId15"/>
-    <p:sldLayoutId id="2147483663" r:id="rId16"/>
-    <p:sldLayoutId id="2147483664" r:id="rId17"/>
+    <p:sldLayoutId id="2147483649" r:id="rId1"/>
+    <p:sldLayoutId id="2147483650" r:id="rId2"/>
+    <p:sldLayoutId id="2147483651" r:id="rId3"/>
+    <p:sldLayoutId id="2147483652" r:id="rId4"/>
+    <p:sldLayoutId id="2147483653" r:id="rId5"/>
+    <p:sldLayoutId id="2147483654" r:id="rId6"/>
+    <p:sldLayoutId id="2147483655" r:id="rId7"/>
+    <p:sldLayoutId id="2147483656" r:id="rId8"/>
+    <p:sldLayoutId id="2147483657" r:id="rId9"/>
+    <p:sldLayoutId id="2147483658" r:id="rId10"/>
+    <p:sldLayoutId id="2147483659" r:id="rId11"/>
+    <p:sldLayoutId id="2147483660" r:id="rId12"/>
+    <p:sldLayoutId id="2147483661" r:id="rId13"/>
+    <p:sldLayoutId id="2147483662" r:id="rId14"/>
+    <p:sldLayoutId id="2147483663" r:id="rId15"/>
+    <p:sldLayoutId id="2147483664" r:id="rId16"/>
   </p:sldLayoutIdLst>
-  <p:transition xmlns:p14="http://schemas.microsoft.com/office/powerpoint/2010/main" spd="med" advClick="1"/>
+  <p:transition xmlns:p14="http://schemas.microsoft.com/office/powerpoint/2010/main" spd="med"/>
   <p:txStyles>
     <p:titleStyle>
       <a:lvl1pPr marL="0" marR="0" indent="0" algn="l" defTabSz="584200" rtl="0" latinLnBrk="0">
@@ -3865,7 +4009,7 @@
         <a:buFontTx/>
         <a:buNone/>
         <a:tabLst/>
-        <a:defRPr b="0" baseline="0" cap="all" i="0" spc="0" strike="noStrike" sz="6000" u="none">
+        <a:defRPr sz="6000" b="0" i="0" u="none" strike="noStrike" cap="all" spc="0" baseline="0">
           <a:ln>
             <a:noFill/>
           </a:ln>
@@ -3894,7 +4038,7 @@
         <a:buFontTx/>
         <a:buNone/>
         <a:tabLst/>
-        <a:defRPr b="0" baseline="0" cap="all" i="0" spc="0" strike="noStrike" sz="6000" u="none">
+        <a:defRPr sz="6000" b="0" i="0" u="none" strike="noStrike" cap="all" spc="0" baseline="0">
           <a:ln>
             <a:noFill/>
           </a:ln>
@@ -3923,7 +4067,7 @@
         <a:buFontTx/>
         <a:buNone/>
         <a:tabLst/>
-        <a:defRPr b="0" baseline="0" cap="all" i="0" spc="0" strike="noStrike" sz="6000" u="none">
+        <a:defRPr sz="6000" b="0" i="0" u="none" strike="noStrike" cap="all" spc="0" baseline="0">
           <a:ln>
             <a:noFill/>
           </a:ln>
@@ -3952,7 +4096,7 @@
         <a:buFontTx/>
         <a:buNone/>
         <a:tabLst/>
-        <a:defRPr b="0" baseline="0" cap="all" i="0" spc="0" strike="noStrike" sz="6000" u="none">
+        <a:defRPr sz="6000" b="0" i="0" u="none" strike="noStrike" cap="all" spc="0" baseline="0">
           <a:ln>
             <a:noFill/>
           </a:ln>
@@ -3981,7 +4125,7 @@
         <a:buFontTx/>
         <a:buNone/>
         <a:tabLst/>
-        <a:defRPr b="0" baseline="0" cap="all" i="0" spc="0" strike="noStrike" sz="6000" u="none">
+        <a:defRPr sz="6000" b="0" i="0" u="none" strike="noStrike" cap="all" spc="0" baseline="0">
           <a:ln>
             <a:noFill/>
           </a:ln>
@@ -4010,7 +4154,7 @@
         <a:buFontTx/>
         <a:buNone/>
         <a:tabLst/>
-        <a:defRPr b="0" baseline="0" cap="all" i="0" spc="0" strike="noStrike" sz="6000" u="none">
+        <a:defRPr sz="6000" b="0" i="0" u="none" strike="noStrike" cap="all" spc="0" baseline="0">
           <a:ln>
             <a:noFill/>
           </a:ln>
@@ -4039,7 +4183,7 @@
         <a:buFontTx/>
         <a:buNone/>
         <a:tabLst/>
-        <a:defRPr b="0" baseline="0" cap="all" i="0" spc="0" strike="noStrike" sz="6000" u="none">
+        <a:defRPr sz="6000" b="0" i="0" u="none" strike="noStrike" cap="all" spc="0" baseline="0">
           <a:ln>
             <a:noFill/>
           </a:ln>
@@ -4068,7 +4212,7 @@
         <a:buFontTx/>
         <a:buNone/>
         <a:tabLst/>
-        <a:defRPr b="0" baseline="0" cap="all" i="0" spc="0" strike="noStrike" sz="6000" u="none">
+        <a:defRPr sz="6000" b="0" i="0" u="none" strike="noStrike" cap="all" spc="0" baseline="0">
           <a:ln>
             <a:noFill/>
           </a:ln>
@@ -4097,7 +4241,7 @@
         <a:buFontTx/>
         <a:buNone/>
         <a:tabLst/>
-        <a:defRPr b="0" baseline="0" cap="all" i="0" spc="0" strike="noStrike" sz="6000" u="none">
+        <a:defRPr sz="6000" b="0" i="0" u="none" strike="noStrike" cap="all" spc="0" baseline="0">
           <a:ln>
             <a:noFill/>
           </a:ln>
@@ -4132,7 +4276,7 @@
         <a:buFont typeface="Avenir Next"/>
         <a:buChar char="‣"/>
         <a:tabLst/>
-        <a:defRPr b="0" baseline="0" cap="none" i="0" spc="0" strike="noStrike" sz="3400" u="none">
+        <a:defRPr sz="3400" b="0" i="0" u="none" strike="noStrike" cap="none" spc="0" baseline="0">
           <a:ln>
             <a:noFill/>
           </a:ln>
@@ -4165,7 +4309,7 @@
         <a:buFont typeface="Avenir Next"/>
         <a:buChar char="‣"/>
         <a:tabLst/>
-        <a:defRPr b="0" baseline="0" cap="none" i="0" spc="0" strike="noStrike" sz="3400" u="none">
+        <a:defRPr sz="3400" b="0" i="0" u="none" strike="noStrike" cap="none" spc="0" baseline="0">
           <a:ln>
             <a:noFill/>
           </a:ln>
@@ -4198,7 +4342,7 @@
         <a:buFont typeface="Avenir Next"/>
         <a:buChar char="‣"/>
         <a:tabLst/>
-        <a:defRPr b="0" baseline="0" cap="none" i="0" spc="0" strike="noStrike" sz="3400" u="none">
+        <a:defRPr sz="3400" b="0" i="0" u="none" strike="noStrike" cap="none" spc="0" baseline="0">
           <a:ln>
             <a:noFill/>
           </a:ln>
@@ -4231,7 +4375,7 @@
         <a:buFont typeface="Avenir Next"/>
         <a:buChar char="‣"/>
         <a:tabLst/>
-        <a:defRPr b="0" baseline="0" cap="none" i="0" spc="0" strike="noStrike" sz="3400" u="none">
+        <a:defRPr sz="3400" b="0" i="0" u="none" strike="noStrike" cap="none" spc="0" baseline="0">
           <a:ln>
             <a:noFill/>
           </a:ln>
@@ -4264,7 +4408,7 @@
         <a:buFont typeface="Avenir Next"/>
         <a:buChar char="‣"/>
         <a:tabLst/>
-        <a:defRPr b="0" baseline="0" cap="none" i="0" spc="0" strike="noStrike" sz="3400" u="none">
+        <a:defRPr sz="3400" b="0" i="0" u="none" strike="noStrike" cap="none" spc="0" baseline="0">
           <a:ln>
             <a:noFill/>
           </a:ln>
@@ -4297,7 +4441,7 @@
         <a:buFont typeface="Avenir Next"/>
         <a:buChar char="‣"/>
         <a:tabLst/>
-        <a:defRPr b="0" baseline="0" cap="none" i="0" spc="0" strike="noStrike" sz="3400" u="none">
+        <a:defRPr sz="3400" b="0" i="0" u="none" strike="noStrike" cap="none" spc="0" baseline="0">
           <a:ln>
             <a:noFill/>
           </a:ln>
@@ -4330,7 +4474,7 @@
         <a:buFont typeface="Avenir Next"/>
         <a:buChar char="‣"/>
         <a:tabLst/>
-        <a:defRPr b="0" baseline="0" cap="none" i="0" spc="0" strike="noStrike" sz="3400" u="none">
+        <a:defRPr sz="3400" b="0" i="0" u="none" strike="noStrike" cap="none" spc="0" baseline="0">
           <a:ln>
             <a:noFill/>
           </a:ln>
@@ -4363,7 +4507,7 @@
         <a:buFont typeface="Avenir Next"/>
         <a:buChar char="‣"/>
         <a:tabLst/>
-        <a:defRPr b="0" baseline="0" cap="none" i="0" spc="0" strike="noStrike" sz="3400" u="none">
+        <a:defRPr sz="3400" b="0" i="0" u="none" strike="noStrike" cap="none" spc="0" baseline="0">
           <a:ln>
             <a:noFill/>
           </a:ln>
@@ -4396,7 +4540,7 @@
         <a:buFont typeface="Avenir Next"/>
         <a:buChar char="‣"/>
         <a:tabLst/>
-        <a:defRPr b="0" baseline="0" cap="none" i="0" spc="0" strike="noStrike" sz="3400" u="none">
+        <a:defRPr sz="3400" b="0" i="0" u="none" strike="noStrike" cap="none" spc="0" baseline="0">
           <a:ln>
             <a:noFill/>
           </a:ln>
@@ -4427,7 +4571,7 @@
         <a:buFontTx/>
         <a:buNone/>
         <a:tabLst/>
-        <a:defRPr b="0" baseline="0" cap="none" i="0" spc="0" strike="noStrike" sz="2400" u="none">
+        <a:defRPr sz="2400" b="0" i="0" u="none" strike="noStrike" cap="none" spc="0" baseline="0">
           <a:ln>
             <a:noFill/>
           </a:ln>
@@ -4456,7 +4600,7 @@
         <a:buFontTx/>
         <a:buNone/>
         <a:tabLst/>
-        <a:defRPr b="0" baseline="0" cap="none" i="0" spc="0" strike="noStrike" sz="2400" u="none">
+        <a:defRPr sz="2400" b="0" i="0" u="none" strike="noStrike" cap="none" spc="0" baseline="0">
           <a:ln>
             <a:noFill/>
           </a:ln>
@@ -4485,7 +4629,7 @@
         <a:buFontTx/>
         <a:buNone/>
         <a:tabLst/>
-        <a:defRPr b="0" baseline="0" cap="none" i="0" spc="0" strike="noStrike" sz="2400" u="none">
+        <a:defRPr sz="2400" b="0" i="0" u="none" strike="noStrike" cap="none" spc="0" baseline="0">
           <a:ln>
             <a:noFill/>
           </a:ln>
@@ -4514,7 +4658,7 @@
         <a:buFontTx/>
         <a:buNone/>
         <a:tabLst/>
-        <a:defRPr b="0" baseline="0" cap="none" i="0" spc="0" strike="noStrike" sz="2400" u="none">
+        <a:defRPr sz="2400" b="0" i="0" u="none" strike="noStrike" cap="none" spc="0" baseline="0">
           <a:ln>
             <a:noFill/>
           </a:ln>
@@ -4543,7 +4687,7 @@
         <a:buFontTx/>
         <a:buNone/>
         <a:tabLst/>
-        <a:defRPr b="0" baseline="0" cap="none" i="0" spc="0" strike="noStrike" sz="2400" u="none">
+        <a:defRPr sz="2400" b="0" i="0" u="none" strike="noStrike" cap="none" spc="0" baseline="0">
           <a:ln>
             <a:noFill/>
           </a:ln>
@@ -4572,7 +4716,7 @@
         <a:buFontTx/>
         <a:buNone/>
         <a:tabLst/>
-        <a:defRPr b="0" baseline="0" cap="none" i="0" spc="0" strike="noStrike" sz="2400" u="none">
+        <a:defRPr sz="2400" b="0" i="0" u="none" strike="noStrike" cap="none" spc="0" baseline="0">
           <a:ln>
             <a:noFill/>
           </a:ln>
@@ -4601,7 +4745,7 @@
         <a:buFontTx/>
         <a:buNone/>
         <a:tabLst/>
-        <a:defRPr b="0" baseline="0" cap="none" i="0" spc="0" strike="noStrike" sz="2400" u="none">
+        <a:defRPr sz="2400" b="0" i="0" u="none" strike="noStrike" cap="none" spc="0" baseline="0">
           <a:ln>
             <a:noFill/>
           </a:ln>
@@ -4630,7 +4774,7 @@
         <a:buFontTx/>
         <a:buNone/>
         <a:tabLst/>
-        <a:defRPr b="0" baseline="0" cap="none" i="0" spc="0" strike="noStrike" sz="2400" u="none">
+        <a:defRPr sz="2400" b="0" i="0" u="none" strike="noStrike" cap="none" spc="0" baseline="0">
           <a:ln>
             <a:noFill/>
           </a:ln>
@@ -4659,7 +4803,7 @@
         <a:buFontTx/>
         <a:buNone/>
         <a:tabLst/>
-        <a:defRPr b="0" baseline="0" cap="none" i="0" spc="0" strike="noStrike" sz="2400" u="none">
+        <a:defRPr sz="2400" b="0" i="0" u="none" strike="noStrike" cap="none" spc="0" baseline="0">
           <a:ln>
             <a:noFill/>
           </a:ln>
@@ -4679,7 +4823,7 @@
 </file>
 
 <file path=ppt/slides/slide1.xml><?xml version="1.0" encoding="utf-8"?>
-<p:sld xmlns:a="http://schemas.openxmlformats.org/drawingml/2006/main" xmlns:r="http://schemas.openxmlformats.org/officeDocument/2006/relationships" xmlns:p="http://schemas.openxmlformats.org/presentationml/2006/main" showMasterSp="1" showMasterPhAnim="1">
+<p:sld xmlns:a="http://schemas.openxmlformats.org/drawingml/2006/main" xmlns:r="http://schemas.openxmlformats.org/officeDocument/2006/relationships" xmlns:p="http://schemas.openxmlformats.org/presentationml/2006/main">
   <p:cSld>
     <p:spTree>
       <p:nvGrpSpPr>
@@ -4698,7 +4842,9 @@
       <p:sp>
         <p:nvSpPr>
           <p:cNvPr id="166" name="Shape 166"/>
-          <p:cNvSpPr/>
+          <p:cNvSpPr>
+            <a:spLocks noGrp="1"/>
+          </p:cNvSpPr>
           <p:nvPr>
             <p:ph type="ctrTitle"/>
           </p:nvPr>
@@ -4712,7 +4858,6 @@
           <a:bodyPr/>
           <a:lstStyle/>
           <a:p>
-            <a:pPr/>
             <a:r>
               <a:t>intro to docker</a:t>
             </a:r>
@@ -4722,7 +4867,9 @@
       <p:sp>
         <p:nvSpPr>
           <p:cNvPr id="167" name="Shape 167"/>
-          <p:cNvSpPr/>
+          <p:cNvSpPr>
+            <a:spLocks noGrp="1"/>
+          </p:cNvSpPr>
           <p:nvPr>
             <p:ph type="subTitle" sz="quarter" idx="1"/>
           </p:nvPr>
@@ -4736,7 +4883,6 @@
           <a:bodyPr/>
           <a:lstStyle/>
           <a:p>
-            <a:pPr/>
             <a:r>
               <a:t>boise code camp 2016</a:t>
             </a:r>
@@ -4806,12 +4952,12 @@
   <p:clrMapOvr>
     <a:masterClrMapping/>
   </p:clrMapOvr>
-  <p:transition xmlns:p14="http://schemas.microsoft.com/office/powerpoint/2010/main" spd="med" advClick="1"/>
+  <p:transition xmlns:p14="http://schemas.microsoft.com/office/powerpoint/2010/main" spd="med"/>
 </p:sld>
 </file>
 
 <file path=ppt/slides/slide10.xml><?xml version="1.0" encoding="utf-8"?>
-<p:sld xmlns:a="http://schemas.openxmlformats.org/drawingml/2006/main" xmlns:r="http://schemas.openxmlformats.org/officeDocument/2006/relationships" xmlns:p="http://schemas.openxmlformats.org/presentationml/2006/main" showMasterSp="1" showMasterPhAnim="1">
+<p:sld xmlns:a="http://schemas.openxmlformats.org/drawingml/2006/main" xmlns:r="http://schemas.openxmlformats.org/officeDocument/2006/relationships" xmlns:p="http://schemas.openxmlformats.org/presentationml/2006/main">
   <p:cSld>
     <p:spTree>
       <p:nvGrpSpPr>
@@ -4829,8 +4975,10 @@
       </p:grpSpPr>
       <p:sp>
         <p:nvSpPr>
-          <p:cNvPr id="198" name="Shape 198"/>
-          <p:cNvSpPr/>
+          <p:cNvPr id="222" name="Shape 222"/>
+          <p:cNvSpPr>
+            <a:spLocks noGrp="1"/>
+          </p:cNvSpPr>
           <p:nvPr>
             <p:ph type="title"/>
           </p:nvPr>
@@ -4851,17 +4999,18 @@
             </a:lvl1pPr>
           </a:lstStyle>
           <a:p>
-            <a:pPr/>
-            <a:r>
-              <a:t>docker best practices</a:t>
-            </a:r>
-          </a:p>
-        </p:txBody>
-      </p:sp>
-      <p:sp>
-        <p:nvSpPr>
-          <p:cNvPr id="199" name="Shape 199"/>
-          <p:cNvSpPr/>
+            <a:r>
+              <a:t>docker machine</a:t>
+            </a:r>
+          </a:p>
+        </p:txBody>
+      </p:sp>
+      <p:sp>
+        <p:nvSpPr>
+          <p:cNvPr id="223" name="Shape 223"/>
+          <p:cNvSpPr>
+            <a:spLocks noGrp="1"/>
+          </p:cNvSpPr>
           <p:nvPr>
             <p:ph type="body" idx="1"/>
           </p:nvPr>
@@ -4875,33 +5024,47 @@
           <a:bodyPr/>
           <a:lstStyle/>
           <a:p>
-            <a:pPr/>
-            <a:r>
-              <a:t>Containers are ephemeral</a:t>
-            </a:r>
-          </a:p>
-          <a:p>
-            <a:pPr/>
-            <a:r>
-              <a:t>One process per container</a:t>
-            </a:r>
-          </a:p>
-          <a:p>
-            <a:pPr/>
-            <a:r>
-              <a:t>Minimize layers (to reduce image size)</a:t>
-            </a:r>
-          </a:p>
-          <a:p>
-            <a:pPr/>
-            <a:r>
-              <a:t>Use volumes for persistence</a:t>
-            </a:r>
-          </a:p>
-          <a:p>
-            <a:pPr/>
-            <a:r>
-              <a:t>Design for fault-tolerance and scale</a:t>
+            <a:r>
+              <a:rPr dirty="0"/>
+              <a:t>A tool to build VMs whose Docker engines can </a:t>
+            </a:r>
+            <a:r>
+              <a:rPr dirty="0" smtClean="0"/>
+              <a:t>communicate</a:t>
+            </a:r>
+            <a:endParaRPr lang="en-US" dirty="0" smtClean="0"/>
+          </a:p>
+          <a:p>
+            <a:r>
+              <a:rPr lang="en-US" dirty="0" smtClean="0"/>
+              <a:t>Useful to run </a:t>
+            </a:r>
+            <a:r>
+              <a:rPr lang="en-US" dirty="0" err="1" smtClean="0"/>
+              <a:t>Docker</a:t>
+            </a:r>
+            <a:r>
+              <a:rPr lang="en-US" dirty="0" smtClean="0"/>
+              <a:t> on non-Linux platforms</a:t>
+            </a:r>
+            <a:endParaRPr dirty="0"/>
+          </a:p>
+          <a:p>
+            <a:r>
+              <a:rPr dirty="0"/>
+              <a:t>A building block of clusters (useful for Swarm)</a:t>
+            </a:r>
+          </a:p>
+          <a:p>
+            <a:r>
+              <a:rPr dirty="0"/>
+              <a:t>Lots of VM backends supported (VirtualBox, AWS, Digital Ocean, etc)</a:t>
+            </a:r>
+          </a:p>
+          <a:p>
+            <a:r>
+              <a:rPr dirty="0"/>
+              <a:t>Demo</a:t>
             </a:r>
           </a:p>
         </p:txBody>
@@ -4911,12 +5074,12 @@
   <p:clrMapOvr>
     <a:masterClrMapping/>
   </p:clrMapOvr>
-  <p:transition xmlns:p14="http://schemas.microsoft.com/office/powerpoint/2010/main" spd="med" advClick="1" p14:dur="1000"/>
+  <p:transition xmlns:p14="http://schemas.microsoft.com/office/powerpoint/2010/main" spd="slow"/>
 </p:sld>
 </file>
 
 <file path=ppt/slides/slide11.xml><?xml version="1.0" encoding="utf-8"?>
-<p:sld xmlns:a="http://schemas.openxmlformats.org/drawingml/2006/main" xmlns:r="http://schemas.openxmlformats.org/officeDocument/2006/relationships" xmlns:p="http://schemas.openxmlformats.org/presentationml/2006/main" showMasterSp="1" showMasterPhAnim="1">
+<p:sld xmlns:a="http://schemas.openxmlformats.org/drawingml/2006/main" xmlns:r="http://schemas.openxmlformats.org/officeDocument/2006/relationships" xmlns:p="http://schemas.openxmlformats.org/presentationml/2006/main">
   <p:cSld>
     <p:spTree>
       <p:nvGrpSpPr>
@@ -4934,8 +5097,10 @@
       </p:grpSpPr>
       <p:sp>
         <p:nvSpPr>
-          <p:cNvPr id="201" name="Shape 201"/>
-          <p:cNvSpPr/>
+          <p:cNvPr id="198" name="Shape 198"/>
+          <p:cNvSpPr>
+            <a:spLocks noGrp="1"/>
+          </p:cNvSpPr>
           <p:nvPr>
             <p:ph type="title"/>
           </p:nvPr>
@@ -4956,17 +5121,18 @@
             </a:lvl1pPr>
           </a:lstStyle>
           <a:p>
-            <a:pPr/>
-            <a:r>
-              <a:t>volumes</a:t>
-            </a:r>
-          </a:p>
-        </p:txBody>
-      </p:sp>
-      <p:sp>
-        <p:nvSpPr>
-          <p:cNvPr id="202" name="Shape 202"/>
-          <p:cNvSpPr/>
+            <a:r>
+              <a:t>docker best practices</a:t>
+            </a:r>
+          </a:p>
+        </p:txBody>
+      </p:sp>
+      <p:sp>
+        <p:nvSpPr>
+          <p:cNvPr id="199" name="Shape 199"/>
+          <p:cNvSpPr>
+            <a:spLocks noGrp="1"/>
+          </p:cNvSpPr>
           <p:nvPr>
             <p:ph type="body" idx="1"/>
           </p:nvPr>
@@ -4980,27 +5146,28 @@
           <a:bodyPr/>
           <a:lstStyle/>
           <a:p>
-            <a:pPr/>
-            <a:r>
-              <a:t>Disk within a container is ephemeral</a:t>
-            </a:r>
-          </a:p>
-          <a:p>
-            <a:pPr/>
-            <a:r>
-              <a:t>If your container stops, the data in it is gone</a:t>
-            </a:r>
-          </a:p>
-          <a:p>
-            <a:pPr/>
-            <a:r>
-              <a:t>Volumes allowing mapping from the host FS to the container FS</a:t>
-            </a:r>
-          </a:p>
-          <a:p>
-            <a:pPr/>
-            <a:r>
-              <a:t>Can be annoying with incomplete user mapping support in Docker</a:t>
+            <a:r>
+              <a:t>Containers are ephemeral</a:t>
+            </a:r>
+          </a:p>
+          <a:p>
+            <a:r>
+              <a:t>One process per container</a:t>
+            </a:r>
+          </a:p>
+          <a:p>
+            <a:r>
+              <a:t>Minimize layers (to reduce image size)</a:t>
+            </a:r>
+          </a:p>
+          <a:p>
+            <a:r>
+              <a:t>Use volumes for persistence</a:t>
+            </a:r>
+          </a:p>
+          <a:p>
+            <a:r>
+              <a:t>Design for fault-tolerance and scale</a:t>
             </a:r>
           </a:p>
         </p:txBody>
@@ -5010,12 +5177,12 @@
   <p:clrMapOvr>
     <a:masterClrMapping/>
   </p:clrMapOvr>
-  <p:transition xmlns:p14="http://schemas.microsoft.com/office/powerpoint/2010/main" spd="med" advClick="1" p14:dur="1000"/>
+  <p:transition xmlns:p14="http://schemas.microsoft.com/office/powerpoint/2010/main" spd="slow"/>
 </p:sld>
 </file>
 
 <file path=ppt/slides/slide12.xml><?xml version="1.0" encoding="utf-8"?>
-<p:sld xmlns:a="http://schemas.openxmlformats.org/drawingml/2006/main" xmlns:r="http://schemas.openxmlformats.org/officeDocument/2006/relationships" xmlns:p="http://schemas.openxmlformats.org/presentationml/2006/main" showMasterSp="1" showMasterPhAnim="1">
+<p:sld xmlns:a="http://schemas.openxmlformats.org/drawingml/2006/main" xmlns:r="http://schemas.openxmlformats.org/officeDocument/2006/relationships" xmlns:p="http://schemas.openxmlformats.org/presentationml/2006/main">
   <p:cSld>
     <p:spTree>
       <p:nvGrpSpPr>
@@ -5033,8 +5200,10 @@
       </p:grpSpPr>
       <p:sp>
         <p:nvSpPr>
-          <p:cNvPr id="204" name="Shape 204"/>
-          <p:cNvSpPr/>
+          <p:cNvPr id="201" name="Shape 201"/>
+          <p:cNvSpPr>
+            <a:spLocks noGrp="1"/>
+          </p:cNvSpPr>
           <p:nvPr>
             <p:ph type="title"/>
           </p:nvPr>
@@ -5055,17 +5224,18 @@
             </a:lvl1pPr>
           </a:lstStyle>
           <a:p>
-            <a:pPr/>
-            <a:r>
-              <a:t>resource allocation</a:t>
-            </a:r>
-          </a:p>
-        </p:txBody>
-      </p:sp>
-      <p:sp>
-        <p:nvSpPr>
-          <p:cNvPr id="205" name="Shape 205"/>
-          <p:cNvSpPr/>
+            <a:r>
+              <a:t>volumes</a:t>
+            </a:r>
+          </a:p>
+        </p:txBody>
+      </p:sp>
+      <p:sp>
+        <p:nvSpPr>
+          <p:cNvPr id="202" name="Shape 202"/>
+          <p:cNvSpPr>
+            <a:spLocks noGrp="1"/>
+          </p:cNvSpPr>
           <p:nvPr>
             <p:ph type="body" idx="1"/>
           </p:nvPr>
@@ -5079,33 +5249,23 @@
           <a:bodyPr/>
           <a:lstStyle/>
           <a:p>
-            <a:pPr/>
-            <a:r>
-              <a:t>Controlled via ‘docker run’ options</a:t>
-            </a:r>
-          </a:p>
-          <a:p>
-            <a:pPr/>
-            <a:r>
-              <a:t>CPU (dynamic and reserved)</a:t>
-            </a:r>
-          </a:p>
-          <a:p>
-            <a:pPr lvl="1"/>
-            <a:r>
-              <a:t>—cpu-shares, —cpuset-cpus</a:t>
-            </a:r>
-          </a:p>
-          <a:p>
-            <a:pPr/>
-            <a:r>
-              <a:t>Memory limit</a:t>
-            </a:r>
-          </a:p>
-          <a:p>
-            <a:pPr lvl="1"/>
-            <a:r>
-              <a:t>—memory</a:t>
+            <a:r>
+              <a:t>Disk within a container is ephemeral</a:t>
+            </a:r>
+          </a:p>
+          <a:p>
+            <a:r>
+              <a:t>If your container stops, the data in it is gone</a:t>
+            </a:r>
+          </a:p>
+          <a:p>
+            <a:r>
+              <a:t>Volumes allowing mapping from the host FS to the container FS</a:t>
+            </a:r>
+          </a:p>
+          <a:p>
+            <a:r>
+              <a:t>Can be annoying with incomplete user mapping support in Docker</a:t>
             </a:r>
           </a:p>
         </p:txBody>
@@ -5115,12 +5275,12 @@
   <p:clrMapOvr>
     <a:masterClrMapping/>
   </p:clrMapOvr>
-  <p:transition xmlns:p14="http://schemas.microsoft.com/office/powerpoint/2010/main" spd="med" advClick="1" p14:dur="1000"/>
+  <p:transition xmlns:p14="http://schemas.microsoft.com/office/powerpoint/2010/main" spd="slow"/>
 </p:sld>
 </file>
 
 <file path=ppt/slides/slide13.xml><?xml version="1.0" encoding="utf-8"?>
-<p:sld xmlns:a="http://schemas.openxmlformats.org/drawingml/2006/main" xmlns:r="http://schemas.openxmlformats.org/officeDocument/2006/relationships" xmlns:p="http://schemas.openxmlformats.org/presentationml/2006/main" showMasterSp="1" showMasterPhAnim="1">
+<p:sld xmlns:a="http://schemas.openxmlformats.org/drawingml/2006/main" xmlns:r="http://schemas.openxmlformats.org/officeDocument/2006/relationships" xmlns:p="http://schemas.openxmlformats.org/presentationml/2006/main">
   <p:cSld>
     <p:spTree>
       <p:nvGrpSpPr>
@@ -5138,8 +5298,10 @@
       </p:grpSpPr>
       <p:sp>
         <p:nvSpPr>
-          <p:cNvPr id="207" name="Shape 207"/>
-          <p:cNvSpPr/>
+          <p:cNvPr id="204" name="Shape 204"/>
+          <p:cNvSpPr>
+            <a:spLocks noGrp="1"/>
+          </p:cNvSpPr>
           <p:nvPr>
             <p:ph type="title"/>
           </p:nvPr>
@@ -5160,17 +5322,18 @@
             </a:lvl1pPr>
           </a:lstStyle>
           <a:p>
-            <a:pPr/>
-            <a:r>
-              <a:t>docker cleanup</a:t>
-            </a:r>
-          </a:p>
-        </p:txBody>
-      </p:sp>
-      <p:sp>
-        <p:nvSpPr>
-          <p:cNvPr id="208" name="Shape 208"/>
-          <p:cNvSpPr/>
+            <a:r>
+              <a:t>resource allocation</a:t>
+            </a:r>
+          </a:p>
+        </p:txBody>
+      </p:sp>
+      <p:sp>
+        <p:nvSpPr>
+          <p:cNvPr id="205" name="Shape 205"/>
+          <p:cNvSpPr>
+            <a:spLocks noGrp="1"/>
+          </p:cNvSpPr>
           <p:nvPr>
             <p:ph type="body" idx="1"/>
           </p:nvPr>
@@ -5184,33 +5347,30 @@
           <a:bodyPr/>
           <a:lstStyle/>
           <a:p>
-            <a:pPr/>
-            <a:r>
-              <a:t>Docker doesn’t clean up resources automatically</a:t>
-            </a:r>
-          </a:p>
-          <a:p>
-            <a:pPr/>
-            <a:r>
-              <a:t>Must manage stray containers, images, and volumes manually</a:t>
-            </a:r>
-          </a:p>
-          <a:p>
-            <a:pPr/>
-            <a:r>
-              <a:t>CLI is the standard way to do this</a:t>
+            <a:r>
+              <a:t>Controlled via ‘docker run’ options</a:t>
+            </a:r>
+          </a:p>
+          <a:p>
+            <a:r>
+              <a:t>CPU (dynamic and reserved)</a:t>
             </a:r>
           </a:p>
           <a:p>
             <a:pPr lvl="1"/>
             <a:r>
-              <a:t>docker ps -aq | xargs docker rm</a:t>
+              <a:t>—cpu-shares, —cpuset-cpus</a:t>
+            </a:r>
+          </a:p>
+          <a:p>
+            <a:r>
+              <a:t>Memory limit</a:t>
             </a:r>
           </a:p>
           <a:p>
             <a:pPr lvl="1"/>
             <a:r>
-              <a:t>docker images -q —filter “dangling=true” | xargs docker rmi</a:t>
+              <a:t>—memory</a:t>
             </a:r>
           </a:p>
         </p:txBody>
@@ -5220,12 +5380,12 @@
   <p:clrMapOvr>
     <a:masterClrMapping/>
   </p:clrMapOvr>
-  <p:transition xmlns:p14="http://schemas.microsoft.com/office/powerpoint/2010/main" spd="med" advClick="1" p14:dur="1000"/>
+  <p:transition xmlns:p14="http://schemas.microsoft.com/office/powerpoint/2010/main" spd="slow"/>
 </p:sld>
 </file>
 
 <file path=ppt/slides/slide14.xml><?xml version="1.0" encoding="utf-8"?>
-<p:sld xmlns:a="http://schemas.openxmlformats.org/drawingml/2006/main" xmlns:r="http://schemas.openxmlformats.org/officeDocument/2006/relationships" xmlns:p="http://schemas.openxmlformats.org/presentationml/2006/main" showMasterSp="1" showMasterPhAnim="1">
+<p:sld xmlns:a="http://schemas.openxmlformats.org/drawingml/2006/main" xmlns:r="http://schemas.openxmlformats.org/officeDocument/2006/relationships" xmlns:p="http://schemas.openxmlformats.org/presentationml/2006/main">
   <p:cSld>
     <p:spTree>
       <p:nvGrpSpPr>
@@ -5243,8 +5403,10 @@
       </p:grpSpPr>
       <p:sp>
         <p:nvSpPr>
-          <p:cNvPr id="210" name="Shape 210"/>
-          <p:cNvSpPr/>
+          <p:cNvPr id="207" name="Shape 207"/>
+          <p:cNvSpPr>
+            <a:spLocks noGrp="1"/>
+          </p:cNvSpPr>
           <p:nvPr>
             <p:ph type="title"/>
           </p:nvPr>
@@ -5265,17 +5427,19 @@
             </a:lvl1pPr>
           </a:lstStyle>
           <a:p>
-            <a:pPr/>
-            <a:r>
-              <a:t>docker hub</a:t>
-            </a:r>
-          </a:p>
-        </p:txBody>
-      </p:sp>
-      <p:sp>
-        <p:nvSpPr>
-          <p:cNvPr id="211" name="Shape 211"/>
-          <p:cNvSpPr/>
+            <a:r>
+              <a:rPr dirty="0"/>
+              <a:t>docker cleanup</a:t>
+            </a:r>
+          </a:p>
+        </p:txBody>
+      </p:sp>
+      <p:sp>
+        <p:nvSpPr>
+          <p:cNvPr id="208" name="Shape 208"/>
+          <p:cNvSpPr>
+            <a:spLocks noGrp="1"/>
+          </p:cNvSpPr>
           <p:nvPr>
             <p:ph type="body" idx="1"/>
           </p:nvPr>
@@ -5286,43 +5450,114 @@
           </a:prstGeom>
         </p:spPr>
         <p:txBody>
-          <a:bodyPr/>
+          <a:bodyPr>
+            <a:normAutofit/>
+          </a:bodyPr>
           <a:lstStyle/>
           <a:p>
-            <a:pPr/>
-            <a:r>
-              <a:t>Community site for sharing Docker images</a:t>
-            </a:r>
-          </a:p>
-          <a:p>
-            <a:pPr/>
-            <a:r>
-              <a:t>Integrated into ‘docker pull’, ‘docker search’, ‘docker build’, etc.</a:t>
-            </a:r>
-          </a:p>
-          <a:p>
-            <a:pPr/>
-            <a:r>
-              <a:t>Private repositories cost money</a:t>
-            </a:r>
-          </a:p>
-          <a:p>
-            <a:pPr/>
-            <a:r>
-              <a:rPr u="sng">
-                <a:solidFill>
-                  <a:schemeClr val="accent1"/>
-                </a:solidFill>
-                <a:hlinkClick r:id="rId2" invalidUrl="" action="" tgtFrame="" tooltip="" history="1" highlightClick="0" endSnd="0"/>
-              </a:rPr>
-              <a:t>https://hub.docker.com/</a:t>
-            </a:r>
-          </a:p>
-          <a:p>
-            <a:pPr/>
-            <a:r>
-              <a:t>Demo</a:t>
-            </a:r>
+            <a:r>
+              <a:rPr dirty="0"/>
+              <a:t>Docker doesn’t clean up resources automatically</a:t>
+            </a:r>
+          </a:p>
+          <a:p>
+            <a:r>
+              <a:rPr dirty="0"/>
+              <a:t>Must manage stray containers, images, and volumes manually</a:t>
+            </a:r>
+          </a:p>
+          <a:p>
+            <a:r>
+              <a:rPr dirty="0"/>
+              <a:t>CLI is the standard way to do this</a:t>
+            </a:r>
+          </a:p>
+          <a:p>
+            <a:pPr lvl="1"/>
+            <a:r>
+              <a:rPr dirty="0"/>
+              <a:t>docker ps -aq | xargs docker rm</a:t>
+            </a:r>
+          </a:p>
+          <a:p>
+            <a:pPr lvl="1"/>
+            <a:r>
+              <a:rPr dirty="0"/>
+              <a:t>docker images </a:t>
+            </a:r>
+            <a:r>
+              <a:rPr lang="en-US" dirty="0" smtClean="0"/>
+              <a:t>–</a:t>
+            </a:r>
+            <a:r>
+              <a:rPr dirty="0" smtClean="0"/>
+              <a:t>qf </a:t>
+            </a:r>
+            <a:r>
+              <a:rPr dirty="0"/>
+              <a:t>“dangling=true” | xargs docker </a:t>
+            </a:r>
+            <a:r>
+              <a:rPr dirty="0" smtClean="0"/>
+              <a:t>rmi</a:t>
+            </a:r>
+            <a:endParaRPr lang="en-US" dirty="0" smtClean="0"/>
+          </a:p>
+          <a:p>
+            <a:pPr lvl="1"/>
+            <a:r>
+              <a:rPr lang="en-US" dirty="0" err="1"/>
+              <a:t>docker</a:t>
+            </a:r>
+            <a:r>
+              <a:rPr lang="en-US" dirty="0"/>
+              <a:t> volume </a:t>
+            </a:r>
+            <a:r>
+              <a:rPr lang="en-US" dirty="0" err="1"/>
+              <a:t>ls</a:t>
+            </a:r>
+            <a:r>
+              <a:rPr lang="en-US" dirty="0"/>
+              <a:t> -</a:t>
+            </a:r>
+            <a:r>
+              <a:rPr lang="en-US" dirty="0" err="1"/>
+              <a:t>qf</a:t>
+            </a:r>
+            <a:r>
+              <a:rPr lang="en-US" dirty="0"/>
+              <a:t> dangling=</a:t>
+            </a:r>
+            <a:r>
+              <a:rPr lang="en-US" dirty="0" smtClean="0"/>
+              <a:t>true | </a:t>
+            </a:r>
+            <a:r>
+              <a:rPr lang="en-US" dirty="0" err="1" smtClean="0"/>
+              <a:t>xargs</a:t>
+            </a:r>
+            <a:r>
+              <a:rPr lang="en-US" dirty="0" smtClean="0"/>
+              <a:t> </a:t>
+            </a:r>
+            <a:r>
+              <a:rPr lang="en-US" dirty="0" err="1"/>
+              <a:t>docker</a:t>
+            </a:r>
+            <a:r>
+              <a:rPr lang="en-US" dirty="0"/>
+              <a:t> volume </a:t>
+            </a:r>
+            <a:r>
+              <a:rPr lang="en-US" dirty="0" err="1"/>
+              <a:t>rm</a:t>
+            </a:r>
+            <a:endParaRPr lang="en-US" dirty="0" smtClean="0"/>
+          </a:p>
+          <a:p>
+            <a:pPr lvl="1"/>
+            <a:endParaRPr dirty="0"/>
           </a:p>
         </p:txBody>
       </p:sp>
@@ -5331,12 +5566,12 @@
   <p:clrMapOvr>
     <a:masterClrMapping/>
   </p:clrMapOvr>
-  <p:transition xmlns:p14="http://schemas.microsoft.com/office/powerpoint/2010/main" spd="med" advClick="1" p14:dur="1000"/>
+  <p:transition xmlns:p14="http://schemas.microsoft.com/office/powerpoint/2010/main" spd="slow"/>
 </p:sld>
 </file>
 
 <file path=ppt/slides/slide15.xml><?xml version="1.0" encoding="utf-8"?>
-<p:sld xmlns:a="http://schemas.openxmlformats.org/drawingml/2006/main" xmlns:r="http://schemas.openxmlformats.org/officeDocument/2006/relationships" xmlns:p="http://schemas.openxmlformats.org/presentationml/2006/main" showMasterSp="1" showMasterPhAnim="1">
+<p:sld xmlns:a="http://schemas.openxmlformats.org/drawingml/2006/main" xmlns:r="http://schemas.openxmlformats.org/officeDocument/2006/relationships" xmlns:p="http://schemas.openxmlformats.org/presentationml/2006/main">
   <p:cSld>
     <p:spTree>
       <p:nvGrpSpPr>
@@ -5354,8 +5589,10 @@
       </p:grpSpPr>
       <p:sp>
         <p:nvSpPr>
-          <p:cNvPr id="213" name="Shape 213"/>
-          <p:cNvSpPr/>
+          <p:cNvPr id="210" name="Shape 210"/>
+          <p:cNvSpPr>
+            <a:spLocks noGrp="1"/>
+          </p:cNvSpPr>
           <p:nvPr>
             <p:ph type="title"/>
           </p:nvPr>
@@ -5376,17 +5613,18 @@
             </a:lvl1pPr>
           </a:lstStyle>
           <a:p>
-            <a:pPr/>
-            <a:r>
-              <a:t>Docker registry</a:t>
-            </a:r>
-          </a:p>
-        </p:txBody>
-      </p:sp>
-      <p:sp>
-        <p:nvSpPr>
-          <p:cNvPr id="214" name="Shape 214"/>
-          <p:cNvSpPr/>
+            <a:r>
+              <a:t>docker hub</a:t>
+            </a:r>
+          </a:p>
+        </p:txBody>
+      </p:sp>
+      <p:sp>
+        <p:nvSpPr>
+          <p:cNvPr id="211" name="Shape 211"/>
+          <p:cNvSpPr>
+            <a:spLocks noGrp="1"/>
+          </p:cNvSpPr>
           <p:nvPr>
             <p:ph type="body" idx="1"/>
           </p:nvPr>
@@ -5400,25 +5638,32 @@
           <a:bodyPr/>
           <a:lstStyle/>
           <a:p>
-            <a:pPr/>
-            <a:r>
-              <a:t>Sort of like a private Docker Hub</a:t>
-            </a:r>
-          </a:p>
-          <a:p>
-            <a:pPr/>
-            <a:r>
-              <a:t>An alternative to Docker Hub for hosting private images</a:t>
-            </a:r>
-          </a:p>
-          <a:p>
-            <a:pPr/>
-            <a:r>
-              <a:t>It’s just a Docker container, so hosting is straightforward</a:t>
-            </a:r>
-          </a:p>
-          <a:p>
-            <a:pPr/>
+            <a:r>
+              <a:t>Community site for sharing Docker images</a:t>
+            </a:r>
+          </a:p>
+          <a:p>
+            <a:r>
+              <a:t>Integrated into ‘docker pull’, ‘docker search’, ‘docker build’, etc.</a:t>
+            </a:r>
+          </a:p>
+          <a:p>
+            <a:r>
+              <a:t>Private repositories cost money</a:t>
+            </a:r>
+          </a:p>
+          <a:p>
+            <a:r>
+              <a:rPr u="sng">
+                <a:solidFill>
+                  <a:schemeClr val="accent1"/>
+                </a:solidFill>
+                <a:hlinkClick r:id="rId2"/>
+              </a:rPr>
+              <a:t>https://hub.docker.com/</a:t>
+            </a:r>
+          </a:p>
+          <a:p>
             <a:r>
               <a:t>Demo</a:t>
             </a:r>
@@ -5430,12 +5675,12 @@
   <p:clrMapOvr>
     <a:masterClrMapping/>
   </p:clrMapOvr>
-  <p:transition xmlns:p14="http://schemas.microsoft.com/office/powerpoint/2010/main" spd="med" advClick="1" p14:dur="1000"/>
+  <p:transition xmlns:p14="http://schemas.microsoft.com/office/powerpoint/2010/main" spd="slow"/>
 </p:sld>
 </file>
 
 <file path=ppt/slides/slide16.xml><?xml version="1.0" encoding="utf-8"?>
-<p:sld xmlns:a="http://schemas.openxmlformats.org/drawingml/2006/main" xmlns:r="http://schemas.openxmlformats.org/officeDocument/2006/relationships" xmlns:p="http://schemas.openxmlformats.org/presentationml/2006/main" showMasterSp="1" showMasterPhAnim="1">
+<p:sld xmlns:a="http://schemas.openxmlformats.org/drawingml/2006/main" xmlns:r="http://schemas.openxmlformats.org/officeDocument/2006/relationships" xmlns:p="http://schemas.openxmlformats.org/presentationml/2006/main">
   <p:cSld>
     <p:spTree>
       <p:nvGrpSpPr>
@@ -5453,8 +5698,10 @@
       </p:grpSpPr>
       <p:sp>
         <p:nvSpPr>
-          <p:cNvPr id="216" name="Shape 216"/>
-          <p:cNvSpPr/>
+          <p:cNvPr id="213" name="Shape 213"/>
+          <p:cNvSpPr>
+            <a:spLocks noGrp="1"/>
+          </p:cNvSpPr>
           <p:nvPr>
             <p:ph type="title"/>
           </p:nvPr>
@@ -5475,17 +5722,18 @@
             </a:lvl1pPr>
           </a:lstStyle>
           <a:p>
-            <a:pPr/>
-            <a:r>
-              <a:t>docker compose</a:t>
-            </a:r>
-          </a:p>
-        </p:txBody>
-      </p:sp>
-      <p:sp>
-        <p:nvSpPr>
-          <p:cNvPr id="217" name="Shape 217"/>
-          <p:cNvSpPr/>
+            <a:r>
+              <a:t>Docker registry</a:t>
+            </a:r>
+          </a:p>
+        </p:txBody>
+      </p:sp>
+      <p:sp>
+        <p:nvSpPr>
+          <p:cNvPr id="214" name="Shape 214"/>
+          <p:cNvSpPr>
+            <a:spLocks noGrp="1"/>
+          </p:cNvSpPr>
           <p:nvPr>
             <p:ph type="body" idx="1"/>
           </p:nvPr>
@@ -5499,25 +5747,21 @@
           <a:bodyPr/>
           <a:lstStyle/>
           <a:p>
-            <a:pPr/>
-            <a:r>
-              <a:t>Containers are great, but what if you want more than one process?</a:t>
-            </a:r>
-          </a:p>
-          <a:p>
-            <a:pPr/>
-            <a:r>
-              <a:t>Compose uses a YAML format to allow describing multiple containers, how they should be run, and how they talk to each other</a:t>
-            </a:r>
-          </a:p>
-          <a:p>
-            <a:pPr/>
-            <a:r>
-              <a:t>Compose is a separate download from Docker engine</a:t>
-            </a:r>
-          </a:p>
-          <a:p>
-            <a:pPr/>
+            <a:r>
+              <a:t>Sort of like a private Docker Hub</a:t>
+            </a:r>
+          </a:p>
+          <a:p>
+            <a:r>
+              <a:t>An alternative to Docker Hub for hosting private images</a:t>
+            </a:r>
+          </a:p>
+          <a:p>
+            <a:r>
+              <a:t>It’s just a Docker container, so hosting is straightforward</a:t>
+            </a:r>
+          </a:p>
+          <a:p>
             <a:r>
               <a:t>Demo</a:t>
             </a:r>
@@ -5529,12 +5773,12 @@
   <p:clrMapOvr>
     <a:masterClrMapping/>
   </p:clrMapOvr>
-  <p:transition xmlns:p14="http://schemas.microsoft.com/office/powerpoint/2010/main" spd="med" advClick="1" p14:dur="1000"/>
+  <p:transition xmlns:p14="http://schemas.microsoft.com/office/powerpoint/2010/main" spd="slow"/>
 </p:sld>
 </file>
 
 <file path=ppt/slides/slide17.xml><?xml version="1.0" encoding="utf-8"?>
-<p:sld xmlns:a="http://schemas.openxmlformats.org/drawingml/2006/main" xmlns:r="http://schemas.openxmlformats.org/officeDocument/2006/relationships" xmlns:p="http://schemas.openxmlformats.org/presentationml/2006/main" showMasterSp="1" showMasterPhAnim="1">
+<p:sld xmlns:a="http://schemas.openxmlformats.org/drawingml/2006/main" xmlns:r="http://schemas.openxmlformats.org/officeDocument/2006/relationships" xmlns:p="http://schemas.openxmlformats.org/presentationml/2006/main">
   <p:cSld>
     <p:spTree>
       <p:nvGrpSpPr>
@@ -5552,8 +5796,10 @@
       </p:grpSpPr>
       <p:sp>
         <p:nvSpPr>
-          <p:cNvPr id="219" name="Shape 219"/>
-          <p:cNvSpPr/>
+          <p:cNvPr id="216" name="Shape 216"/>
+          <p:cNvSpPr>
+            <a:spLocks noGrp="1"/>
+          </p:cNvSpPr>
           <p:nvPr>
             <p:ph type="title"/>
           </p:nvPr>
@@ -5574,17 +5820,18 @@
             </a:lvl1pPr>
           </a:lstStyle>
           <a:p>
-            <a:pPr/>
-            <a:r>
-              <a:t>batch jobs</a:t>
-            </a:r>
-          </a:p>
-        </p:txBody>
-      </p:sp>
-      <p:sp>
-        <p:nvSpPr>
-          <p:cNvPr id="220" name="Shape 220"/>
-          <p:cNvSpPr/>
+            <a:r>
+              <a:t>docker compose</a:t>
+            </a:r>
+          </a:p>
+        </p:txBody>
+      </p:sp>
+      <p:sp>
+        <p:nvSpPr>
+          <p:cNvPr id="217" name="Shape 217"/>
+          <p:cNvSpPr>
+            <a:spLocks noGrp="1"/>
+          </p:cNvSpPr>
           <p:nvPr>
             <p:ph type="body" idx="1"/>
           </p:nvPr>
@@ -5598,21 +5845,23 @@
           <a:bodyPr/>
           <a:lstStyle/>
           <a:p>
-            <a:pPr/>
-            <a:r>
-              <a:t>Compose is a great tool for running batch jobs via the ‘run’ sub-command</a:t>
-            </a:r>
-          </a:p>
-          <a:p>
-            <a:pPr/>
-            <a:r>
-              <a:t>‘docker run’ commands can get super-long when there are many environment variables or volumes</a:t>
-            </a:r>
-          </a:p>
-          <a:p>
-            <a:pPr/>
-            <a:r>
-              <a:t>Compose can be used sort of like a Makefile with targets</a:t>
+            <a:r>
+              <a:t>Containers are great, but what if you want more than one process?</a:t>
+            </a:r>
+          </a:p>
+          <a:p>
+            <a:r>
+              <a:t>Compose uses a YAML format to allow describing multiple containers, how they should be run, and how they talk to each other</a:t>
+            </a:r>
+          </a:p>
+          <a:p>
+            <a:r>
+              <a:t>Compose is a separate download from Docker engine</a:t>
+            </a:r>
+          </a:p>
+          <a:p>
+            <a:r>
+              <a:t>Demo</a:t>
             </a:r>
           </a:p>
         </p:txBody>
@@ -5622,12 +5871,12 @@
   <p:clrMapOvr>
     <a:masterClrMapping/>
   </p:clrMapOvr>
-  <p:transition xmlns:p14="http://schemas.microsoft.com/office/powerpoint/2010/main" spd="med" advClick="1" p14:dur="1000"/>
+  <p:transition xmlns:p14="http://schemas.microsoft.com/office/powerpoint/2010/main" spd="slow"/>
 </p:sld>
 </file>
 
 <file path=ppt/slides/slide18.xml><?xml version="1.0" encoding="utf-8"?>
-<p:sld xmlns:a="http://schemas.openxmlformats.org/drawingml/2006/main" xmlns:r="http://schemas.openxmlformats.org/officeDocument/2006/relationships" xmlns:p="http://schemas.openxmlformats.org/presentationml/2006/main" showMasterSp="1" showMasterPhAnim="1">
+<p:sld xmlns:a="http://schemas.openxmlformats.org/drawingml/2006/main" xmlns:r="http://schemas.openxmlformats.org/officeDocument/2006/relationships" xmlns:p="http://schemas.openxmlformats.org/presentationml/2006/main">
   <p:cSld>
     <p:spTree>
       <p:nvGrpSpPr>
@@ -5645,8 +5894,10 @@
       </p:grpSpPr>
       <p:sp>
         <p:nvSpPr>
-          <p:cNvPr id="222" name="Shape 222"/>
-          <p:cNvSpPr/>
+          <p:cNvPr id="219" name="Shape 219"/>
+          <p:cNvSpPr>
+            <a:spLocks noGrp="1"/>
+          </p:cNvSpPr>
           <p:nvPr>
             <p:ph type="title"/>
           </p:nvPr>
@@ -5667,17 +5918,18 @@
             </a:lvl1pPr>
           </a:lstStyle>
           <a:p>
-            <a:pPr/>
-            <a:r>
-              <a:t>docker machine</a:t>
-            </a:r>
-          </a:p>
-        </p:txBody>
-      </p:sp>
-      <p:sp>
-        <p:nvSpPr>
-          <p:cNvPr id="223" name="Shape 223"/>
-          <p:cNvSpPr/>
+            <a:r>
+              <a:t>batch jobs</a:t>
+            </a:r>
+          </a:p>
+        </p:txBody>
+      </p:sp>
+      <p:sp>
+        <p:nvSpPr>
+          <p:cNvPr id="220" name="Shape 220"/>
+          <p:cNvSpPr>
+            <a:spLocks noGrp="1"/>
+          </p:cNvSpPr>
           <p:nvPr>
             <p:ph type="body" idx="1"/>
           </p:nvPr>
@@ -5691,27 +5943,18 @@
           <a:bodyPr/>
           <a:lstStyle/>
           <a:p>
-            <a:pPr/>
-            <a:r>
-              <a:t>A tool to build VMs whose Docker engines can communicate</a:t>
-            </a:r>
-          </a:p>
-          <a:p>
-            <a:pPr/>
-            <a:r>
-              <a:t>A building block of clusters (useful for Swarm)</a:t>
-            </a:r>
-          </a:p>
-          <a:p>
-            <a:pPr/>
-            <a:r>
-              <a:t>Lots of VM backends supported (VirtualBox, AWS, Digital Ocean, etc)</a:t>
-            </a:r>
-          </a:p>
-          <a:p>
-            <a:pPr/>
-            <a:r>
-              <a:t>Demo</a:t>
+            <a:r>
+              <a:t>Compose is a great tool for running batch jobs via the ‘run’ sub-command</a:t>
+            </a:r>
+          </a:p>
+          <a:p>
+            <a:r>
+              <a:t>‘docker run’ commands can get super-long when there are many environment variables or volumes</a:t>
+            </a:r>
+          </a:p>
+          <a:p>
+            <a:r>
+              <a:t>Compose can be used sort of like a Makefile with targets</a:t>
             </a:r>
           </a:p>
         </p:txBody>
@@ -5721,12 +5964,12 @@
   <p:clrMapOvr>
     <a:masterClrMapping/>
   </p:clrMapOvr>
-  <p:transition xmlns:p14="http://schemas.microsoft.com/office/powerpoint/2010/main" spd="med" advClick="1" p14:dur="1000"/>
+  <p:transition xmlns:p14="http://schemas.microsoft.com/office/powerpoint/2010/main" spd="slow"/>
 </p:sld>
 </file>
 
 <file path=ppt/slides/slide19.xml><?xml version="1.0" encoding="utf-8"?>
-<p:sld xmlns:a="http://schemas.openxmlformats.org/drawingml/2006/main" xmlns:r="http://schemas.openxmlformats.org/officeDocument/2006/relationships" xmlns:p="http://schemas.openxmlformats.org/presentationml/2006/main" showMasterSp="1" showMasterPhAnim="1">
+<p:sld xmlns:a="http://schemas.openxmlformats.org/drawingml/2006/main" xmlns:r="http://schemas.openxmlformats.org/officeDocument/2006/relationships" xmlns:p="http://schemas.openxmlformats.org/presentationml/2006/main">
   <p:cSld>
     <p:spTree>
       <p:nvGrpSpPr>
@@ -5745,7 +5988,9 @@
       <p:sp>
         <p:nvSpPr>
           <p:cNvPr id="225" name="Shape 225"/>
-          <p:cNvSpPr/>
+          <p:cNvSpPr>
+            <a:spLocks noGrp="1"/>
+          </p:cNvSpPr>
           <p:nvPr>
             <p:ph type="title"/>
           </p:nvPr>
@@ -5766,7 +6011,6 @@
             </a:lvl1pPr>
           </a:lstStyle>
           <a:p>
-            <a:pPr/>
             <a:r>
               <a:t>docker swarm</a:t>
             </a:r>
@@ -5776,7 +6020,9 @@
       <p:sp>
         <p:nvSpPr>
           <p:cNvPr id="226" name="Shape 226"/>
-          <p:cNvSpPr/>
+          <p:cNvSpPr>
+            <a:spLocks noGrp="1"/>
+          </p:cNvSpPr>
           <p:nvPr>
             <p:ph type="body" idx="1"/>
           </p:nvPr>
@@ -5790,10 +6036,56 @@
           <a:bodyPr/>
           <a:lstStyle/>
           <a:p>
-            <a:pPr/>
-            <a:r>
-              <a:t>What about running containers on more than one VM?</a:t>
-            </a:r>
+            <a:r>
+              <a:rPr dirty="0"/>
+              <a:t>What about running containers on more than one VM</a:t>
+            </a:r>
+            <a:r>
+              <a:rPr dirty="0" smtClean="0"/>
+              <a:t>?</a:t>
+            </a:r>
+            <a:endParaRPr lang="en-US" dirty="0" smtClean="0"/>
+          </a:p>
+          <a:p>
+            <a:r>
+              <a:rPr lang="en-US" dirty="0" smtClean="0"/>
+              <a:t>Swarm allows building a cluster with </a:t>
+            </a:r>
+            <a:r>
+              <a:rPr lang="en-US" dirty="0" err="1" smtClean="0"/>
+              <a:t>docker</a:t>
+            </a:r>
+            <a:r>
+              <a:rPr lang="en-US" dirty="0" smtClean="0"/>
+              <a:t>-machine</a:t>
+            </a:r>
+          </a:p>
+          <a:p>
+            <a:r>
+              <a:rPr lang="en-US" dirty="0" smtClean="0"/>
+              <a:t>Requires either static discovery (token) or a service like consul</a:t>
+            </a:r>
+          </a:p>
+          <a:p>
+            <a:r>
+              <a:rPr lang="en-US" dirty="0" smtClean="0"/>
+              <a:t>Eventually it will ‘just work’ with </a:t>
+            </a:r>
+            <a:r>
+              <a:rPr lang="en-US" dirty="0" err="1" smtClean="0"/>
+              <a:t>docker</a:t>
+            </a:r>
+            <a:r>
+              <a:rPr lang="en-US" dirty="0" smtClean="0"/>
+              <a:t>-compose</a:t>
+            </a:r>
+          </a:p>
+          <a:p>
+            <a:r>
+              <a:rPr lang="en-US" dirty="0" smtClean="0"/>
+              <a:t>Demo</a:t>
+            </a:r>
+            <a:endParaRPr dirty="0"/>
           </a:p>
         </p:txBody>
       </p:sp>
@@ -5802,12 +6094,12 @@
   <p:clrMapOvr>
     <a:masterClrMapping/>
   </p:clrMapOvr>
-  <p:transition xmlns:p14="http://schemas.microsoft.com/office/powerpoint/2010/main" spd="med" advClick="1" p14:dur="1000"/>
+  <p:transition xmlns:p14="http://schemas.microsoft.com/office/powerpoint/2010/main" spd="slow"/>
 </p:sld>
 </file>
 
 <file path=ppt/slides/slide2.xml><?xml version="1.0" encoding="utf-8"?>
-<p:sld xmlns:a="http://schemas.openxmlformats.org/drawingml/2006/main" xmlns:r="http://schemas.openxmlformats.org/officeDocument/2006/relationships" xmlns:p="http://schemas.openxmlformats.org/presentationml/2006/main" showMasterSp="1" showMasterPhAnim="1">
+<p:sld xmlns:a="http://schemas.openxmlformats.org/drawingml/2006/main" xmlns:r="http://schemas.openxmlformats.org/officeDocument/2006/relationships" xmlns:p="http://schemas.openxmlformats.org/presentationml/2006/main">
   <p:cSld>
     <p:spTree>
       <p:nvGrpSpPr>
@@ -5826,7 +6118,9 @@
       <p:sp>
         <p:nvSpPr>
           <p:cNvPr id="171" name="Shape 171"/>
-          <p:cNvSpPr/>
+          <p:cNvSpPr>
+            <a:spLocks noGrp="1"/>
+          </p:cNvSpPr>
           <p:nvPr>
             <p:ph type="title"/>
           </p:nvPr>
@@ -5847,7 +6141,6 @@
             </a:lvl1pPr>
           </a:lstStyle>
           <a:p>
-            <a:pPr/>
             <a:r>
               <a:t>presenter</a:t>
             </a:r>
@@ -5857,7 +6150,9 @@
       <p:sp>
         <p:nvSpPr>
           <p:cNvPr id="172" name="Shape 172"/>
-          <p:cNvSpPr/>
+          <p:cNvSpPr>
+            <a:spLocks noGrp="1"/>
+          </p:cNvSpPr>
           <p:nvPr>
             <p:ph type="body" idx="1"/>
           </p:nvPr>
@@ -5871,7 +6166,6 @@
           <a:bodyPr/>
           <a:lstStyle/>
           <a:p>
-            <a:pPr/>
             <a:r>
               <a:t>Zach Vickery &lt;</a:t>
             </a:r>
@@ -5880,7 +6174,7 @@
                 <a:solidFill>
                   <a:schemeClr val="accent1"/>
                 </a:solidFill>
-                <a:hlinkClick r:id="rId2" invalidUrl="" action="" tgtFrame="" tooltip="" history="1" highlightClick="0" endSnd="0"/>
+                <a:hlinkClick r:id="rId2"/>
               </a:rPr>
               <a:t>zvickery@gmail.com</a:t>
             </a:r>
@@ -5889,28 +6183,25 @@
             </a:r>
           </a:p>
           <a:p>
-            <a:pPr/>
             <a:r>
               <a:t>DevOps Engineer at Cradlepoint, Inc.</a:t>
             </a:r>
           </a:p>
           <a:p>
-            <a:pPr/>
-          </a:p>
-          <a:p>
-            <a:pPr/>
+            <a:endParaRPr/>
+          </a:p>
+          <a:p>
             <a:r>
               <a:t>Presentation Materials</a:t>
             </a:r>
           </a:p>
           <a:p>
-            <a:pPr/>
             <a:r>
               <a:rPr u="sng">
                 <a:solidFill>
                   <a:schemeClr val="accent1"/>
                 </a:solidFill>
-                <a:hlinkClick r:id="rId3" invalidUrl="" action="" tgtFrame="" tooltip="" history="1" highlightClick="0" endSnd="0"/>
+                <a:hlinkClick r:id="rId3"/>
               </a:rPr>
               <a:t>https://github.com/zvickery/bcc-2016.git</a:t>
             </a:r>
@@ -5925,12 +6216,12 @@
   <p:clrMapOvr>
     <a:masterClrMapping/>
   </p:clrMapOvr>
-  <p:transition xmlns:p14="http://schemas.microsoft.com/office/powerpoint/2010/main" spd="med" advClick="1" p14:dur="1000"/>
+  <p:transition xmlns:p14="http://schemas.microsoft.com/office/powerpoint/2010/main" spd="slow"/>
 </p:sld>
 </file>
 
 <file path=ppt/slides/slide20.xml><?xml version="1.0" encoding="utf-8"?>
-<p:sld xmlns:a="http://schemas.openxmlformats.org/drawingml/2006/main" xmlns:r="http://schemas.openxmlformats.org/officeDocument/2006/relationships" xmlns:p="http://schemas.openxmlformats.org/presentationml/2006/main" showMasterSp="1" showMasterPhAnim="1">
+<p:sld xmlns:a="http://schemas.openxmlformats.org/drawingml/2006/main" xmlns:r="http://schemas.openxmlformats.org/officeDocument/2006/relationships" xmlns:p="http://schemas.openxmlformats.org/presentationml/2006/main">
   <p:cSld>
     <p:spTree>
       <p:nvGrpSpPr>
@@ -5949,7 +6240,9 @@
       <p:sp>
         <p:nvSpPr>
           <p:cNvPr id="228" name="Shape 228"/>
-          <p:cNvSpPr/>
+          <p:cNvSpPr>
+            <a:spLocks noGrp="1"/>
+          </p:cNvSpPr>
           <p:nvPr>
             <p:ph type="title"/>
           </p:nvPr>
@@ -5970,7 +6263,6 @@
             </a:lvl1pPr>
           </a:lstStyle>
           <a:p>
-            <a:pPr/>
             <a:r>
               <a:t>the future</a:t>
             </a:r>
@@ -5980,7 +6272,9 @@
       <p:sp>
         <p:nvSpPr>
           <p:cNvPr id="229" name="Shape 229"/>
-          <p:cNvSpPr/>
+          <p:cNvSpPr>
+            <a:spLocks noGrp="1"/>
+          </p:cNvSpPr>
           <p:nvPr>
             <p:ph type="body" idx="1"/>
           </p:nvPr>
@@ -5994,25 +6288,21 @@
           <a:bodyPr/>
           <a:lstStyle/>
           <a:p>
-            <a:pPr/>
             <a:r>
               <a:t>Better autoscaling support</a:t>
             </a:r>
           </a:p>
           <a:p>
-            <a:pPr/>
             <a:r>
               <a:t>Cloud provider integration - AZ distribution</a:t>
             </a:r>
           </a:p>
           <a:p>
-            <a:pPr/>
             <a:r>
               <a:t>Rebalancing upon failure / network partitioning</a:t>
             </a:r>
           </a:p>
           <a:p>
-            <a:pPr/>
             <a:r>
               <a:t>Unikernels - library operating systems</a:t>
             </a:r>
@@ -6024,12 +6314,12 @@
   <p:clrMapOvr>
     <a:masterClrMapping/>
   </p:clrMapOvr>
-  <p:transition xmlns:p14="http://schemas.microsoft.com/office/powerpoint/2010/main" spd="med" advClick="1" p14:dur="1000"/>
+  <p:transition xmlns:p14="http://schemas.microsoft.com/office/powerpoint/2010/main" spd="slow"/>
 </p:sld>
 </file>
 
 <file path=ppt/slides/slide21.xml><?xml version="1.0" encoding="utf-8"?>
-<p:sld xmlns:a="http://schemas.openxmlformats.org/drawingml/2006/main" xmlns:r="http://schemas.openxmlformats.org/officeDocument/2006/relationships" xmlns:p="http://schemas.openxmlformats.org/presentationml/2006/main" showMasterSp="1" showMasterPhAnim="1">
+<p:sld xmlns:a="http://schemas.openxmlformats.org/drawingml/2006/main" xmlns:r="http://schemas.openxmlformats.org/officeDocument/2006/relationships" xmlns:p="http://schemas.openxmlformats.org/presentationml/2006/main">
   <p:cSld>
     <p:spTree>
       <p:nvGrpSpPr>
@@ -6048,7 +6338,9 @@
       <p:sp>
         <p:nvSpPr>
           <p:cNvPr id="231" name="Shape 231"/>
-          <p:cNvSpPr/>
+          <p:cNvSpPr>
+            <a:spLocks noGrp="1"/>
+          </p:cNvSpPr>
           <p:nvPr>
             <p:ph type="title"/>
           </p:nvPr>
@@ -6069,7 +6361,6 @@
             </a:lvl1pPr>
           </a:lstStyle>
           <a:p>
-            <a:pPr/>
             <a:r>
               <a:t>limitations</a:t>
             </a:r>
@@ -6079,7 +6370,9 @@
       <p:sp>
         <p:nvSpPr>
           <p:cNvPr id="232" name="Shape 232"/>
-          <p:cNvSpPr/>
+          <p:cNvSpPr>
+            <a:spLocks noGrp="1"/>
+          </p:cNvSpPr>
           <p:nvPr>
             <p:ph type="body" idx="1"/>
           </p:nvPr>
@@ -6093,7 +6386,6 @@
           <a:bodyPr/>
           <a:lstStyle/>
           <a:p>
-            <a:pPr/>
             <a:r>
               <a:t>Containers are new and many existing tools don’t support them directly</a:t>
             </a:r>
@@ -6129,12 +6421,12 @@
   <p:clrMapOvr>
     <a:masterClrMapping/>
   </p:clrMapOvr>
-  <p:transition xmlns:p14="http://schemas.microsoft.com/office/powerpoint/2010/main" spd="med" advClick="1" p14:dur="1000"/>
+  <p:transition xmlns:p14="http://schemas.microsoft.com/office/powerpoint/2010/main" spd="slow"/>
 </p:sld>
 </file>
 
 <file path=ppt/slides/slide22.xml><?xml version="1.0" encoding="utf-8"?>
-<p:sld xmlns:a="http://schemas.openxmlformats.org/drawingml/2006/main" xmlns:r="http://schemas.openxmlformats.org/officeDocument/2006/relationships" xmlns:p="http://schemas.openxmlformats.org/presentationml/2006/main" showMasterSp="1" showMasterPhAnim="1">
+<p:sld xmlns:a="http://schemas.openxmlformats.org/drawingml/2006/main" xmlns:r="http://schemas.openxmlformats.org/officeDocument/2006/relationships" xmlns:p="http://schemas.openxmlformats.org/presentationml/2006/main">
   <p:cSld>
     <p:spTree>
       <p:nvGrpSpPr>
@@ -6153,7 +6445,9 @@
       <p:sp>
         <p:nvSpPr>
           <p:cNvPr id="234" name="Shape 234"/>
-          <p:cNvSpPr/>
+          <p:cNvSpPr>
+            <a:spLocks noGrp="1"/>
+          </p:cNvSpPr>
           <p:nvPr>
             <p:ph type="title"/>
           </p:nvPr>
@@ -6174,7 +6468,6 @@
             </a:lvl1pPr>
           </a:lstStyle>
           <a:p>
-            <a:pPr/>
             <a:r>
               <a:t>Thank you</a:t>
             </a:r>
@@ -6184,7 +6477,9 @@
       <p:sp>
         <p:nvSpPr>
           <p:cNvPr id="235" name="Shape 235"/>
-          <p:cNvSpPr/>
+          <p:cNvSpPr>
+            <a:spLocks noGrp="1"/>
+          </p:cNvSpPr>
           <p:nvPr>
             <p:ph type="body" idx="1"/>
           </p:nvPr>
@@ -6198,7 +6493,6 @@
           <a:bodyPr/>
           <a:lstStyle/>
           <a:p>
-            <a:pPr/>
             <a:r>
               <a:t>Materials</a:t>
             </a:r>
@@ -6210,7 +6504,7 @@
                 <a:solidFill>
                   <a:schemeClr val="accent1"/>
                 </a:solidFill>
-                <a:hlinkClick r:id="rId2" invalidUrl="" action="" tgtFrame="" tooltip="" history="1" highlightClick="0" endSnd="0"/>
+                <a:hlinkClick r:id="rId2"/>
               </a:rPr>
               <a:t>https://github.com/zvickery/bcc-2016.git</a:t>
             </a:r>
@@ -6225,12 +6519,12 @@
   <p:clrMapOvr>
     <a:masterClrMapping/>
   </p:clrMapOvr>
-  <p:transition xmlns:p14="http://schemas.microsoft.com/office/powerpoint/2010/main" spd="med" advClick="1" p14:dur="1000"/>
+  <p:transition xmlns:p14="http://schemas.microsoft.com/office/powerpoint/2010/main" spd="slow"/>
 </p:sld>
 </file>
 
 <file path=ppt/slides/slide3.xml><?xml version="1.0" encoding="utf-8"?>
-<p:sld xmlns:a="http://schemas.openxmlformats.org/drawingml/2006/main" xmlns:r="http://schemas.openxmlformats.org/officeDocument/2006/relationships" xmlns:p="http://schemas.openxmlformats.org/presentationml/2006/main" showMasterSp="1" showMasterPhAnim="1">
+<p:sld xmlns:a="http://schemas.openxmlformats.org/drawingml/2006/main" xmlns:r="http://schemas.openxmlformats.org/officeDocument/2006/relationships" xmlns:p="http://schemas.openxmlformats.org/presentationml/2006/main">
   <p:cSld>
     <p:spTree>
       <p:nvGrpSpPr>
@@ -6249,7 +6543,9 @@
       <p:sp>
         <p:nvSpPr>
           <p:cNvPr id="174" name="Shape 174"/>
-          <p:cNvSpPr/>
+          <p:cNvSpPr>
+            <a:spLocks noGrp="1"/>
+          </p:cNvSpPr>
           <p:nvPr>
             <p:ph type="title"/>
           </p:nvPr>
@@ -6270,7 +6566,6 @@
             </a:lvl1pPr>
           </a:lstStyle>
           <a:p>
-            <a:pPr/>
             <a:r>
               <a:t>agenda</a:t>
             </a:r>
@@ -6280,7 +6575,9 @@
       <p:sp>
         <p:nvSpPr>
           <p:cNvPr id="175" name="Shape 175"/>
-          <p:cNvSpPr/>
+          <p:cNvSpPr>
+            <a:spLocks noGrp="1"/>
+          </p:cNvSpPr>
           <p:nvPr>
             <p:ph type="body" idx="1"/>
           </p:nvPr>
@@ -6294,25 +6591,21 @@
           <a:bodyPr/>
           <a:lstStyle/>
           <a:p>
-            <a:pPr/>
             <a:r>
               <a:t>Why Docker?</a:t>
             </a:r>
           </a:p>
           <a:p>
-            <a:pPr/>
             <a:r>
               <a:t>Docker - How it works</a:t>
             </a:r>
           </a:p>
           <a:p>
-            <a:pPr/>
             <a:r>
               <a:t>Docker Compose</a:t>
             </a:r>
           </a:p>
           <a:p>
-            <a:pPr/>
             <a:r>
               <a:t>Docker Machine and Docker Swarm</a:t>
             </a:r>
@@ -6324,12 +6617,12 @@
   <p:clrMapOvr>
     <a:masterClrMapping/>
   </p:clrMapOvr>
-  <p:transition xmlns:p14="http://schemas.microsoft.com/office/powerpoint/2010/main" spd="med" advClick="1" p14:dur="1000"/>
+  <p:transition xmlns:p14="http://schemas.microsoft.com/office/powerpoint/2010/main" spd="slow"/>
 </p:sld>
 </file>
 
 <file path=ppt/slides/slide4.xml><?xml version="1.0" encoding="utf-8"?>
-<p:sld xmlns:a="http://schemas.openxmlformats.org/drawingml/2006/main" xmlns:r="http://schemas.openxmlformats.org/officeDocument/2006/relationships" xmlns:p="http://schemas.openxmlformats.org/presentationml/2006/main" showMasterSp="1" showMasterPhAnim="1">
+<p:sld xmlns:a="http://schemas.openxmlformats.org/drawingml/2006/main" xmlns:r="http://schemas.openxmlformats.org/officeDocument/2006/relationships" xmlns:p="http://schemas.openxmlformats.org/presentationml/2006/main">
   <p:cSld>
     <p:spTree>
       <p:nvGrpSpPr>
@@ -6348,7 +6641,9 @@
       <p:sp>
         <p:nvSpPr>
           <p:cNvPr id="177" name="Shape 177"/>
-          <p:cNvSpPr/>
+          <p:cNvSpPr>
+            <a:spLocks noGrp="1"/>
+          </p:cNvSpPr>
           <p:nvPr>
             <p:ph type="title"/>
           </p:nvPr>
@@ -6369,7 +6664,6 @@
             </a:lvl1pPr>
           </a:lstStyle>
           <a:p>
-            <a:pPr/>
             <a:r>
               <a:t>historical note</a:t>
             </a:r>
@@ -6388,7 +6682,7 @@
           <a:blip r:embed="rId2">
             <a:extLst/>
           </a:blip>
-          <a:srcRect l="209" t="28484" r="209" b="0"/>
+          <a:srcRect l="209" t="28484" r="209"/>
           <a:stretch>
             <a:fillRect/>
           </a:stretch>
@@ -6440,12 +6734,12 @@
   <p:clrMapOvr>
     <a:masterClrMapping/>
   </p:clrMapOvr>
-  <p:transition xmlns:p14="http://schemas.microsoft.com/office/powerpoint/2010/main" spd="med" advClick="1" p14:dur="1000"/>
+  <p:transition xmlns:p14="http://schemas.microsoft.com/office/powerpoint/2010/main" spd="slow"/>
 </p:sld>
 </file>
 
 <file path=ppt/slides/slide5.xml><?xml version="1.0" encoding="utf-8"?>
-<p:sld xmlns:a="http://schemas.openxmlformats.org/drawingml/2006/main" xmlns:r="http://schemas.openxmlformats.org/officeDocument/2006/relationships" xmlns:p="http://schemas.openxmlformats.org/presentationml/2006/main" showMasterSp="1" showMasterPhAnim="1">
+<p:sld xmlns:a="http://schemas.openxmlformats.org/drawingml/2006/main" xmlns:r="http://schemas.openxmlformats.org/officeDocument/2006/relationships" xmlns:p="http://schemas.openxmlformats.org/presentationml/2006/main">
   <p:cSld>
     <p:spTree>
       <p:nvGrpSpPr>
@@ -6464,7 +6758,9 @@
       <p:sp>
         <p:nvSpPr>
           <p:cNvPr id="181" name="Shape 181"/>
-          <p:cNvSpPr/>
+          <p:cNvSpPr>
+            <a:spLocks noGrp="1"/>
+          </p:cNvSpPr>
           <p:nvPr>
             <p:ph type="title"/>
           </p:nvPr>
@@ -6485,7 +6781,6 @@
             </a:lvl1pPr>
           </a:lstStyle>
           <a:p>
-            <a:pPr/>
             <a:r>
               <a:t>what is docker?</a:t>
             </a:r>
@@ -6555,12 +6850,12 @@
   <p:clrMapOvr>
     <a:masterClrMapping/>
   </p:clrMapOvr>
-  <p:transition xmlns:p14="http://schemas.microsoft.com/office/powerpoint/2010/main" spd="med" advClick="1" p14:dur="1000"/>
+  <p:transition xmlns:p14="http://schemas.microsoft.com/office/powerpoint/2010/main" spd="slow"/>
 </p:sld>
 </file>
 
 <file path=ppt/slides/slide6.xml><?xml version="1.0" encoding="utf-8"?>
-<p:sld xmlns:a="http://schemas.openxmlformats.org/drawingml/2006/main" xmlns:r="http://schemas.openxmlformats.org/officeDocument/2006/relationships" xmlns:p="http://schemas.openxmlformats.org/presentationml/2006/main" showMasterSp="1" showMasterPhAnim="1">
+<p:sld xmlns:a="http://schemas.openxmlformats.org/drawingml/2006/main" xmlns:r="http://schemas.openxmlformats.org/officeDocument/2006/relationships" xmlns:p="http://schemas.openxmlformats.org/presentationml/2006/main">
   <p:cSld>
     <p:spTree>
       <p:nvGrpSpPr>
@@ -6579,7 +6874,9 @@
       <p:sp>
         <p:nvSpPr>
           <p:cNvPr id="185" name="Shape 185"/>
-          <p:cNvSpPr/>
+          <p:cNvSpPr>
+            <a:spLocks noGrp="1"/>
+          </p:cNvSpPr>
           <p:nvPr>
             <p:ph type="body" idx="1"/>
           </p:nvPr>
@@ -6652,7 +6949,9 @@
       <p:sp>
         <p:nvSpPr>
           <p:cNvPr id="186" name="Shape 186"/>
-          <p:cNvSpPr/>
+          <p:cNvSpPr>
+            <a:spLocks noGrp="1"/>
+          </p:cNvSpPr>
           <p:nvPr>
             <p:ph type="title"/>
           </p:nvPr>
@@ -6673,7 +6972,6 @@
             </a:lvl1pPr>
           </a:lstStyle>
           <a:p>
-            <a:pPr/>
             <a:r>
               <a:t>Containers - A rationale</a:t>
             </a:r>
@@ -6683,7 +6981,9 @@
       <p:sp>
         <p:nvSpPr>
           <p:cNvPr id="187" name="Shape 187"/>
-          <p:cNvSpPr/>
+          <p:cNvSpPr>
+            <a:spLocks noGrp="1"/>
+          </p:cNvSpPr>
           <p:nvPr>
             <p:ph type="sldNum" sz="quarter" idx="4294967295"/>
           </p:nvPr>
@@ -6706,8 +7006,10 @@
           <a:bodyPr/>
           <a:lstStyle/>
           <a:p>
-            <a:pPr/>
-            <a:fld id="{86CB4B4D-7CA3-9044-876B-883B54F8677D}" type="slidenum"/>
+            <a:fld id="{86CB4B4D-7CA3-9044-876B-883B54F8677D}" type="slidenum">
+              <a:t>6</a:t>
+            </a:fld>
+            <a:endParaRPr/>
           </a:p>
         </p:txBody>
       </p:sp>
@@ -6716,12 +7018,12 @@
   <p:clrMapOvr>
     <a:masterClrMapping/>
   </p:clrMapOvr>
-  <p:transition xmlns:p14="http://schemas.microsoft.com/office/powerpoint/2010/main" spd="med" advClick="1" p14:dur="1000"/>
+  <p:transition xmlns:p14="http://schemas.microsoft.com/office/powerpoint/2010/main" spd="slow"/>
 </p:sld>
 </file>
 
 <file path=ppt/slides/slide7.xml><?xml version="1.0" encoding="utf-8"?>
-<p:sld xmlns:a="http://schemas.openxmlformats.org/drawingml/2006/main" xmlns:r="http://schemas.openxmlformats.org/officeDocument/2006/relationships" xmlns:p="http://schemas.openxmlformats.org/presentationml/2006/main" showMasterSp="1" showMasterPhAnim="1">
+<p:sld xmlns:a="http://schemas.openxmlformats.org/drawingml/2006/main" xmlns:r="http://schemas.openxmlformats.org/officeDocument/2006/relationships" xmlns:p="http://schemas.openxmlformats.org/presentationml/2006/main">
   <p:cSld>
     <p:spTree>
       <p:nvGrpSpPr>
@@ -6740,7 +7042,9 @@
       <p:sp>
         <p:nvSpPr>
           <p:cNvPr id="189" name="Shape 189"/>
-          <p:cNvSpPr/>
+          <p:cNvSpPr>
+            <a:spLocks noGrp="1"/>
+          </p:cNvSpPr>
           <p:nvPr>
             <p:ph type="title"/>
           </p:nvPr>
@@ -6761,7 +7065,6 @@
             </a:lvl1pPr>
           </a:lstStyle>
           <a:p>
-            <a:pPr/>
             <a:r>
               <a:t>OS Support for containerization</a:t>
             </a:r>
@@ -6771,7 +7074,9 @@
       <p:sp>
         <p:nvSpPr>
           <p:cNvPr id="190" name="Shape 190"/>
-          <p:cNvSpPr/>
+          <p:cNvSpPr>
+            <a:spLocks noGrp="1"/>
+          </p:cNvSpPr>
           <p:nvPr>
             <p:ph type="body" idx="1"/>
           </p:nvPr>
@@ -6785,19 +7090,16 @@
           <a:bodyPr/>
           <a:lstStyle/>
           <a:p>
-            <a:pPr/>
             <a:r>
               <a:t>cgroups features: resource limiting, prioritization, accounting, control</a:t>
             </a:r>
           </a:p>
           <a:p>
-            <a:pPr/>
             <a:r>
               <a:t>Namespacing: pids, networks, users, mounts, IPC, hostname</a:t>
             </a:r>
           </a:p>
           <a:p>
-            <a:pPr/>
             <a:r>
               <a:t>Union filesystem (e.g. aufs, OverlayFS, btrfs)</a:t>
             </a:r>
@@ -6809,12 +7111,12 @@
   <p:clrMapOvr>
     <a:masterClrMapping/>
   </p:clrMapOvr>
-  <p:transition xmlns:p14="http://schemas.microsoft.com/office/powerpoint/2010/main" spd="med" advClick="1" p14:dur="1000"/>
+  <p:transition xmlns:p14="http://schemas.microsoft.com/office/powerpoint/2010/main" spd="slow"/>
 </p:sld>
 </file>
 
 <file path=ppt/slides/slide8.xml><?xml version="1.0" encoding="utf-8"?>
-<p:sld xmlns:a="http://schemas.openxmlformats.org/drawingml/2006/main" xmlns:r="http://schemas.openxmlformats.org/officeDocument/2006/relationships" xmlns:p="http://schemas.openxmlformats.org/presentationml/2006/main" showMasterSp="1" showMasterPhAnim="1">
+<p:sld xmlns:a="http://schemas.openxmlformats.org/drawingml/2006/main" xmlns:r="http://schemas.openxmlformats.org/officeDocument/2006/relationships" xmlns:p="http://schemas.openxmlformats.org/presentationml/2006/main">
   <p:cSld>
     <p:spTree>
       <p:nvGrpSpPr>
@@ -6833,7 +7135,9 @@
       <p:sp>
         <p:nvSpPr>
           <p:cNvPr id="192" name="Shape 192"/>
-          <p:cNvSpPr/>
+          <p:cNvSpPr>
+            <a:spLocks noGrp="1"/>
+          </p:cNvSpPr>
           <p:nvPr>
             <p:ph type="title"/>
           </p:nvPr>
@@ -6854,7 +7158,6 @@
             </a:lvl1pPr>
           </a:lstStyle>
           <a:p>
-            <a:pPr/>
             <a:r>
               <a:t>Linux container implementations</a:t>
             </a:r>
@@ -6864,7 +7167,9 @@
       <p:sp>
         <p:nvSpPr>
           <p:cNvPr id="193" name="Shape 193"/>
-          <p:cNvSpPr/>
+          <p:cNvSpPr>
+            <a:spLocks noGrp="1"/>
+          </p:cNvSpPr>
           <p:nvPr>
             <p:ph type="body" idx="1"/>
           </p:nvPr>
@@ -6878,25 +7183,21 @@
           <a:bodyPr/>
           <a:lstStyle/>
           <a:p>
-            <a:pPr/>
             <a:r>
               <a:t>lxc - user-space Linux containers</a:t>
             </a:r>
           </a:p>
           <a:p>
-            <a:pPr/>
             <a:r>
               <a:t>CoreOS / rkt - minimal Linux kernel based OS for running containers</a:t>
             </a:r>
           </a:p>
           <a:p>
-            <a:pPr/>
             <a:r>
               <a:t>libcontainer (Go layer over linux containers)</a:t>
             </a:r>
           </a:p>
           <a:p>
-            <a:pPr/>
             <a:r>
               <a:t>Docker!</a:t>
             </a:r>
@@ -6908,12 +7209,12 @@
   <p:clrMapOvr>
     <a:masterClrMapping/>
   </p:clrMapOvr>
-  <p:transition xmlns:p14="http://schemas.microsoft.com/office/powerpoint/2010/main" spd="med" advClick="1" p14:dur="1000"/>
+  <p:transition xmlns:p14="http://schemas.microsoft.com/office/powerpoint/2010/main" spd="slow"/>
 </p:sld>
 </file>
 
 <file path=ppt/slides/slide9.xml><?xml version="1.0" encoding="utf-8"?>
-<p:sld xmlns:a="http://schemas.openxmlformats.org/drawingml/2006/main" xmlns:r="http://schemas.openxmlformats.org/officeDocument/2006/relationships" xmlns:p="http://schemas.openxmlformats.org/presentationml/2006/main" showMasterSp="1" showMasterPhAnim="1">
+<p:sld xmlns:a="http://schemas.openxmlformats.org/drawingml/2006/main" xmlns:r="http://schemas.openxmlformats.org/officeDocument/2006/relationships" xmlns:p="http://schemas.openxmlformats.org/presentationml/2006/main">
   <p:cSld>
     <p:spTree>
       <p:nvGrpSpPr>
@@ -6932,7 +7233,9 @@
       <p:sp>
         <p:nvSpPr>
           <p:cNvPr id="195" name="Shape 195"/>
-          <p:cNvSpPr/>
+          <p:cNvSpPr>
+            <a:spLocks noGrp="1"/>
+          </p:cNvSpPr>
           <p:nvPr>
             <p:ph type="title"/>
           </p:nvPr>
@@ -6953,7 +7256,6 @@
             </a:lvl1pPr>
           </a:lstStyle>
           <a:p>
-            <a:pPr/>
             <a:r>
               <a:t>finally… docker</a:t>
             </a:r>
@@ -6963,7 +7265,9 @@
       <p:sp>
         <p:nvSpPr>
           <p:cNvPr id="196" name="Shape 196"/>
-          <p:cNvSpPr/>
+          <p:cNvSpPr>
+            <a:spLocks noGrp="1"/>
+          </p:cNvSpPr>
           <p:nvPr>
             <p:ph type="body" idx="1"/>
           </p:nvPr>
@@ -6977,25 +7281,21 @@
           <a:bodyPr/>
           <a:lstStyle/>
           <a:p>
-            <a:pPr/>
             <a:r>
               <a:t>Docker is a collection of tools which makes Linux containers user-friendly</a:t>
             </a:r>
           </a:p>
           <a:p>
-            <a:pPr/>
             <a:r>
               <a:t>Tools allow building images, launching containers, managing them, versioning, storage, community..</a:t>
             </a:r>
           </a:p>
           <a:p>
-            <a:pPr/>
             <a:r>
               <a:t>Vision: Docker containers run any software, anywhere</a:t>
             </a:r>
           </a:p>
           <a:p>
-            <a:pPr/>
             <a:r>
               <a:t>Demo</a:t>
             </a:r>
@@ -7007,12 +7307,12 @@
   <p:clrMapOvr>
     <a:masterClrMapping/>
   </p:clrMapOvr>
-  <p:transition xmlns:p14="http://schemas.microsoft.com/office/powerpoint/2010/main" spd="med" advClick="1" p14:dur="1000"/>
+  <p:transition xmlns:p14="http://schemas.microsoft.com/office/powerpoint/2010/main" spd="slow"/>
 </p:sld>
 </file>
 
 <file path=ppt/theme/theme1.xml><?xml version="1.0" encoding="utf-8"?>
-<a:theme xmlns:a="http://schemas.openxmlformats.org/drawingml/2006/main" xmlns:r="http://schemas.openxmlformats.org/officeDocument/2006/relationships" name="New_Template7">
+<a:theme xmlns:a="http://schemas.openxmlformats.org/drawingml/2006/main" name="New_Template7">
   <a:themeElements>
     <a:clrScheme name="New_Template7">
       <a:dk1>
@@ -7211,7 +7511,7 @@
         <a:effectLst/>
         <a:sp3d/>
       </a:spPr>
-      <a:bodyPr rot="0" spcFirstLastPara="1" vertOverflow="overflow" horzOverflow="overflow" vert="horz" wrap="square" lIns="50800" tIns="50800" rIns="50800" bIns="50800" numCol="1" spcCol="38100" rtlCol="0" anchor="ctr" upright="0">
+      <a:bodyPr rot="0" spcFirstLastPara="1" vertOverflow="overflow" horzOverflow="overflow" vert="horz" wrap="square" lIns="50800" tIns="50800" rIns="50800" bIns="50800" numCol="1" spcCol="38100" rtlCol="0" anchor="ctr">
         <a:spAutoFit/>
       </a:bodyPr>
       <a:lstStyle>
@@ -7230,7 +7530,7 @@
           <a:buFontTx/>
           <a:buNone/>
           <a:tabLst/>
-          <a:defRPr b="0" baseline="0" cap="all" i="0" spc="0" strike="noStrike" sz="2800" u="none" kumimoji="0" normalizeH="0">
+          <a:defRPr kumimoji="0" sz="2800" b="0" i="0" u="none" strike="noStrike" cap="all" spc="0" normalizeH="0" baseline="0">
             <a:ln>
               <a:noFill/>
             </a:ln>
@@ -7260,7 +7560,7 @@
           <a:buFontTx/>
           <a:buNone/>
           <a:tabLst/>
-          <a:defRPr b="0" baseline="0" cap="none" i="0" spc="0" strike="noStrike" sz="1800" u="none" kumimoji="0" normalizeH="0">
+          <a:defRPr kumimoji="0" sz="1800" b="0" i="0" u="none" strike="noStrike" cap="none" spc="0" normalizeH="0" baseline="0">
             <a:ln>
               <a:noFill/>
             </a:ln>
@@ -7286,7 +7586,7 @@
           <a:buFontTx/>
           <a:buNone/>
           <a:tabLst/>
-          <a:defRPr b="0" baseline="0" cap="none" i="0" spc="0" strike="noStrike" sz="1800" u="none" kumimoji="0" normalizeH="0">
+          <a:defRPr kumimoji="0" sz="1800" b="0" i="0" u="none" strike="noStrike" cap="none" spc="0" normalizeH="0" baseline="0">
             <a:ln>
               <a:noFill/>
             </a:ln>
@@ -7312,7 +7612,7 @@
           <a:buFontTx/>
           <a:buNone/>
           <a:tabLst/>
-          <a:defRPr b="0" baseline="0" cap="none" i="0" spc="0" strike="noStrike" sz="1800" u="none" kumimoji="0" normalizeH="0">
+          <a:defRPr kumimoji="0" sz="1800" b="0" i="0" u="none" strike="noStrike" cap="none" spc="0" normalizeH="0" baseline="0">
             <a:ln>
               <a:noFill/>
             </a:ln>
@@ -7338,7 +7638,7 @@
           <a:buFontTx/>
           <a:buNone/>
           <a:tabLst/>
-          <a:defRPr b="0" baseline="0" cap="none" i="0" spc="0" strike="noStrike" sz="1800" u="none" kumimoji="0" normalizeH="0">
+          <a:defRPr kumimoji="0" sz="1800" b="0" i="0" u="none" strike="noStrike" cap="none" spc="0" normalizeH="0" baseline="0">
             <a:ln>
               <a:noFill/>
             </a:ln>
@@ -7364,7 +7664,7 @@
           <a:buFontTx/>
           <a:buNone/>
           <a:tabLst/>
-          <a:defRPr b="0" baseline="0" cap="none" i="0" spc="0" strike="noStrike" sz="1800" u="none" kumimoji="0" normalizeH="0">
+          <a:defRPr kumimoji="0" sz="1800" b="0" i="0" u="none" strike="noStrike" cap="none" spc="0" normalizeH="0" baseline="0">
             <a:ln>
               <a:noFill/>
             </a:ln>
@@ -7390,7 +7690,7 @@
           <a:buFontTx/>
           <a:buNone/>
           <a:tabLst/>
-          <a:defRPr b="0" baseline="0" cap="none" i="0" spc="0" strike="noStrike" sz="1800" u="none" kumimoji="0" normalizeH="0">
+          <a:defRPr kumimoji="0" sz="1800" b="0" i="0" u="none" strike="noStrike" cap="none" spc="0" normalizeH="0" baseline="0">
             <a:ln>
               <a:noFill/>
             </a:ln>
@@ -7416,7 +7716,7 @@
           <a:buFontTx/>
           <a:buNone/>
           <a:tabLst/>
-          <a:defRPr b="0" baseline="0" cap="none" i="0" spc="0" strike="noStrike" sz="1800" u="none" kumimoji="0" normalizeH="0">
+          <a:defRPr kumimoji="0" sz="1800" b="0" i="0" u="none" strike="noStrike" cap="none" spc="0" normalizeH="0" baseline="0">
             <a:ln>
               <a:noFill/>
             </a:ln>
@@ -7442,7 +7742,7 @@
           <a:buFontTx/>
           <a:buNone/>
           <a:tabLst/>
-          <a:defRPr b="0" baseline="0" cap="none" i="0" spc="0" strike="noStrike" sz="1800" u="none" kumimoji="0" normalizeH="0">
+          <a:defRPr kumimoji="0" sz="1800" b="0" i="0" u="none" strike="noStrike" cap="none" spc="0" normalizeH="0" baseline="0">
             <a:ln>
               <a:noFill/>
             </a:ln>
@@ -7468,7 +7768,7 @@
           <a:buFontTx/>
           <a:buNone/>
           <a:tabLst/>
-          <a:defRPr b="0" baseline="0" cap="none" i="0" spc="0" strike="noStrike" sz="1800" u="none" kumimoji="0" normalizeH="0">
+          <a:defRPr kumimoji="0" sz="1800" b="0" i="0" u="none" strike="noStrike" cap="none" spc="0" normalizeH="0" baseline="0">
             <a:ln>
               <a:noFill/>
             </a:ln>
@@ -7481,9 +7781,15 @@
         </a:lvl9pPr>
       </a:lstStyle>
       <a:style>
-        <a:lnRef idx="0"/>
-        <a:fillRef idx="0"/>
-        <a:effectRef idx="0"/>
+        <a:lnRef idx="0">
+          <a:scrgbClr r="0" g="0" b="0"/>
+        </a:lnRef>
+        <a:fillRef idx="0">
+          <a:scrgbClr r="0" g="0" b="0"/>
+        </a:fillRef>
+        <a:effectRef idx="0">
+          <a:scrgbClr r="0" g="0" b="0"/>
+        </a:effectRef>
         <a:fontRef idx="none"/>
       </a:style>
     </a:spDef>
@@ -7500,7 +7806,7 @@
         <a:effectLst/>
         <a:sp3d/>
       </a:spPr>
-      <a:bodyPr rot="0" spcFirstLastPara="1" vertOverflow="overflow" horzOverflow="overflow" vert="horz" wrap="square" lIns="91439" tIns="45719" rIns="91439" bIns="45719" numCol="1" spcCol="38100" rtlCol="0" anchor="t" upright="0">
+      <a:bodyPr rot="0" spcFirstLastPara="1" vertOverflow="overflow" horzOverflow="overflow" vert="horz" wrap="square" lIns="91439" tIns="45719" rIns="91439" bIns="45719" numCol="1" spcCol="38100" rtlCol="0" anchor="t">
         <a:noAutofit/>
       </a:bodyPr>
       <a:lstStyle>
@@ -7519,7 +7825,7 @@
           <a:buFontTx/>
           <a:buNone/>
           <a:tabLst/>
-          <a:defRPr b="0" baseline="0" cap="none" i="0" spc="0" strike="noStrike" sz="1800" u="none" kumimoji="0" normalizeH="0">
+          <a:defRPr kumimoji="0" sz="1800" b="0" i="0" u="none" strike="noStrike" cap="none" spc="0" normalizeH="0" baseline="0">
             <a:ln>
               <a:noFill/>
             </a:ln>
@@ -7545,7 +7851,7 @@
           <a:buFontTx/>
           <a:buNone/>
           <a:tabLst/>
-          <a:defRPr b="0" baseline="0" cap="none" i="0" spc="0" strike="noStrike" sz="1800" u="none" kumimoji="0" normalizeH="0">
+          <a:defRPr kumimoji="0" sz="1800" b="0" i="0" u="none" strike="noStrike" cap="none" spc="0" normalizeH="0" baseline="0">
             <a:ln>
               <a:noFill/>
             </a:ln>
@@ -7571,7 +7877,7 @@
           <a:buFontTx/>
           <a:buNone/>
           <a:tabLst/>
-          <a:defRPr b="0" baseline="0" cap="none" i="0" spc="0" strike="noStrike" sz="1800" u="none" kumimoji="0" normalizeH="0">
+          <a:defRPr kumimoji="0" sz="1800" b="0" i="0" u="none" strike="noStrike" cap="none" spc="0" normalizeH="0" baseline="0">
             <a:ln>
               <a:noFill/>
             </a:ln>
@@ -7597,7 +7903,7 @@
           <a:buFontTx/>
           <a:buNone/>
           <a:tabLst/>
-          <a:defRPr b="0" baseline="0" cap="none" i="0" spc="0" strike="noStrike" sz="1800" u="none" kumimoji="0" normalizeH="0">
+          <a:defRPr kumimoji="0" sz="1800" b="0" i="0" u="none" strike="noStrike" cap="none" spc="0" normalizeH="0" baseline="0">
             <a:ln>
               <a:noFill/>
             </a:ln>
@@ -7623,7 +7929,7 @@
           <a:buFontTx/>
           <a:buNone/>
           <a:tabLst/>
-          <a:defRPr b="0" baseline="0" cap="none" i="0" spc="0" strike="noStrike" sz="1800" u="none" kumimoji="0" normalizeH="0">
+          <a:defRPr kumimoji="0" sz="1800" b="0" i="0" u="none" strike="noStrike" cap="none" spc="0" normalizeH="0" baseline="0">
             <a:ln>
               <a:noFill/>
             </a:ln>
@@ -7649,7 +7955,7 @@
           <a:buFontTx/>
           <a:buNone/>
           <a:tabLst/>
-          <a:defRPr b="0" baseline="0" cap="none" i="0" spc="0" strike="noStrike" sz="1800" u="none" kumimoji="0" normalizeH="0">
+          <a:defRPr kumimoji="0" sz="1800" b="0" i="0" u="none" strike="noStrike" cap="none" spc="0" normalizeH="0" baseline="0">
             <a:ln>
               <a:noFill/>
             </a:ln>
@@ -7675,7 +7981,7 @@
           <a:buFontTx/>
           <a:buNone/>
           <a:tabLst/>
-          <a:defRPr b="0" baseline="0" cap="none" i="0" spc="0" strike="noStrike" sz="1800" u="none" kumimoji="0" normalizeH="0">
+          <a:defRPr kumimoji="0" sz="1800" b="0" i="0" u="none" strike="noStrike" cap="none" spc="0" normalizeH="0" baseline="0">
             <a:ln>
               <a:noFill/>
             </a:ln>
@@ -7701,7 +8007,7 @@
           <a:buFontTx/>
           <a:buNone/>
           <a:tabLst/>
-          <a:defRPr b="0" baseline="0" cap="none" i="0" spc="0" strike="noStrike" sz="1800" u="none" kumimoji="0" normalizeH="0">
+          <a:defRPr kumimoji="0" sz="1800" b="0" i="0" u="none" strike="noStrike" cap="none" spc="0" normalizeH="0" baseline="0">
             <a:ln>
               <a:noFill/>
             </a:ln>
@@ -7727,7 +8033,7 @@
           <a:buFontTx/>
           <a:buNone/>
           <a:tabLst/>
-          <a:defRPr b="0" baseline="0" cap="none" i="0" spc="0" strike="noStrike" sz="1800" u="none" kumimoji="0" normalizeH="0">
+          <a:defRPr kumimoji="0" sz="1800" b="0" i="0" u="none" strike="noStrike" cap="none" spc="0" normalizeH="0" baseline="0">
             <a:ln>
               <a:noFill/>
             </a:ln>
@@ -7753,7 +8059,7 @@
           <a:buFontTx/>
           <a:buNone/>
           <a:tabLst/>
-          <a:defRPr b="0" baseline="0" cap="none" i="0" spc="0" strike="noStrike" sz="1800" u="none" kumimoji="0" normalizeH="0">
+          <a:defRPr kumimoji="0" sz="1800" b="0" i="0" u="none" strike="noStrike" cap="none" spc="0" normalizeH="0" baseline="0">
             <a:ln>
               <a:noFill/>
             </a:ln>
@@ -7766,9 +8072,15 @@
         </a:lvl9pPr>
       </a:lstStyle>
       <a:style>
-        <a:lnRef idx="0"/>
-        <a:fillRef idx="0"/>
-        <a:effectRef idx="0"/>
+        <a:lnRef idx="0">
+          <a:scrgbClr r="0" g="0" b="0"/>
+        </a:lnRef>
+        <a:fillRef idx="0">
+          <a:scrgbClr r="0" g="0" b="0"/>
+        </a:fillRef>
+        <a:effectRef idx="0">
+          <a:scrgbClr r="0" g="0" b="0"/>
+        </a:effectRef>
         <a:fontRef idx="none"/>
       </a:style>
     </a:lnDef>
@@ -7782,7 +8094,7 @@
         <a:effectLst/>
         <a:sp3d/>
       </a:spPr>
-      <a:bodyPr rot="0" spcFirstLastPara="1" vertOverflow="overflow" horzOverflow="overflow" vert="horz" wrap="square" lIns="50800" tIns="50800" rIns="50800" bIns="50800" numCol="1" spcCol="38100" rtlCol="0" anchor="ctr" upright="0">
+      <a:bodyPr rot="0" spcFirstLastPara="1" vertOverflow="overflow" horzOverflow="overflow" vert="horz" wrap="square" lIns="50800" tIns="50800" rIns="50800" bIns="50800" numCol="1" spcCol="38100" rtlCol="0" anchor="ctr">
         <a:spAutoFit/>
       </a:bodyPr>
       <a:lstStyle>
@@ -7801,7 +8113,7 @@
           <a:buFontTx/>
           <a:buNone/>
           <a:tabLst/>
-          <a:defRPr b="0" baseline="0" cap="none" i="0" spc="0" strike="noStrike" sz="2000" u="none" kumimoji="0" normalizeH="0">
+          <a:defRPr kumimoji="0" sz="2000" b="0" i="0" u="none" strike="noStrike" cap="none" spc="0" normalizeH="0" baseline="0">
             <a:ln>
               <a:noFill/>
             </a:ln>
@@ -7831,7 +8143,7 @@
           <a:buFontTx/>
           <a:buNone/>
           <a:tabLst/>
-          <a:defRPr b="0" baseline="0" cap="none" i="0" spc="0" strike="noStrike" sz="1800" u="none" kumimoji="0" normalizeH="0">
+          <a:defRPr kumimoji="0" sz="1800" b="0" i="0" u="none" strike="noStrike" cap="none" spc="0" normalizeH="0" baseline="0">
             <a:ln>
               <a:noFill/>
             </a:ln>
@@ -7857,7 +8169,7 @@
           <a:buFontTx/>
           <a:buNone/>
           <a:tabLst/>
-          <a:defRPr b="0" baseline="0" cap="none" i="0" spc="0" strike="noStrike" sz="1800" u="none" kumimoji="0" normalizeH="0">
+          <a:defRPr kumimoji="0" sz="1800" b="0" i="0" u="none" strike="noStrike" cap="none" spc="0" normalizeH="0" baseline="0">
             <a:ln>
               <a:noFill/>
             </a:ln>
@@ -7883,7 +8195,7 @@
           <a:buFontTx/>
           <a:buNone/>
           <a:tabLst/>
-          <a:defRPr b="0" baseline="0" cap="none" i="0" spc="0" strike="noStrike" sz="1800" u="none" kumimoji="0" normalizeH="0">
+          <a:defRPr kumimoji="0" sz="1800" b="0" i="0" u="none" strike="noStrike" cap="none" spc="0" normalizeH="0" baseline="0">
             <a:ln>
               <a:noFill/>
             </a:ln>
@@ -7909,7 +8221,7 @@
           <a:buFontTx/>
           <a:buNone/>
           <a:tabLst/>
-          <a:defRPr b="0" baseline="0" cap="none" i="0" spc="0" strike="noStrike" sz="1800" u="none" kumimoji="0" normalizeH="0">
+          <a:defRPr kumimoji="0" sz="1800" b="0" i="0" u="none" strike="noStrike" cap="none" spc="0" normalizeH="0" baseline="0">
             <a:ln>
               <a:noFill/>
             </a:ln>
@@ -7935,7 +8247,7 @@
           <a:buFontTx/>
           <a:buNone/>
           <a:tabLst/>
-          <a:defRPr b="0" baseline="0" cap="none" i="0" spc="0" strike="noStrike" sz="1800" u="none" kumimoji="0" normalizeH="0">
+          <a:defRPr kumimoji="0" sz="1800" b="0" i="0" u="none" strike="noStrike" cap="none" spc="0" normalizeH="0" baseline="0">
             <a:ln>
               <a:noFill/>
             </a:ln>
@@ -7961,7 +8273,7 @@
           <a:buFontTx/>
           <a:buNone/>
           <a:tabLst/>
-          <a:defRPr b="0" baseline="0" cap="none" i="0" spc="0" strike="noStrike" sz="1800" u="none" kumimoji="0" normalizeH="0">
+          <a:defRPr kumimoji="0" sz="1800" b="0" i="0" u="none" strike="noStrike" cap="none" spc="0" normalizeH="0" baseline="0">
             <a:ln>
               <a:noFill/>
             </a:ln>
@@ -7987,7 +8299,7 @@
           <a:buFontTx/>
           <a:buNone/>
           <a:tabLst/>
-          <a:defRPr b="0" baseline="0" cap="none" i="0" spc="0" strike="noStrike" sz="1800" u="none" kumimoji="0" normalizeH="0">
+          <a:defRPr kumimoji="0" sz="1800" b="0" i="0" u="none" strike="noStrike" cap="none" spc="0" normalizeH="0" baseline="0">
             <a:ln>
               <a:noFill/>
             </a:ln>
@@ -8013,7 +8325,7 @@
           <a:buFontTx/>
           <a:buNone/>
           <a:tabLst/>
-          <a:defRPr b="0" baseline="0" cap="none" i="0" spc="0" strike="noStrike" sz="1800" u="none" kumimoji="0" normalizeH="0">
+          <a:defRPr kumimoji="0" sz="1800" b="0" i="0" u="none" strike="noStrike" cap="none" spc="0" normalizeH="0" baseline="0">
             <a:ln>
               <a:noFill/>
             </a:ln>
@@ -8039,7 +8351,7 @@
           <a:buFontTx/>
           <a:buNone/>
           <a:tabLst/>
-          <a:defRPr b="0" baseline="0" cap="none" i="0" spc="0" strike="noStrike" sz="1800" u="none" kumimoji="0" normalizeH="0">
+          <a:defRPr kumimoji="0" sz="1800" b="0" i="0" u="none" strike="noStrike" cap="none" spc="0" normalizeH="0" baseline="0">
             <a:ln>
               <a:noFill/>
             </a:ln>
@@ -8052,18 +8364,25 @@
         </a:lvl9pPr>
       </a:lstStyle>
       <a:style>
-        <a:lnRef idx="0"/>
-        <a:fillRef idx="0"/>
-        <a:effectRef idx="0"/>
+        <a:lnRef idx="0">
+          <a:scrgbClr r="0" g="0" b="0"/>
+        </a:lnRef>
+        <a:fillRef idx="0">
+          <a:scrgbClr r="0" g="0" b="0"/>
+        </a:fillRef>
+        <a:effectRef idx="0">
+          <a:scrgbClr r="0" g="0" b="0"/>
+        </a:effectRef>
         <a:fontRef idx="none"/>
       </a:style>
     </a:txDef>
   </a:objectDefaults>
+  <a:extraClrSchemeLst/>
 </a:theme>
 </file>
 
 <file path=ppt/theme/theme2.xml><?xml version="1.0" encoding="utf-8"?>
-<a:theme xmlns:a="http://schemas.openxmlformats.org/drawingml/2006/main" xmlns:r="http://schemas.openxmlformats.org/officeDocument/2006/relationships" name="New_Template7">
+<a:theme xmlns:a="http://schemas.openxmlformats.org/drawingml/2006/main" name="New_Template7">
   <a:themeElements>
     <a:clrScheme name="New_Template7">
       <a:dk1>
@@ -8262,7 +8581,7 @@
         <a:effectLst/>
         <a:sp3d/>
       </a:spPr>
-      <a:bodyPr rot="0" spcFirstLastPara="1" vertOverflow="overflow" horzOverflow="overflow" vert="horz" wrap="square" lIns="50800" tIns="50800" rIns="50800" bIns="50800" numCol="1" spcCol="38100" rtlCol="0" anchor="ctr" upright="0">
+      <a:bodyPr rot="0" spcFirstLastPara="1" vertOverflow="overflow" horzOverflow="overflow" vert="horz" wrap="square" lIns="50800" tIns="50800" rIns="50800" bIns="50800" numCol="1" spcCol="38100" rtlCol="0" anchor="ctr">
         <a:spAutoFit/>
       </a:bodyPr>
       <a:lstStyle>
@@ -8281,7 +8600,7 @@
           <a:buFontTx/>
           <a:buNone/>
           <a:tabLst/>
-          <a:defRPr b="0" baseline="0" cap="all" i="0" spc="0" strike="noStrike" sz="2800" u="none" kumimoji="0" normalizeH="0">
+          <a:defRPr kumimoji="0" sz="2800" b="0" i="0" u="none" strike="noStrike" cap="all" spc="0" normalizeH="0" baseline="0">
             <a:ln>
               <a:noFill/>
             </a:ln>
@@ -8311,7 +8630,7 @@
           <a:buFontTx/>
           <a:buNone/>
           <a:tabLst/>
-          <a:defRPr b="0" baseline="0" cap="none" i="0" spc="0" strike="noStrike" sz="1800" u="none" kumimoji="0" normalizeH="0">
+          <a:defRPr kumimoji="0" sz="1800" b="0" i="0" u="none" strike="noStrike" cap="none" spc="0" normalizeH="0" baseline="0">
             <a:ln>
               <a:noFill/>
             </a:ln>
@@ -8337,7 +8656,7 @@
           <a:buFontTx/>
           <a:buNone/>
           <a:tabLst/>
-          <a:defRPr b="0" baseline="0" cap="none" i="0" spc="0" strike="noStrike" sz="1800" u="none" kumimoji="0" normalizeH="0">
+          <a:defRPr kumimoji="0" sz="1800" b="0" i="0" u="none" strike="noStrike" cap="none" spc="0" normalizeH="0" baseline="0">
             <a:ln>
               <a:noFill/>
             </a:ln>
@@ -8363,7 +8682,7 @@
           <a:buFontTx/>
           <a:buNone/>
           <a:tabLst/>
-          <a:defRPr b="0" baseline="0" cap="none" i="0" spc="0" strike="noStrike" sz="1800" u="none" kumimoji="0" normalizeH="0">
+          <a:defRPr kumimoji="0" sz="1800" b="0" i="0" u="none" strike="noStrike" cap="none" spc="0" normalizeH="0" baseline="0">
             <a:ln>
               <a:noFill/>
             </a:ln>
@@ -8389,7 +8708,7 @@
           <a:buFontTx/>
           <a:buNone/>
           <a:tabLst/>
-          <a:defRPr b="0" baseline="0" cap="none" i="0" spc="0" strike="noStrike" sz="1800" u="none" kumimoji="0" normalizeH="0">
+          <a:defRPr kumimoji="0" sz="1800" b="0" i="0" u="none" strike="noStrike" cap="none" spc="0" normalizeH="0" baseline="0">
             <a:ln>
               <a:noFill/>
             </a:ln>
@@ -8415,7 +8734,7 @@
           <a:buFontTx/>
           <a:buNone/>
           <a:tabLst/>
-          <a:defRPr b="0" baseline="0" cap="none" i="0" spc="0" strike="noStrike" sz="1800" u="none" kumimoji="0" normalizeH="0">
+          <a:defRPr kumimoji="0" sz="1800" b="0" i="0" u="none" strike="noStrike" cap="none" spc="0" normalizeH="0" baseline="0">
             <a:ln>
               <a:noFill/>
             </a:ln>
@@ -8441,7 +8760,7 @@
           <a:buFontTx/>
           <a:buNone/>
           <a:tabLst/>
-          <a:defRPr b="0" baseline="0" cap="none" i="0" spc="0" strike="noStrike" sz="1800" u="none" kumimoji="0" normalizeH="0">
+          <a:defRPr kumimoji="0" sz="1800" b="0" i="0" u="none" strike="noStrike" cap="none" spc="0" normalizeH="0" baseline="0">
             <a:ln>
               <a:noFill/>
             </a:ln>
@@ -8467,7 +8786,7 @@
           <a:buFontTx/>
           <a:buNone/>
           <a:tabLst/>
-          <a:defRPr b="0" baseline="0" cap="none" i="0" spc="0" strike="noStrike" sz="1800" u="none" kumimoji="0" normalizeH="0">
+          <a:defRPr kumimoji="0" sz="1800" b="0" i="0" u="none" strike="noStrike" cap="none" spc="0" normalizeH="0" baseline="0">
             <a:ln>
               <a:noFill/>
             </a:ln>
@@ -8493,7 +8812,7 @@
           <a:buFontTx/>
           <a:buNone/>
           <a:tabLst/>
-          <a:defRPr b="0" baseline="0" cap="none" i="0" spc="0" strike="noStrike" sz="1800" u="none" kumimoji="0" normalizeH="0">
+          <a:defRPr kumimoji="0" sz="1800" b="0" i="0" u="none" strike="noStrike" cap="none" spc="0" normalizeH="0" baseline="0">
             <a:ln>
               <a:noFill/>
             </a:ln>
@@ -8519,7 +8838,7 @@
           <a:buFontTx/>
           <a:buNone/>
           <a:tabLst/>
-          <a:defRPr b="0" baseline="0" cap="none" i="0" spc="0" strike="noStrike" sz="1800" u="none" kumimoji="0" normalizeH="0">
+          <a:defRPr kumimoji="0" sz="1800" b="0" i="0" u="none" strike="noStrike" cap="none" spc="0" normalizeH="0" baseline="0">
             <a:ln>
               <a:noFill/>
             </a:ln>
@@ -8532,9 +8851,15 @@
         </a:lvl9pPr>
       </a:lstStyle>
       <a:style>
-        <a:lnRef idx="0"/>
-        <a:fillRef idx="0"/>
-        <a:effectRef idx="0"/>
+        <a:lnRef idx="0">
+          <a:scrgbClr r="0" g="0" b="0"/>
+        </a:lnRef>
+        <a:fillRef idx="0">
+          <a:scrgbClr r="0" g="0" b="0"/>
+        </a:fillRef>
+        <a:effectRef idx="0">
+          <a:scrgbClr r="0" g="0" b="0"/>
+        </a:effectRef>
         <a:fontRef idx="none"/>
       </a:style>
     </a:spDef>
@@ -8551,7 +8876,7 @@
         <a:effectLst/>
         <a:sp3d/>
       </a:spPr>
-      <a:bodyPr rot="0" spcFirstLastPara="1" vertOverflow="overflow" horzOverflow="overflow" vert="horz" wrap="square" lIns="91439" tIns="45719" rIns="91439" bIns="45719" numCol="1" spcCol="38100" rtlCol="0" anchor="t" upright="0">
+      <a:bodyPr rot="0" spcFirstLastPara="1" vertOverflow="overflow" horzOverflow="overflow" vert="horz" wrap="square" lIns="91439" tIns="45719" rIns="91439" bIns="45719" numCol="1" spcCol="38100" rtlCol="0" anchor="t">
         <a:noAutofit/>
       </a:bodyPr>
       <a:lstStyle>
@@ -8570,7 +8895,7 @@
           <a:buFontTx/>
           <a:buNone/>
           <a:tabLst/>
-          <a:defRPr b="0" baseline="0" cap="none" i="0" spc="0" strike="noStrike" sz="1800" u="none" kumimoji="0" normalizeH="0">
+          <a:defRPr kumimoji="0" sz="1800" b="0" i="0" u="none" strike="noStrike" cap="none" spc="0" normalizeH="0" baseline="0">
             <a:ln>
               <a:noFill/>
             </a:ln>
@@ -8596,7 +8921,7 @@
           <a:buFontTx/>
           <a:buNone/>
           <a:tabLst/>
-          <a:defRPr b="0" baseline="0" cap="none" i="0" spc="0" strike="noStrike" sz="1800" u="none" kumimoji="0" normalizeH="0">
+          <a:defRPr kumimoji="0" sz="1800" b="0" i="0" u="none" strike="noStrike" cap="none" spc="0" normalizeH="0" baseline="0">
             <a:ln>
               <a:noFill/>
             </a:ln>
@@ -8622,7 +8947,7 @@
           <a:buFontTx/>
           <a:buNone/>
           <a:tabLst/>
-          <a:defRPr b="0" baseline="0" cap="none" i="0" spc="0" strike="noStrike" sz="1800" u="none" kumimoji="0" normalizeH="0">
+          <a:defRPr kumimoji="0" sz="1800" b="0" i="0" u="none" strike="noStrike" cap="none" spc="0" normalizeH="0" baseline="0">
             <a:ln>
               <a:noFill/>
             </a:ln>
@@ -8648,7 +8973,7 @@
           <a:buFontTx/>
           <a:buNone/>
           <a:tabLst/>
-          <a:defRPr b="0" baseline="0" cap="none" i="0" spc="0" strike="noStrike" sz="1800" u="none" kumimoji="0" normalizeH="0">
+          <a:defRPr kumimoji="0" sz="1800" b="0" i="0" u="none" strike="noStrike" cap="none" spc="0" normalizeH="0" baseline="0">
             <a:ln>
               <a:noFill/>
             </a:ln>
@@ -8674,7 +8999,7 @@
           <a:buFontTx/>
           <a:buNone/>
           <a:tabLst/>
-          <a:defRPr b="0" baseline="0" cap="none" i="0" spc="0" strike="noStrike" sz="1800" u="none" kumimoji="0" normalizeH="0">
+          <a:defRPr kumimoji="0" sz="1800" b="0" i="0" u="none" strike="noStrike" cap="none" spc="0" normalizeH="0" baseline="0">
             <a:ln>
               <a:noFill/>
             </a:ln>
@@ -8700,7 +9025,7 @@
           <a:buFontTx/>
           <a:buNone/>
           <a:tabLst/>
-          <a:defRPr b="0" baseline="0" cap="none" i="0" spc="0" strike="noStrike" sz="1800" u="none" kumimoji="0" normalizeH="0">
+          <a:defRPr kumimoji="0" sz="1800" b="0" i="0" u="none" strike="noStrike" cap="none" spc="0" normalizeH="0" baseline="0">
             <a:ln>
               <a:noFill/>
             </a:ln>
@@ -8726,7 +9051,7 @@
           <a:buFontTx/>
           <a:buNone/>
           <a:tabLst/>
-          <a:defRPr b="0" baseline="0" cap="none" i="0" spc="0" strike="noStrike" sz="1800" u="none" kumimoji="0" normalizeH="0">
+          <a:defRPr kumimoji="0" sz="1800" b="0" i="0" u="none" strike="noStrike" cap="none" spc="0" normalizeH="0" baseline="0">
             <a:ln>
               <a:noFill/>
             </a:ln>
@@ -8752,7 +9077,7 @@
           <a:buFontTx/>
           <a:buNone/>
           <a:tabLst/>
-          <a:defRPr b="0" baseline="0" cap="none" i="0" spc="0" strike="noStrike" sz="1800" u="none" kumimoji="0" normalizeH="0">
+          <a:defRPr kumimoji="0" sz="1800" b="0" i="0" u="none" strike="noStrike" cap="none" spc="0" normalizeH="0" baseline="0">
             <a:ln>
               <a:noFill/>
             </a:ln>
@@ -8778,7 +9103,7 @@
           <a:buFontTx/>
           <a:buNone/>
           <a:tabLst/>
-          <a:defRPr b="0" baseline="0" cap="none" i="0" spc="0" strike="noStrike" sz="1800" u="none" kumimoji="0" normalizeH="0">
+          <a:defRPr kumimoji="0" sz="1800" b="0" i="0" u="none" strike="noStrike" cap="none" spc="0" normalizeH="0" baseline="0">
             <a:ln>
               <a:noFill/>
             </a:ln>
@@ -8804,7 +9129,7 @@
           <a:buFontTx/>
           <a:buNone/>
           <a:tabLst/>
-          <a:defRPr b="0" baseline="0" cap="none" i="0" spc="0" strike="noStrike" sz="1800" u="none" kumimoji="0" normalizeH="0">
+          <a:defRPr kumimoji="0" sz="1800" b="0" i="0" u="none" strike="noStrike" cap="none" spc="0" normalizeH="0" baseline="0">
             <a:ln>
               <a:noFill/>
             </a:ln>
@@ -8817,9 +9142,15 @@
         </a:lvl9pPr>
       </a:lstStyle>
       <a:style>
-        <a:lnRef idx="0"/>
-        <a:fillRef idx="0"/>
-        <a:effectRef idx="0"/>
+        <a:lnRef idx="0">
+          <a:scrgbClr r="0" g="0" b="0"/>
+        </a:lnRef>
+        <a:fillRef idx="0">
+          <a:scrgbClr r="0" g="0" b="0"/>
+        </a:fillRef>
+        <a:effectRef idx="0">
+          <a:scrgbClr r="0" g="0" b="0"/>
+        </a:effectRef>
         <a:fontRef idx="none"/>
       </a:style>
     </a:lnDef>
@@ -8833,7 +9164,7 @@
         <a:effectLst/>
         <a:sp3d/>
       </a:spPr>
-      <a:bodyPr rot="0" spcFirstLastPara="1" vertOverflow="overflow" horzOverflow="overflow" vert="horz" wrap="square" lIns="50800" tIns="50800" rIns="50800" bIns="50800" numCol="1" spcCol="38100" rtlCol="0" anchor="ctr" upright="0">
+      <a:bodyPr rot="0" spcFirstLastPara="1" vertOverflow="overflow" horzOverflow="overflow" vert="horz" wrap="square" lIns="50800" tIns="50800" rIns="50800" bIns="50800" numCol="1" spcCol="38100" rtlCol="0" anchor="ctr">
         <a:spAutoFit/>
       </a:bodyPr>
       <a:lstStyle>
@@ -8852,7 +9183,7 @@
           <a:buFontTx/>
           <a:buNone/>
           <a:tabLst/>
-          <a:defRPr b="0" baseline="0" cap="none" i="0" spc="0" strike="noStrike" sz="2000" u="none" kumimoji="0" normalizeH="0">
+          <a:defRPr kumimoji="0" sz="2000" b="0" i="0" u="none" strike="noStrike" cap="none" spc="0" normalizeH="0" baseline="0">
             <a:ln>
               <a:noFill/>
             </a:ln>
@@ -8882,7 +9213,7 @@
           <a:buFontTx/>
           <a:buNone/>
           <a:tabLst/>
-          <a:defRPr b="0" baseline="0" cap="none" i="0" spc="0" strike="noStrike" sz="1800" u="none" kumimoji="0" normalizeH="0">
+          <a:defRPr kumimoji="0" sz="1800" b="0" i="0" u="none" strike="noStrike" cap="none" spc="0" normalizeH="0" baseline="0">
             <a:ln>
               <a:noFill/>
             </a:ln>
@@ -8908,7 +9239,7 @@
           <a:buFontTx/>
           <a:buNone/>
           <a:tabLst/>
-          <a:defRPr b="0" baseline="0" cap="none" i="0" spc="0" strike="noStrike" sz="1800" u="none" kumimoji="0" normalizeH="0">
+          <a:defRPr kumimoji="0" sz="1800" b="0" i="0" u="none" strike="noStrike" cap="none" spc="0" normalizeH="0" baseline="0">
             <a:ln>
               <a:noFill/>
             </a:ln>
@@ -8934,7 +9265,7 @@
           <a:buFontTx/>
           <a:buNone/>
           <a:tabLst/>
-          <a:defRPr b="0" baseline="0" cap="none" i="0" spc="0" strike="noStrike" sz="1800" u="none" kumimoji="0" normalizeH="0">
+          <a:defRPr kumimoji="0" sz="1800" b="0" i="0" u="none" strike="noStrike" cap="none" spc="0" normalizeH="0" baseline="0">
             <a:ln>
               <a:noFill/>
             </a:ln>
@@ -8960,7 +9291,7 @@
           <a:buFontTx/>
           <a:buNone/>
           <a:tabLst/>
-          <a:defRPr b="0" baseline="0" cap="none" i="0" spc="0" strike="noStrike" sz="1800" u="none" kumimoji="0" normalizeH="0">
+          <a:defRPr kumimoji="0" sz="1800" b="0" i="0" u="none" strike="noStrike" cap="none" spc="0" normalizeH="0" baseline="0">
             <a:ln>
               <a:noFill/>
             </a:ln>
@@ -8986,7 +9317,7 @@
           <a:buFontTx/>
           <a:buNone/>
           <a:tabLst/>
-          <a:defRPr b="0" baseline="0" cap="none" i="0" spc="0" strike="noStrike" sz="1800" u="none" kumimoji="0" normalizeH="0">
+          <a:defRPr kumimoji="0" sz="1800" b="0" i="0" u="none" strike="noStrike" cap="none" spc="0" normalizeH="0" baseline="0">
             <a:ln>
               <a:noFill/>
             </a:ln>
@@ -9012,7 +9343,7 @@
           <a:buFontTx/>
           <a:buNone/>
           <a:tabLst/>
-          <a:defRPr b="0" baseline="0" cap="none" i="0" spc="0" strike="noStrike" sz="1800" u="none" kumimoji="0" normalizeH="0">
+          <a:defRPr kumimoji="0" sz="1800" b="0" i="0" u="none" strike="noStrike" cap="none" spc="0" normalizeH="0" baseline="0">
             <a:ln>
               <a:noFill/>
             </a:ln>
@@ -9038,7 +9369,7 @@
           <a:buFontTx/>
           <a:buNone/>
           <a:tabLst/>
-          <a:defRPr b="0" baseline="0" cap="none" i="0" spc="0" strike="noStrike" sz="1800" u="none" kumimoji="0" normalizeH="0">
+          <a:defRPr kumimoji="0" sz="1800" b="0" i="0" u="none" strike="noStrike" cap="none" spc="0" normalizeH="0" baseline="0">
             <a:ln>
               <a:noFill/>
             </a:ln>
@@ -9064,7 +9395,7 @@
           <a:buFontTx/>
           <a:buNone/>
           <a:tabLst/>
-          <a:defRPr b="0" baseline="0" cap="none" i="0" spc="0" strike="noStrike" sz="1800" u="none" kumimoji="0" normalizeH="0">
+          <a:defRPr kumimoji="0" sz="1800" b="0" i="0" u="none" strike="noStrike" cap="none" spc="0" normalizeH="0" baseline="0">
             <a:ln>
               <a:noFill/>
             </a:ln>
@@ -9090,7 +9421,7 @@
           <a:buFontTx/>
           <a:buNone/>
           <a:tabLst/>
-          <a:defRPr b="0" baseline="0" cap="none" i="0" spc="0" strike="noStrike" sz="1800" u="none" kumimoji="0" normalizeH="0">
+          <a:defRPr kumimoji="0" sz="1800" b="0" i="0" u="none" strike="noStrike" cap="none" spc="0" normalizeH="0" baseline="0">
             <a:ln>
               <a:noFill/>
             </a:ln>
@@ -9103,12 +9434,19 @@
         </a:lvl9pPr>
       </a:lstStyle>
       <a:style>
-        <a:lnRef idx="0"/>
-        <a:fillRef idx="0"/>
-        <a:effectRef idx="0"/>
+        <a:lnRef idx="0">
+          <a:scrgbClr r="0" g="0" b="0"/>
+        </a:lnRef>
+        <a:fillRef idx="0">
+          <a:scrgbClr r="0" g="0" b="0"/>
+        </a:fillRef>
+        <a:effectRef idx="0">
+          <a:scrgbClr r="0" g="0" b="0"/>
+        </a:effectRef>
         <a:fontRef idx="none"/>
       </a:style>
     </a:txDef>
   </a:objectDefaults>
+  <a:extraClrSchemeLst/>
 </a:theme>
 </file>